--- a/Slides/Baseball 3/Baseball_3_Lecture.pptx
+++ b/Slides/Baseball 3/Baseball_3_Lecture.pptx
@@ -211,7 +211,7 @@
           <a:p>
             <a:fld id="{C04E5E84-956F-4423-97B3-5936A6D8EEEE}" type="datetimeFigureOut">
               <a:rPr lang="en-US" smtClean="0"/>
-              <a:t>9/10/2019</a:t>
+              <a:t>1/31/2021</a:t>
             </a:fld>
             <a:endParaRPr lang="en-US"/>
           </a:p>
@@ -625,7 +625,7 @@
           <a:p>
             <a:fld id="{3881C039-66A3-4640-815B-3B5A8B7D868D}" type="datetimeFigureOut">
               <a:rPr lang="en-US" smtClean="0"/>
-              <a:t>9/10/2019</a:t>
+              <a:t>1/31/2021</a:t>
             </a:fld>
             <a:endParaRPr lang="en-US"/>
           </a:p>
@@ -823,7 +823,7 @@
           <a:p>
             <a:fld id="{3881C039-66A3-4640-815B-3B5A8B7D868D}" type="datetimeFigureOut">
               <a:rPr lang="en-US" smtClean="0"/>
-              <a:t>9/10/2019</a:t>
+              <a:t>1/31/2021</a:t>
             </a:fld>
             <a:endParaRPr lang="en-US"/>
           </a:p>
@@ -1031,7 +1031,7 @@
           <a:p>
             <a:fld id="{3881C039-66A3-4640-815B-3B5A8B7D868D}" type="datetimeFigureOut">
               <a:rPr lang="en-US" smtClean="0"/>
-              <a:t>9/10/2019</a:t>
+              <a:t>1/31/2021</a:t>
             </a:fld>
             <a:endParaRPr lang="en-US"/>
           </a:p>
@@ -1229,7 +1229,7 @@
           <a:p>
             <a:fld id="{3881C039-66A3-4640-815B-3B5A8B7D868D}" type="datetimeFigureOut">
               <a:rPr lang="en-US" smtClean="0"/>
-              <a:t>9/10/2019</a:t>
+              <a:t>1/31/2021</a:t>
             </a:fld>
             <a:endParaRPr lang="en-US"/>
           </a:p>
@@ -1504,7 +1504,7 @@
           <a:p>
             <a:fld id="{3881C039-66A3-4640-815B-3B5A8B7D868D}" type="datetimeFigureOut">
               <a:rPr lang="en-US" smtClean="0"/>
-              <a:t>9/10/2019</a:t>
+              <a:t>1/31/2021</a:t>
             </a:fld>
             <a:endParaRPr lang="en-US"/>
           </a:p>
@@ -1769,7 +1769,7 @@
           <a:p>
             <a:fld id="{3881C039-66A3-4640-815B-3B5A8B7D868D}" type="datetimeFigureOut">
               <a:rPr lang="en-US" smtClean="0"/>
-              <a:t>9/10/2019</a:t>
+              <a:t>1/31/2021</a:t>
             </a:fld>
             <a:endParaRPr lang="en-US"/>
           </a:p>
@@ -2181,7 +2181,7 @@
           <a:p>
             <a:fld id="{3881C039-66A3-4640-815B-3B5A8B7D868D}" type="datetimeFigureOut">
               <a:rPr lang="en-US" smtClean="0"/>
-              <a:t>9/10/2019</a:t>
+              <a:t>1/31/2021</a:t>
             </a:fld>
             <a:endParaRPr lang="en-US"/>
           </a:p>
@@ -2322,7 +2322,7 @@
           <a:p>
             <a:fld id="{3881C039-66A3-4640-815B-3B5A8B7D868D}" type="datetimeFigureOut">
               <a:rPr lang="en-US" smtClean="0"/>
-              <a:t>9/10/2019</a:t>
+              <a:t>1/31/2021</a:t>
             </a:fld>
             <a:endParaRPr lang="en-US"/>
           </a:p>
@@ -2435,7 +2435,7 @@
           <a:p>
             <a:fld id="{3881C039-66A3-4640-815B-3B5A8B7D868D}" type="datetimeFigureOut">
               <a:rPr lang="en-US" smtClean="0"/>
-              <a:t>9/10/2019</a:t>
+              <a:t>1/31/2021</a:t>
             </a:fld>
             <a:endParaRPr lang="en-US"/>
           </a:p>
@@ -2746,7 +2746,7 @@
           <a:p>
             <a:fld id="{3881C039-66A3-4640-815B-3B5A8B7D868D}" type="datetimeFigureOut">
               <a:rPr lang="en-US" smtClean="0"/>
-              <a:t>9/10/2019</a:t>
+              <a:t>1/31/2021</a:t>
             </a:fld>
             <a:endParaRPr lang="en-US"/>
           </a:p>
@@ -3034,7 +3034,7 @@
           <a:p>
             <a:fld id="{3881C039-66A3-4640-815B-3B5A8B7D868D}" type="datetimeFigureOut">
               <a:rPr lang="en-US" smtClean="0"/>
-              <a:t>9/10/2019</a:t>
+              <a:t>1/31/2021</a:t>
             </a:fld>
             <a:endParaRPr lang="en-US"/>
           </a:p>
@@ -3278,7 +3278,7 @@
           <a:p>
             <a:fld id="{3881C039-66A3-4640-815B-3B5A8B7D868D}" type="datetimeFigureOut">
               <a:rPr lang="en-US" smtClean="0"/>
-              <a:t>9/10/2019</a:t>
+              <a:t>1/31/2021</a:t>
             </a:fld>
             <a:endParaRPr lang="en-US"/>
           </a:p>
@@ -3827,8 +3827,23 @@
                 </a:solidFill>
                 <a:latin typeface="Selawik Semibold" panose="020B0702040204020203" pitchFamily="34" charset="0"/>
               </a:rPr>
-              <a:t>Produced by Dr. Mario | UNC STOR 390</a:t>
+              <a:t>Produced by Dr. Mario | UNC </a:t>
             </a:r>
+            <a:r>
+              <a:rPr lang="en-US">
+                <a:solidFill>
+                  <a:schemeClr val="bg1"/>
+                </a:solidFill>
+                <a:latin typeface="Selawik Semibold" panose="020B0702040204020203" pitchFamily="34" charset="0"/>
+              </a:rPr>
+              <a:t>STOR 538</a:t>
+            </a:r>
+            <a:endParaRPr lang="en-US" dirty="0">
+              <a:solidFill>
+                <a:schemeClr val="bg1"/>
+              </a:solidFill>
+              <a:latin typeface="Selawik Semibold" panose="020B0702040204020203" pitchFamily="34" charset="0"/>
+            </a:endParaRPr>
           </a:p>
         </p:txBody>
       </p:sp>

--- a/Slides/Baseball 3/Baseball_3_Lecture.pptx
+++ b/Slides/Baseball 3/Baseball_3_Lecture.pptx
@@ -211,7 +211,7 @@
           <a:p>
             <a:fld id="{C04E5E84-956F-4423-97B3-5936A6D8EEEE}" type="datetimeFigureOut">
               <a:rPr lang="en-US" smtClean="0"/>
-              <a:t>1/31/2021</a:t>
+              <a:t>2/4/2021</a:t>
             </a:fld>
             <a:endParaRPr lang="en-US"/>
           </a:p>
@@ -625,7 +625,7 @@
           <a:p>
             <a:fld id="{3881C039-66A3-4640-815B-3B5A8B7D868D}" type="datetimeFigureOut">
               <a:rPr lang="en-US" smtClean="0"/>
-              <a:t>1/31/2021</a:t>
+              <a:t>2/4/2021</a:t>
             </a:fld>
             <a:endParaRPr lang="en-US"/>
           </a:p>
@@ -823,7 +823,7 @@
           <a:p>
             <a:fld id="{3881C039-66A3-4640-815B-3B5A8B7D868D}" type="datetimeFigureOut">
               <a:rPr lang="en-US" smtClean="0"/>
-              <a:t>1/31/2021</a:t>
+              <a:t>2/4/2021</a:t>
             </a:fld>
             <a:endParaRPr lang="en-US"/>
           </a:p>
@@ -1031,7 +1031,7 @@
           <a:p>
             <a:fld id="{3881C039-66A3-4640-815B-3B5A8B7D868D}" type="datetimeFigureOut">
               <a:rPr lang="en-US" smtClean="0"/>
-              <a:t>1/31/2021</a:t>
+              <a:t>2/4/2021</a:t>
             </a:fld>
             <a:endParaRPr lang="en-US"/>
           </a:p>
@@ -1229,7 +1229,7 @@
           <a:p>
             <a:fld id="{3881C039-66A3-4640-815B-3B5A8B7D868D}" type="datetimeFigureOut">
               <a:rPr lang="en-US" smtClean="0"/>
-              <a:t>1/31/2021</a:t>
+              <a:t>2/4/2021</a:t>
             </a:fld>
             <a:endParaRPr lang="en-US"/>
           </a:p>
@@ -1504,7 +1504,7 @@
           <a:p>
             <a:fld id="{3881C039-66A3-4640-815B-3B5A8B7D868D}" type="datetimeFigureOut">
               <a:rPr lang="en-US" smtClean="0"/>
-              <a:t>1/31/2021</a:t>
+              <a:t>2/4/2021</a:t>
             </a:fld>
             <a:endParaRPr lang="en-US"/>
           </a:p>
@@ -1769,7 +1769,7 @@
           <a:p>
             <a:fld id="{3881C039-66A3-4640-815B-3B5A8B7D868D}" type="datetimeFigureOut">
               <a:rPr lang="en-US" smtClean="0"/>
-              <a:t>1/31/2021</a:t>
+              <a:t>2/4/2021</a:t>
             </a:fld>
             <a:endParaRPr lang="en-US"/>
           </a:p>
@@ -2181,7 +2181,7 @@
           <a:p>
             <a:fld id="{3881C039-66A3-4640-815B-3B5A8B7D868D}" type="datetimeFigureOut">
               <a:rPr lang="en-US" smtClean="0"/>
-              <a:t>1/31/2021</a:t>
+              <a:t>2/4/2021</a:t>
             </a:fld>
             <a:endParaRPr lang="en-US"/>
           </a:p>
@@ -2322,7 +2322,7 @@
           <a:p>
             <a:fld id="{3881C039-66A3-4640-815B-3B5A8B7D868D}" type="datetimeFigureOut">
               <a:rPr lang="en-US" smtClean="0"/>
-              <a:t>1/31/2021</a:t>
+              <a:t>2/4/2021</a:t>
             </a:fld>
             <a:endParaRPr lang="en-US"/>
           </a:p>
@@ -2435,7 +2435,7 @@
           <a:p>
             <a:fld id="{3881C039-66A3-4640-815B-3B5A8B7D868D}" type="datetimeFigureOut">
               <a:rPr lang="en-US" smtClean="0"/>
-              <a:t>1/31/2021</a:t>
+              <a:t>2/4/2021</a:t>
             </a:fld>
             <a:endParaRPr lang="en-US"/>
           </a:p>
@@ -2746,7 +2746,7 @@
           <a:p>
             <a:fld id="{3881C039-66A3-4640-815B-3B5A8B7D868D}" type="datetimeFigureOut">
               <a:rPr lang="en-US" smtClean="0"/>
-              <a:t>1/31/2021</a:t>
+              <a:t>2/4/2021</a:t>
             </a:fld>
             <a:endParaRPr lang="en-US"/>
           </a:p>
@@ -3034,7 +3034,7 @@
           <a:p>
             <a:fld id="{3881C039-66A3-4640-815B-3B5A8B7D868D}" type="datetimeFigureOut">
               <a:rPr lang="en-US" smtClean="0"/>
-              <a:t>1/31/2021</a:t>
+              <a:t>2/4/2021</a:t>
             </a:fld>
             <a:endParaRPr lang="en-US"/>
           </a:p>
@@ -3278,7 +3278,7 @@
           <a:p>
             <a:fld id="{3881C039-66A3-4640-815B-3B5A8B7D868D}" type="datetimeFigureOut">
               <a:rPr lang="en-US" smtClean="0"/>
-              <a:t>1/31/2021</a:t>
+              <a:t>2/4/2021</a:t>
             </a:fld>
             <a:endParaRPr lang="en-US"/>
           </a:p>
@@ -11198,7 +11198,7 @@
             <p:spPr>
               <a:xfrm>
                 <a:off x="3007491" y="1373566"/>
-                <a:ext cx="9027282" cy="5126788"/>
+                <a:ext cx="9027282" cy="4920514"/>
               </a:xfrm>
               <a:prstGeom prst="rect">
                 <a:avLst/>
@@ -11297,68 +11297,7 @@
                         </a:solidFill>
                         <a:latin typeface="Cambria Math" panose="02040503050406030204" pitchFamily="18" charset="0"/>
                       </a:rPr>
-                      <m:t>𝐸</m:t>
-                    </m:r>
-                    <m:d>
-                      <m:dPr>
-                        <m:begChr m:val="["/>
-                        <m:endChr m:val="|"/>
-                        <m:ctrlPr>
-                          <a:rPr lang="en-US" sz="2400" b="0" i="1" dirty="0" smtClean="0">
-                            <a:solidFill>
-                              <a:schemeClr val="bg1"/>
-                            </a:solidFill>
-                            <a:latin typeface="Cambria Math" panose="02040503050406030204" pitchFamily="18" charset="0"/>
-                          </a:rPr>
-                        </m:ctrlPr>
-                      </m:dPr>
-                      <m:e>
-                        <m:r>
-                          <a:rPr lang="en-US" sz="2400" b="0" i="1" dirty="0" smtClean="0">
-                            <a:solidFill>
-                              <a:schemeClr val="bg1"/>
-                            </a:solidFill>
-                            <a:latin typeface="Cambria Math" panose="02040503050406030204" pitchFamily="18" charset="0"/>
-                          </a:rPr>
-                          <m:t># </m:t>
-                        </m:r>
-                        <m:r>
-                          <a:rPr lang="en-US" sz="2400" b="0" i="1" dirty="0" smtClean="0">
-                            <a:solidFill>
-                              <a:schemeClr val="bg1"/>
-                            </a:solidFill>
-                            <a:latin typeface="Cambria Math" panose="02040503050406030204" pitchFamily="18" charset="0"/>
-                          </a:rPr>
-                          <m:t>𝑜𝑓</m:t>
-                        </m:r>
-                        <m:r>
-                          <a:rPr lang="en-US" sz="2400" b="0" i="1" dirty="0" smtClean="0">
-                            <a:solidFill>
-                              <a:schemeClr val="bg1"/>
-                            </a:solidFill>
-                            <a:latin typeface="Cambria Math" panose="02040503050406030204" pitchFamily="18" charset="0"/>
-                          </a:rPr>
-                          <m:t> </m:t>
-                        </m:r>
-                        <m:r>
-                          <a:rPr lang="en-US" sz="2400" b="0" i="1" dirty="0" smtClean="0">
-                            <a:solidFill>
-                              <a:schemeClr val="bg1"/>
-                            </a:solidFill>
-                            <a:latin typeface="Cambria Math" panose="02040503050406030204" pitchFamily="18" charset="0"/>
-                          </a:rPr>
-                          <m:t>𝑅𝑢𝑛𝑠</m:t>
-                        </m:r>
-                      </m:e>
-                    </m:d>
-                    <m:r>
-                      <a:rPr lang="en-US" sz="2400" b="0" i="1" dirty="0" smtClean="0">
-                        <a:solidFill>
-                          <a:schemeClr val="bg1"/>
-                        </a:solidFill>
-                        <a:latin typeface="Cambria Math" panose="02040503050406030204" pitchFamily="18" charset="0"/>
-                      </a:rPr>
-                      <m:t>𝐻𝑅</m:t>
+                      <m:t>𝐴𝑣𝑒𝑟𝑎𝑔𝑒</m:t>
                     </m:r>
                     <m:r>
                       <a:rPr lang="en-US" sz="2400" b="0" i="1" dirty="0" smtClean="0">
@@ -11367,69 +11306,89 @@
                         </a:solidFill>
                         <a:latin typeface="Cambria Math" panose="02040503050406030204" pitchFamily="18" charset="0"/>
                       </a:rPr>
-                      <m:t>]=</m:t>
+                      <m:t> # </m:t>
                     </m:r>
-                    <m:f>
-                      <m:fPr>
-                        <m:ctrlPr>
-                          <a:rPr lang="en-US" sz="2400" b="0" i="1" dirty="0" smtClean="0">
-                            <a:solidFill>
-                              <a:schemeClr val="bg1"/>
-                            </a:solidFill>
-                            <a:latin typeface="Cambria Math" panose="02040503050406030204" pitchFamily="18" charset="0"/>
-                          </a:rPr>
-                        </m:ctrlPr>
-                      </m:fPr>
-                      <m:num>
-                        <m:r>
-                          <a:rPr lang="en-US" sz="2400" b="0" i="1" dirty="0" smtClean="0">
-                            <a:solidFill>
-                              <a:schemeClr val="bg1"/>
-                            </a:solidFill>
-                            <a:latin typeface="Cambria Math" panose="02040503050406030204" pitchFamily="18" charset="0"/>
-                          </a:rPr>
-                          <m:t># </m:t>
-                        </m:r>
-                        <m:r>
-                          <a:rPr lang="en-US" sz="2400" b="0" i="1" dirty="0" smtClean="0">
-                            <a:solidFill>
-                              <a:schemeClr val="bg1"/>
-                            </a:solidFill>
-                            <a:latin typeface="Cambria Math" panose="02040503050406030204" pitchFamily="18" charset="0"/>
-                          </a:rPr>
-                          <m:t>𝑜𝑓</m:t>
-                        </m:r>
-                        <m:r>
-                          <a:rPr lang="en-US" sz="2400" b="0" i="1" dirty="0" smtClean="0">
-                            <a:solidFill>
-                              <a:schemeClr val="bg1"/>
-                            </a:solidFill>
-                            <a:latin typeface="Cambria Math" panose="02040503050406030204" pitchFamily="18" charset="0"/>
-                          </a:rPr>
-                          <m:t> </m:t>
-                        </m:r>
-                        <m:r>
-                          <a:rPr lang="en-US" sz="2400" b="0" i="1" dirty="0" smtClean="0">
-                            <a:solidFill>
-                              <a:schemeClr val="bg1"/>
-                            </a:solidFill>
-                            <a:latin typeface="Cambria Math" panose="02040503050406030204" pitchFamily="18" charset="0"/>
-                          </a:rPr>
-                          <m:t>𝑅𝑢𝑛𝑠</m:t>
-                        </m:r>
-                      </m:num>
-                      <m:den>
-                        <m:r>
-                          <a:rPr lang="en-US" sz="2400" b="0" i="1" dirty="0" smtClean="0">
-                            <a:solidFill>
-                              <a:schemeClr val="bg1"/>
-                            </a:solidFill>
-                            <a:latin typeface="Cambria Math" panose="02040503050406030204" pitchFamily="18" charset="0"/>
-                          </a:rPr>
-                          <m:t>𝐻𝑅</m:t>
-                        </m:r>
-                      </m:den>
-                    </m:f>
+                    <m:r>
+                      <a:rPr lang="en-US" sz="2400" b="0" i="1" dirty="0" smtClean="0">
+                        <a:solidFill>
+                          <a:schemeClr val="bg1"/>
+                        </a:solidFill>
+                        <a:latin typeface="Cambria Math" panose="02040503050406030204" pitchFamily="18" charset="0"/>
+                      </a:rPr>
+                      <m:t>𝑜𝑓</m:t>
+                    </m:r>
+                    <m:r>
+                      <a:rPr lang="en-US" sz="2400" b="0" i="1" dirty="0" smtClean="0">
+                        <a:solidFill>
+                          <a:schemeClr val="bg1"/>
+                        </a:solidFill>
+                        <a:latin typeface="Cambria Math" panose="02040503050406030204" pitchFamily="18" charset="0"/>
+                      </a:rPr>
+                      <m:t> </m:t>
+                    </m:r>
+                    <m:r>
+                      <a:rPr lang="en-US" sz="2400" b="0" i="1" dirty="0" smtClean="0">
+                        <a:solidFill>
+                          <a:schemeClr val="bg1"/>
+                        </a:solidFill>
+                        <a:latin typeface="Cambria Math" panose="02040503050406030204" pitchFamily="18" charset="0"/>
+                      </a:rPr>
+                      <m:t>𝑅𝑢𝑛𝑠</m:t>
+                    </m:r>
+                    <m:r>
+                      <a:rPr lang="en-US" sz="2400" b="0" i="1" dirty="0" smtClean="0">
+                        <a:solidFill>
+                          <a:schemeClr val="bg1"/>
+                        </a:solidFill>
+                        <a:latin typeface="Cambria Math" panose="02040503050406030204" pitchFamily="18" charset="0"/>
+                      </a:rPr>
+                      <m:t> </m:t>
+                    </m:r>
+                    <m:r>
+                      <a:rPr lang="en-US" sz="2400" b="0" i="1" dirty="0" smtClean="0">
+                        <a:solidFill>
+                          <a:schemeClr val="bg1"/>
+                        </a:solidFill>
+                        <a:latin typeface="Cambria Math" panose="02040503050406030204" pitchFamily="18" charset="0"/>
+                      </a:rPr>
+                      <m:t>𝑃𝑒𝑟</m:t>
+                    </m:r>
+                    <m:r>
+                      <a:rPr lang="en-US" sz="2400" b="0" i="1" dirty="0" smtClean="0">
+                        <a:solidFill>
+                          <a:schemeClr val="bg1"/>
+                        </a:solidFill>
+                        <a:latin typeface="Cambria Math" panose="02040503050406030204" pitchFamily="18" charset="0"/>
+                      </a:rPr>
+                      <m:t> </m:t>
+                    </m:r>
+                    <m:r>
+                      <a:rPr lang="en-US" sz="2400" b="0" i="1" dirty="0" smtClean="0">
+                        <a:solidFill>
+                          <a:schemeClr val="bg1"/>
+                        </a:solidFill>
+                        <a:latin typeface="Cambria Math" panose="02040503050406030204" pitchFamily="18" charset="0"/>
+                      </a:rPr>
+                      <m:t>𝐻𝑜𝑚𝑒</m:t>
+                    </m:r>
+                    <m:r>
+                      <a:rPr lang="en-US" sz="2400" b="0" i="1" dirty="0" smtClean="0">
+                        <a:solidFill>
+                          <a:schemeClr val="bg1"/>
+                        </a:solidFill>
+                        <a:latin typeface="Cambria Math" panose="02040503050406030204" pitchFamily="18" charset="0"/>
+                      </a:rPr>
+                      <m:t> </m:t>
+                    </m:r>
+                    <m:r>
+                      <a:rPr lang="en-US" sz="2400" b="0" i="1" dirty="0" smtClean="0">
+                        <a:solidFill>
+                          <a:schemeClr val="bg1"/>
+                        </a:solidFill>
+                        <a:latin typeface="Cambria Math" panose="02040503050406030204" pitchFamily="18" charset="0"/>
+                      </a:rPr>
+                      <m:t>𝑅𝑢𝑛</m:t>
+                    </m:r>
                   </m:oMath>
                 </a14:m>
                 <a:endParaRPr lang="en-US" sz="2400" dirty="0">
@@ -12279,7 +12238,7 @@
             <p:spPr>
               <a:xfrm>
                 <a:off x="3007491" y="1373566"/>
-                <a:ext cx="9027282" cy="5126788"/>
+                <a:ext cx="9027282" cy="4920514"/>
               </a:xfrm>
               <a:prstGeom prst="rect">
                 <a:avLst/>
@@ -12287,7 +12246,7 @@
               <a:blipFill>
                 <a:blip r:embed="rId4"/>
                 <a:stretch>
-                  <a:fillRect l="-878" t="-832"/>
+                  <a:fillRect l="-878" t="-867" b="-1363"/>
                 </a:stretch>
               </a:blipFill>
             </p:spPr>
@@ -14683,7 +14642,7 @@
             <p:spPr>
               <a:xfrm>
                 <a:off x="3080082" y="1520792"/>
-                <a:ext cx="8450857" cy="5693866"/>
+                <a:ext cx="8450857" cy="5386090"/>
               </a:xfrm>
               <a:prstGeom prst="rect">
                 <a:avLst/>
@@ -14877,46 +14836,6 @@
                 <a14:m>
                   <m:oMath xmlns:m="http://schemas.openxmlformats.org/officeDocument/2006/math">
                     <m:r>
-                      <a:rPr lang="en-US" sz="2400" b="0" i="1" smtClean="0">
-                        <a:solidFill>
-                          <a:schemeClr val="bg1"/>
-                        </a:solidFill>
-                        <a:latin typeface="Cambria Math" panose="02040503050406030204" pitchFamily="18" charset="0"/>
-                      </a:rPr>
-                      <m:t>𝑅𝑀𝑆𝐸</m:t>
-                    </m:r>
-                    <m:r>
-                      <a:rPr lang="en-US" sz="2400" i="1">
-                        <a:solidFill>
-                          <a:schemeClr val="bg1"/>
-                        </a:solidFill>
-                        <a:latin typeface="Cambria Math" panose="02040503050406030204" pitchFamily="18" charset="0"/>
-                      </a:rPr>
-                      <m:t>=210</m:t>
-                    </m:r>
-                  </m:oMath>
-                </a14:m>
-                <a:r>
-                  <a:rPr lang="en-US" sz="2400" dirty="0">
-                    <a:solidFill>
-                      <a:schemeClr val="bg1"/>
-                    </a:solidFill>
-                    <a:latin typeface="Selawik Semibold" panose="020B0702040204020203" pitchFamily="34" charset="0"/>
-                  </a:rPr>
-                  <a:t> </a:t>
-                </a:r>
-                <a:r>
-                  <a:rPr lang="en-US" sz="2000" dirty="0">
-                    <a:solidFill>
-                      <a:schemeClr val="bg1"/>
-                    </a:solidFill>
-                    <a:latin typeface="Selawik Semibold" panose="020B0702040204020203" pitchFamily="34" charset="0"/>
-                  </a:rPr>
-                  <a:t>and </a:t>
-                </a:r>
-                <a14:m>
-                  <m:oMath xmlns:m="http://schemas.openxmlformats.org/officeDocument/2006/math">
-                    <m:r>
                       <a:rPr lang="en-US" sz="2400" i="1" dirty="0">
                         <a:solidFill>
                           <a:schemeClr val="bg1"/>
@@ -14941,7 +14860,16 @@
                         </a:solidFill>
                         <a:latin typeface="Cambria Math" panose="02040503050406030204" pitchFamily="18" charset="0"/>
                       </a:rPr>
-                      <m:t>=210</m:t>
+                      <m:t>=</m:t>
+                    </m:r>
+                    <m:r>
+                      <a:rPr lang="en-US" sz="2400" b="0" i="1" smtClean="0">
+                        <a:solidFill>
+                          <a:schemeClr val="bg1"/>
+                        </a:solidFill>
+                        <a:latin typeface="Cambria Math" panose="02040503050406030204" pitchFamily="18" charset="0"/>
+                      </a:rPr>
+                      <m:t>18.63</m:t>
                     </m:r>
                   </m:oMath>
                 </a14:m>
@@ -14955,32 +14883,54 @@
                   <a:t> </a:t>
                 </a:r>
                 <a:r>
-                  <a:rPr lang="en-US" sz="2000" dirty="0">
+                  <a:rPr lang="en-US" sz="2400" dirty="0">
                     <a:solidFill>
                       <a:schemeClr val="bg1"/>
                     </a:solidFill>
                     <a:latin typeface="Selawik Semibold" panose="020B0702040204020203" pitchFamily="34" charset="0"/>
                   </a:rPr>
-                  <a:t>(Outperforms Previous)</a:t>
+                  <a:t>(Now) vs. </a:t>
                 </a:r>
-                <a:endParaRPr lang="en-US" sz="2000" i="1" dirty="0">
-                  <a:solidFill>
-                    <a:schemeClr val="bg1"/>
-                  </a:solidFill>
-                  <a:latin typeface="Selawik Semibold" panose="020B0702040204020203" pitchFamily="34" charset="0"/>
-                </a:endParaRPr>
-              </a:p>
-              <a:p>
-                <a:pPr marL="800100" lvl="1" indent="-342900">
-                  <a:buFont typeface="Arial" panose="020B0604020202020204" pitchFamily="34" charset="0"/>
-                  <a:buChar char="•"/>
-                </a:pPr>
-                <a:endParaRPr lang="en-US" sz="2000" dirty="0">
-                  <a:solidFill>
-                    <a:schemeClr val="bg1"/>
-                  </a:solidFill>
-                  <a:latin typeface="Selawik Semibold" panose="020B0702040204020203" pitchFamily="34" charset="0"/>
-                </a:endParaRPr>
+                <a14:m>
+                  <m:oMath xmlns:m="http://schemas.openxmlformats.org/officeDocument/2006/math">
+                    <m:r>
+                      <a:rPr lang="en-US" sz="2400" i="1" dirty="0">
+                        <a:solidFill>
+                          <a:schemeClr val="bg1"/>
+                        </a:solidFill>
+                        <a:latin typeface="Cambria Math" panose="02040503050406030204" pitchFamily="18" charset="0"/>
+                      </a:rPr>
+                      <m:t>𝑀𝐴𝐷</m:t>
+                    </m:r>
+                    <m:r>
+                      <a:rPr lang="en-US" sz="2400" i="1">
+                        <a:solidFill>
+                          <a:schemeClr val="bg1"/>
+                        </a:solidFill>
+                        <a:latin typeface="Cambria Math" panose="02040503050406030204" pitchFamily="18" charset="0"/>
+                      </a:rPr>
+                      <m:t>=</m:t>
+                    </m:r>
+                    <m:r>
+                      <a:rPr lang="en-US" sz="2400" b="0" i="1" smtClean="0">
+                        <a:solidFill>
+                          <a:schemeClr val="bg1"/>
+                        </a:solidFill>
+                        <a:latin typeface="Cambria Math" panose="02040503050406030204" pitchFamily="18" charset="0"/>
+                      </a:rPr>
+                      <m:t>28</m:t>
+                    </m:r>
+                  </m:oMath>
+                </a14:m>
+                <a:r>
+                  <a:rPr lang="en-US" sz="2400" dirty="0">
+                    <a:solidFill>
+                      <a:schemeClr val="bg1"/>
+                    </a:solidFill>
+                    <a:latin typeface="Selawik Semibold" panose="020B0702040204020203" pitchFamily="34" charset="0"/>
+                  </a:rPr>
+                  <a:t> (Bill James)</a:t>
+                </a:r>
               </a:p>
               <a:p>
                 <a:pPr marL="1257300" lvl="2" indent="-342900">
@@ -15027,7 +14977,7 @@
             <p:spPr>
               <a:xfrm>
                 <a:off x="3080082" y="1520792"/>
-                <a:ext cx="8450857" cy="5693866"/>
+                <a:ext cx="8450857" cy="5386090"/>
               </a:xfrm>
               <a:prstGeom prst="rect">
                 <a:avLst/>
@@ -15035,7 +14985,7 @@
               <a:blipFill>
                 <a:blip r:embed="rId4"/>
                 <a:stretch>
-                  <a:fillRect l="-937" t="-749"/>
+                  <a:fillRect l="-937" t="-792"/>
                 </a:stretch>
               </a:blipFill>
             </p:spPr>

--- a/Slides/Baseball 3/Baseball_3_Lecture.pptx
+++ b/Slides/Baseball 3/Baseball_3_Lecture.pptx
@@ -5,24 +5,23 @@
     <p:sldMasterId id="2147483648" r:id="rId1"/>
   </p:sldMasterIdLst>
   <p:notesMasterIdLst>
-    <p:notesMasterId r:id="rId17"/>
+    <p:notesMasterId r:id="rId16"/>
   </p:notesMasterIdLst>
   <p:sldIdLst>
     <p:sldId id="298" r:id="rId2"/>
     <p:sldId id="312" r:id="rId3"/>
-    <p:sldId id="321" r:id="rId4"/>
-    <p:sldId id="320" r:id="rId5"/>
-    <p:sldId id="322" r:id="rId6"/>
-    <p:sldId id="323" r:id="rId7"/>
-    <p:sldId id="324" r:id="rId8"/>
-    <p:sldId id="325" r:id="rId9"/>
-    <p:sldId id="326" r:id="rId10"/>
-    <p:sldId id="327" r:id="rId11"/>
-    <p:sldId id="328" r:id="rId12"/>
+    <p:sldId id="320" r:id="rId4"/>
+    <p:sldId id="322" r:id="rId5"/>
+    <p:sldId id="323" r:id="rId6"/>
+    <p:sldId id="324" r:id="rId7"/>
+    <p:sldId id="325" r:id="rId8"/>
+    <p:sldId id="326" r:id="rId9"/>
+    <p:sldId id="327" r:id="rId10"/>
+    <p:sldId id="328" r:id="rId11"/>
+    <p:sldId id="330" r:id="rId12"/>
     <p:sldId id="329" r:id="rId13"/>
-    <p:sldId id="330" r:id="rId14"/>
-    <p:sldId id="331" r:id="rId15"/>
-    <p:sldId id="281" r:id="rId16"/>
+    <p:sldId id="331" r:id="rId14"/>
+    <p:sldId id="281" r:id="rId15"/>
   </p:sldIdLst>
   <p:sldSz cx="12192000" cy="6858000"/>
   <p:notesSz cx="6858000" cy="9144000"/>
@@ -211,7 +210,7 @@
           <a:p>
             <a:fld id="{C04E5E84-956F-4423-97B3-5936A6D8EEEE}" type="datetimeFigureOut">
               <a:rPr lang="en-US" smtClean="0"/>
-              <a:t>2/4/2021</a:t>
+              <a:t>1/25/2023</a:t>
             </a:fld>
             <a:endParaRPr lang="en-US"/>
           </a:p>
@@ -625,7 +624,7 @@
           <a:p>
             <a:fld id="{3881C039-66A3-4640-815B-3B5A8B7D868D}" type="datetimeFigureOut">
               <a:rPr lang="en-US" smtClean="0"/>
-              <a:t>2/4/2021</a:t>
+              <a:t>1/25/2023</a:t>
             </a:fld>
             <a:endParaRPr lang="en-US"/>
           </a:p>
@@ -823,7 +822,7 @@
           <a:p>
             <a:fld id="{3881C039-66A3-4640-815B-3B5A8B7D868D}" type="datetimeFigureOut">
               <a:rPr lang="en-US" smtClean="0"/>
-              <a:t>2/4/2021</a:t>
+              <a:t>1/25/2023</a:t>
             </a:fld>
             <a:endParaRPr lang="en-US"/>
           </a:p>
@@ -1031,7 +1030,7 @@
           <a:p>
             <a:fld id="{3881C039-66A3-4640-815B-3B5A8B7D868D}" type="datetimeFigureOut">
               <a:rPr lang="en-US" smtClean="0"/>
-              <a:t>2/4/2021</a:t>
+              <a:t>1/25/2023</a:t>
             </a:fld>
             <a:endParaRPr lang="en-US"/>
           </a:p>
@@ -1229,7 +1228,7 @@
           <a:p>
             <a:fld id="{3881C039-66A3-4640-815B-3B5A8B7D868D}" type="datetimeFigureOut">
               <a:rPr lang="en-US" smtClean="0"/>
-              <a:t>2/4/2021</a:t>
+              <a:t>1/25/2023</a:t>
             </a:fld>
             <a:endParaRPr lang="en-US"/>
           </a:p>
@@ -1504,7 +1503,7 @@
           <a:p>
             <a:fld id="{3881C039-66A3-4640-815B-3B5A8B7D868D}" type="datetimeFigureOut">
               <a:rPr lang="en-US" smtClean="0"/>
-              <a:t>2/4/2021</a:t>
+              <a:t>1/25/2023</a:t>
             </a:fld>
             <a:endParaRPr lang="en-US"/>
           </a:p>
@@ -1769,7 +1768,7 @@
           <a:p>
             <a:fld id="{3881C039-66A3-4640-815B-3B5A8B7D868D}" type="datetimeFigureOut">
               <a:rPr lang="en-US" smtClean="0"/>
-              <a:t>2/4/2021</a:t>
+              <a:t>1/25/2023</a:t>
             </a:fld>
             <a:endParaRPr lang="en-US"/>
           </a:p>
@@ -2181,7 +2180,7 @@
           <a:p>
             <a:fld id="{3881C039-66A3-4640-815B-3B5A8B7D868D}" type="datetimeFigureOut">
               <a:rPr lang="en-US" smtClean="0"/>
-              <a:t>2/4/2021</a:t>
+              <a:t>1/25/2023</a:t>
             </a:fld>
             <a:endParaRPr lang="en-US"/>
           </a:p>
@@ -2322,7 +2321,7 @@
           <a:p>
             <a:fld id="{3881C039-66A3-4640-815B-3B5A8B7D868D}" type="datetimeFigureOut">
               <a:rPr lang="en-US" smtClean="0"/>
-              <a:t>2/4/2021</a:t>
+              <a:t>1/25/2023</a:t>
             </a:fld>
             <a:endParaRPr lang="en-US"/>
           </a:p>
@@ -2435,7 +2434,7 @@
           <a:p>
             <a:fld id="{3881C039-66A3-4640-815B-3B5A8B7D868D}" type="datetimeFigureOut">
               <a:rPr lang="en-US" smtClean="0"/>
-              <a:t>2/4/2021</a:t>
+              <a:t>1/25/2023</a:t>
             </a:fld>
             <a:endParaRPr lang="en-US"/>
           </a:p>
@@ -2746,7 +2745,7 @@
           <a:p>
             <a:fld id="{3881C039-66A3-4640-815B-3B5A8B7D868D}" type="datetimeFigureOut">
               <a:rPr lang="en-US" smtClean="0"/>
-              <a:t>2/4/2021</a:t>
+              <a:t>1/25/2023</a:t>
             </a:fld>
             <a:endParaRPr lang="en-US"/>
           </a:p>
@@ -3034,7 +3033,7 @@
           <a:p>
             <a:fld id="{3881C039-66A3-4640-815B-3B5A8B7D868D}" type="datetimeFigureOut">
               <a:rPr lang="en-US" smtClean="0"/>
-              <a:t>2/4/2021</a:t>
+              <a:t>1/25/2023</a:t>
             </a:fld>
             <a:endParaRPr lang="en-US"/>
           </a:p>
@@ -3278,7 +3277,7 @@
           <a:p>
             <a:fld id="{3881C039-66A3-4640-815B-3B5A8B7D868D}" type="datetimeFigureOut">
               <a:rPr lang="en-US" smtClean="0"/>
-              <a:t>2/4/2021</a:t>
+              <a:t>1/25/2023</a:t>
             </a:fld>
             <a:endParaRPr lang="en-US"/>
           </a:p>
@@ -4404,1176 +4403,6 @@
         <p:spPr>
           <a:xfrm>
             <a:off x="3080082" y="1520792"/>
-            <a:ext cx="9341732" cy="4893647"/>
-          </a:xfrm>
-          <a:prstGeom prst="rect">
-            <a:avLst/>
-          </a:prstGeom>
-          <a:noFill/>
-        </p:spPr>
-        <p:txBody>
-          <a:bodyPr wrap="square" rtlCol="0">
-            <a:spAutoFit/>
-          </a:bodyPr>
-          <a:lstStyle/>
-          <a:p>
-            <a:pPr marL="342900" indent="-342900">
-              <a:buFont typeface="Arial" panose="020B0604020202020204" pitchFamily="34" charset="0"/>
-              <a:buChar char="•"/>
-            </a:pPr>
-            <a:r>
-              <a:rPr lang="en-US" sz="2400" dirty="0">
-                <a:solidFill>
-                  <a:schemeClr val="bg1"/>
-                </a:solidFill>
-                <a:latin typeface="Selawik Semibold" panose="020B0702040204020203" pitchFamily="34" charset="0"/>
-              </a:rPr>
-              <a:t>OBP, SLG, OPS, and Runs Created</a:t>
-            </a:r>
-          </a:p>
-          <a:p>
-            <a:pPr marL="800100" lvl="1" indent="-342900">
-              <a:buFont typeface="Arial" panose="020B0604020202020204" pitchFamily="34" charset="0"/>
-              <a:buChar char="•"/>
-            </a:pPr>
-            <a:r>
-              <a:rPr lang="en-US" sz="2000" dirty="0">
-                <a:solidFill>
-                  <a:schemeClr val="bg1"/>
-                </a:solidFill>
-                <a:latin typeface="Selawik Semibold" panose="020B0702040204020203" pitchFamily="34" charset="0"/>
-              </a:rPr>
-              <a:t>Multiple Regression</a:t>
-            </a:r>
-          </a:p>
-          <a:p>
-            <a:pPr marL="800100" lvl="1" indent="-342900">
-              <a:buFont typeface="Arial" panose="020B0604020202020204" pitchFamily="34" charset="0"/>
-              <a:buChar char="•"/>
-            </a:pPr>
-            <a:endParaRPr lang="en-US" sz="2400" dirty="0">
-              <a:solidFill>
-                <a:schemeClr val="bg1"/>
-              </a:solidFill>
-              <a:latin typeface="Selawik Semibold" panose="020B0702040204020203" pitchFamily="34" charset="0"/>
-            </a:endParaRPr>
-          </a:p>
-          <a:p>
-            <a:pPr marL="800100" lvl="1" indent="-342900">
-              <a:buFont typeface="Arial" panose="020B0604020202020204" pitchFamily="34" charset="0"/>
-              <a:buChar char="•"/>
-            </a:pPr>
-            <a:endParaRPr lang="en-US" sz="2400" dirty="0">
-              <a:solidFill>
-                <a:schemeClr val="bg1"/>
-              </a:solidFill>
-              <a:latin typeface="Selawik Semibold" panose="020B0702040204020203" pitchFamily="34" charset="0"/>
-            </a:endParaRPr>
-          </a:p>
-          <a:p>
-            <a:pPr marL="800100" lvl="1" indent="-342900">
-              <a:buFont typeface="Arial" panose="020B0604020202020204" pitchFamily="34" charset="0"/>
-              <a:buChar char="•"/>
-            </a:pPr>
-            <a:endParaRPr lang="en-US" sz="2400" dirty="0">
-              <a:solidFill>
-                <a:schemeClr val="bg1"/>
-              </a:solidFill>
-              <a:latin typeface="Selawik Semibold" panose="020B0702040204020203" pitchFamily="34" charset="0"/>
-            </a:endParaRPr>
-          </a:p>
-          <a:p>
-            <a:pPr marL="800100" lvl="1" indent="-342900">
-              <a:buFont typeface="Arial" panose="020B0604020202020204" pitchFamily="34" charset="0"/>
-              <a:buChar char="•"/>
-            </a:pPr>
-            <a:endParaRPr lang="en-US" sz="2400" dirty="0">
-              <a:solidFill>
-                <a:schemeClr val="bg1"/>
-              </a:solidFill>
-              <a:latin typeface="Selawik Semibold" panose="020B0702040204020203" pitchFamily="34" charset="0"/>
-            </a:endParaRPr>
-          </a:p>
-          <a:p>
-            <a:pPr marL="800100" lvl="1" indent="-342900">
-              <a:buFont typeface="Arial" panose="020B0604020202020204" pitchFamily="34" charset="0"/>
-              <a:buChar char="•"/>
-            </a:pPr>
-            <a:endParaRPr lang="en-US" sz="2400" dirty="0">
-              <a:solidFill>
-                <a:schemeClr val="bg1"/>
-              </a:solidFill>
-              <a:latin typeface="Selawik Semibold" panose="020B0702040204020203" pitchFamily="34" charset="0"/>
-            </a:endParaRPr>
-          </a:p>
-          <a:p>
-            <a:pPr marL="800100" lvl="1" indent="-342900">
-              <a:buFont typeface="Arial" panose="020B0604020202020204" pitchFamily="34" charset="0"/>
-              <a:buChar char="•"/>
-            </a:pPr>
-            <a:endParaRPr lang="en-US" sz="2400" dirty="0">
-              <a:solidFill>
-                <a:schemeClr val="bg1"/>
-              </a:solidFill>
-              <a:latin typeface="Selawik Semibold" panose="020B0702040204020203" pitchFamily="34" charset="0"/>
-            </a:endParaRPr>
-          </a:p>
-          <a:p>
-            <a:pPr marL="800100" lvl="1" indent="-342900">
-              <a:buFont typeface="Arial" panose="020B0604020202020204" pitchFamily="34" charset="0"/>
-              <a:buChar char="•"/>
-            </a:pPr>
-            <a:endParaRPr lang="en-US" sz="2400" dirty="0">
-              <a:solidFill>
-                <a:schemeClr val="bg1"/>
-              </a:solidFill>
-              <a:latin typeface="Selawik Semibold" panose="020B0702040204020203" pitchFamily="34" charset="0"/>
-            </a:endParaRPr>
-          </a:p>
-          <a:p>
-            <a:pPr marL="800100" lvl="1" indent="-342900">
-              <a:buFont typeface="Arial" panose="020B0604020202020204" pitchFamily="34" charset="0"/>
-              <a:buChar char="•"/>
-            </a:pPr>
-            <a:endParaRPr lang="en-US" sz="2400" dirty="0">
-              <a:solidFill>
-                <a:schemeClr val="bg1"/>
-              </a:solidFill>
-              <a:latin typeface="Selawik Semibold" panose="020B0702040204020203" pitchFamily="34" charset="0"/>
-            </a:endParaRPr>
-          </a:p>
-          <a:p>
-            <a:pPr marL="800100" lvl="1" indent="-342900">
-              <a:buFont typeface="Arial" panose="020B0604020202020204" pitchFamily="34" charset="0"/>
-              <a:buChar char="•"/>
-            </a:pPr>
-            <a:endParaRPr lang="en-US" sz="2400" dirty="0">
-              <a:solidFill>
-                <a:schemeClr val="bg1"/>
-              </a:solidFill>
-              <a:latin typeface="Selawik Semibold" panose="020B0702040204020203" pitchFamily="34" charset="0"/>
-            </a:endParaRPr>
-          </a:p>
-          <a:p>
-            <a:pPr marL="800100" lvl="1" indent="-342900">
-              <a:buFont typeface="Arial" panose="020B0604020202020204" pitchFamily="34" charset="0"/>
-              <a:buChar char="•"/>
-            </a:pPr>
-            <a:endParaRPr lang="en-US" sz="2400" dirty="0">
-              <a:solidFill>
-                <a:schemeClr val="bg1"/>
-              </a:solidFill>
-              <a:latin typeface="Selawik Semibold" panose="020B0702040204020203" pitchFamily="34" charset="0"/>
-            </a:endParaRPr>
-          </a:p>
-          <a:p>
-            <a:pPr marL="800100" lvl="1" indent="-342900">
-              <a:buFont typeface="Arial" panose="020B0604020202020204" pitchFamily="34" charset="0"/>
-              <a:buChar char="•"/>
-            </a:pPr>
-            <a:r>
-              <a:rPr lang="en-US" sz="2000" dirty="0">
-                <a:solidFill>
-                  <a:schemeClr val="bg1"/>
-                </a:solidFill>
-                <a:latin typeface="Selawik Semibold" panose="020B0702040204020203" pitchFamily="34" charset="0"/>
-              </a:rPr>
-              <a:t>Summary: OBP Twice as Valuable as SLG</a:t>
-            </a:r>
-          </a:p>
-        </p:txBody>
-      </p:sp>
-      <mc:AlternateContent xmlns:mc="http://schemas.openxmlformats.org/markup-compatibility/2006" xmlns:a14="http://schemas.microsoft.com/office/drawing/2010/main">
-        <mc:Choice Requires="a14">
-          <p:sp>
-            <p:nvSpPr>
-              <p:cNvPr id="15" name="TextBox 14">
-                <a:extLst>
-                  <a:ext uri="{FF2B5EF4-FFF2-40B4-BE49-F238E27FC236}">
-                    <a16:creationId xmlns:a16="http://schemas.microsoft.com/office/drawing/2014/main" id="{059AA275-09F3-424C-8CA5-A0856F8796DC}"/>
-                  </a:ext>
-                </a:extLst>
-              </p:cNvPr>
-              <p:cNvSpPr txBox="1"/>
-              <p:nvPr/>
-            </p:nvSpPr>
-            <p:spPr>
-              <a:xfrm>
-                <a:off x="3691886" y="2338873"/>
-                <a:ext cx="7039979" cy="584775"/>
-              </a:xfrm>
-              <a:prstGeom prst="rect">
-                <a:avLst/>
-              </a:prstGeom>
-              <a:noFill/>
-            </p:spPr>
-            <p:txBody>
-              <a:bodyPr wrap="square" rtlCol="0">
-                <a:spAutoFit/>
-              </a:bodyPr>
-              <a:lstStyle/>
-              <a:p>
-                <a:pPr/>
-                <a14:m>
-                  <m:oMathPara xmlns:m="http://schemas.openxmlformats.org/officeDocument/2006/math">
-                    <m:oMathParaPr>
-                      <m:jc m:val="centerGroup"/>
-                    </m:oMathParaPr>
-                    <m:oMath xmlns:m="http://schemas.openxmlformats.org/officeDocument/2006/math">
-                      <m:r>
-                        <a:rPr lang="en-US" sz="3200" b="0" i="1" smtClean="0">
-                          <a:solidFill>
-                            <a:schemeClr val="bg1"/>
-                          </a:solidFill>
-                          <a:latin typeface="Cambria Math" panose="02040503050406030204" pitchFamily="18" charset="0"/>
-                        </a:rPr>
-                        <m:t>𝑅𝑢𝑛𝑠</m:t>
-                      </m:r>
-                      <m:r>
-                        <a:rPr lang="en-US" sz="3200" i="1">
-                          <a:solidFill>
-                            <a:schemeClr val="bg1"/>
-                          </a:solidFill>
-                          <a:latin typeface="Cambria Math" panose="02040503050406030204" pitchFamily="18" charset="0"/>
-                        </a:rPr>
-                        <m:t>=</m:t>
-                      </m:r>
-                      <m:sSub>
-                        <m:sSubPr>
-                          <m:ctrlPr>
-                            <a:rPr lang="en-US" sz="3200" i="1">
-                              <a:solidFill>
-                                <a:schemeClr val="bg1"/>
-                              </a:solidFill>
-                              <a:latin typeface="Cambria Math" panose="02040503050406030204" pitchFamily="18" charset="0"/>
-                            </a:rPr>
-                          </m:ctrlPr>
-                        </m:sSubPr>
-                        <m:e>
-                          <m:r>
-                            <a:rPr lang="en-US" sz="3200" i="1">
-                              <a:solidFill>
-                                <a:schemeClr val="bg1"/>
-                              </a:solidFill>
-                              <a:latin typeface="Cambria Math" panose="02040503050406030204" pitchFamily="18" charset="0"/>
-                            </a:rPr>
-                            <m:t>𝛽</m:t>
-                          </m:r>
-                        </m:e>
-                        <m:sub>
-                          <m:r>
-                            <a:rPr lang="en-US" sz="3200" i="1">
-                              <a:solidFill>
-                                <a:schemeClr val="bg1"/>
-                              </a:solidFill>
-                              <a:latin typeface="Cambria Math" panose="02040503050406030204" pitchFamily="18" charset="0"/>
-                            </a:rPr>
-                            <m:t>0</m:t>
-                          </m:r>
-                        </m:sub>
-                      </m:sSub>
-                      <m:r>
-                        <a:rPr lang="en-US" sz="3200" i="1">
-                          <a:solidFill>
-                            <a:schemeClr val="bg1"/>
-                          </a:solidFill>
-                          <a:latin typeface="Cambria Math" panose="02040503050406030204" pitchFamily="18" charset="0"/>
-                        </a:rPr>
-                        <m:t>+</m:t>
-                      </m:r>
-                      <m:sSub>
-                        <m:sSubPr>
-                          <m:ctrlPr>
-                            <a:rPr lang="en-US" sz="3200" i="1">
-                              <a:solidFill>
-                                <a:schemeClr val="bg1"/>
-                              </a:solidFill>
-                              <a:latin typeface="Cambria Math" panose="02040503050406030204" pitchFamily="18" charset="0"/>
-                            </a:rPr>
-                          </m:ctrlPr>
-                        </m:sSubPr>
-                        <m:e>
-                          <m:r>
-                            <a:rPr lang="en-US" sz="3200" i="1">
-                              <a:solidFill>
-                                <a:schemeClr val="bg1"/>
-                              </a:solidFill>
-                              <a:latin typeface="Cambria Math" panose="02040503050406030204" pitchFamily="18" charset="0"/>
-                            </a:rPr>
-                            <m:t>𝛽</m:t>
-                          </m:r>
-                        </m:e>
-                        <m:sub>
-                          <m:r>
-                            <a:rPr lang="en-US" sz="3200" i="1">
-                              <a:solidFill>
-                                <a:schemeClr val="bg1"/>
-                              </a:solidFill>
-                              <a:latin typeface="Cambria Math" panose="02040503050406030204" pitchFamily="18" charset="0"/>
-                            </a:rPr>
-                            <m:t>1</m:t>
-                          </m:r>
-                        </m:sub>
-                      </m:sSub>
-                      <m:r>
-                        <a:rPr lang="en-US" sz="3200" b="0" i="1" smtClean="0">
-                          <a:solidFill>
-                            <a:schemeClr val="bg1"/>
-                          </a:solidFill>
-                          <a:latin typeface="Cambria Math" panose="02040503050406030204" pitchFamily="18" charset="0"/>
-                        </a:rPr>
-                        <m:t>(</m:t>
-                      </m:r>
-                      <m:r>
-                        <a:rPr lang="en-US" sz="3200" b="0" i="1" smtClean="0">
-                          <a:solidFill>
-                            <a:schemeClr val="bg1"/>
-                          </a:solidFill>
-                          <a:latin typeface="Cambria Math" panose="02040503050406030204" pitchFamily="18" charset="0"/>
-                        </a:rPr>
-                        <m:t>𝑆𝐿𝐺</m:t>
-                      </m:r>
-                      <m:r>
-                        <a:rPr lang="en-US" sz="3200" b="0" i="1" smtClean="0">
-                          <a:solidFill>
-                            <a:schemeClr val="bg1"/>
-                          </a:solidFill>
-                          <a:latin typeface="Cambria Math" panose="02040503050406030204" pitchFamily="18" charset="0"/>
-                        </a:rPr>
-                        <m:t>)+</m:t>
-                      </m:r>
-                      <m:sSub>
-                        <m:sSubPr>
-                          <m:ctrlPr>
-                            <a:rPr lang="en-US" sz="3200" i="1" smtClean="0">
-                              <a:solidFill>
-                                <a:schemeClr val="bg1"/>
-                              </a:solidFill>
-                              <a:latin typeface="Cambria Math" panose="02040503050406030204" pitchFamily="18" charset="0"/>
-                            </a:rPr>
-                          </m:ctrlPr>
-                        </m:sSubPr>
-                        <m:e>
-                          <m:r>
-                            <a:rPr lang="en-US" sz="3200" i="1">
-                              <a:solidFill>
-                                <a:schemeClr val="bg1"/>
-                              </a:solidFill>
-                              <a:latin typeface="Cambria Math" panose="02040503050406030204" pitchFamily="18" charset="0"/>
-                            </a:rPr>
-                            <m:t>𝛽</m:t>
-                          </m:r>
-                        </m:e>
-                        <m:sub>
-                          <m:r>
-                            <a:rPr lang="en-US" sz="3200" b="0" i="1" smtClean="0">
-                              <a:solidFill>
-                                <a:schemeClr val="bg1"/>
-                              </a:solidFill>
-                              <a:latin typeface="Cambria Math" panose="02040503050406030204" pitchFamily="18" charset="0"/>
-                            </a:rPr>
-                            <m:t>2</m:t>
-                          </m:r>
-                        </m:sub>
-                      </m:sSub>
-                      <m:r>
-                        <a:rPr lang="en-US" sz="3200" b="0" i="1" smtClean="0">
-                          <a:solidFill>
-                            <a:schemeClr val="bg1"/>
-                          </a:solidFill>
-                          <a:latin typeface="Cambria Math" panose="02040503050406030204" pitchFamily="18" charset="0"/>
-                        </a:rPr>
-                        <m:t>(</m:t>
-                      </m:r>
-                      <m:r>
-                        <a:rPr lang="en-US" sz="3200" b="0" i="1" smtClean="0">
-                          <a:solidFill>
-                            <a:schemeClr val="bg1"/>
-                          </a:solidFill>
-                          <a:latin typeface="Cambria Math" panose="02040503050406030204" pitchFamily="18" charset="0"/>
-                        </a:rPr>
-                        <m:t>𝑂𝐵𝑃</m:t>
-                      </m:r>
-                      <m:r>
-                        <a:rPr lang="en-US" sz="3200" b="0" i="1" smtClean="0">
-                          <a:solidFill>
-                            <a:schemeClr val="bg1"/>
-                          </a:solidFill>
-                          <a:latin typeface="Cambria Math" panose="02040503050406030204" pitchFamily="18" charset="0"/>
-                        </a:rPr>
-                        <m:t>)+</m:t>
-                      </m:r>
-                      <m:r>
-                        <m:rPr>
-                          <m:sty m:val="p"/>
-                        </m:rPr>
-                        <a:rPr lang="en-US" sz="3200" i="1">
-                          <a:solidFill>
-                            <a:schemeClr val="bg1"/>
-                          </a:solidFill>
-                          <a:latin typeface="Cambria Math" panose="02040503050406030204" pitchFamily="18" charset="0"/>
-                        </a:rPr>
-                        <m:t>ϵ</m:t>
-                      </m:r>
-                    </m:oMath>
-                  </m:oMathPara>
-                </a14:m>
-                <a:endParaRPr lang="en-US" sz="3200" b="1" dirty="0">
-                  <a:solidFill>
-                    <a:schemeClr val="bg1"/>
-                  </a:solidFill>
-                </a:endParaRPr>
-              </a:p>
-            </p:txBody>
-          </p:sp>
-        </mc:Choice>
-        <mc:Fallback xmlns="">
-          <p:sp>
-            <p:nvSpPr>
-              <p:cNvPr id="15" name="TextBox 14">
-                <a:extLst>
-                  <a:ext uri="{FF2B5EF4-FFF2-40B4-BE49-F238E27FC236}">
-                    <a16:creationId xmlns:a16="http://schemas.microsoft.com/office/drawing/2014/main" id="{059AA275-09F3-424C-8CA5-A0856F8796DC}"/>
-                  </a:ext>
-                </a:extLst>
-              </p:cNvPr>
-              <p:cNvSpPr txBox="1">
-                <a:spLocks noRot="1" noChangeAspect="1" noMove="1" noResize="1" noEditPoints="1" noAdjustHandles="1" noChangeArrowheads="1" noChangeShapeType="1" noTextEdit="1"/>
-              </p:cNvSpPr>
-              <p:nvPr/>
-            </p:nvSpPr>
-            <p:spPr>
-              <a:xfrm>
-                <a:off x="3691886" y="2338873"/>
-                <a:ext cx="7039979" cy="584775"/>
-              </a:xfrm>
-              <a:prstGeom prst="rect">
-                <a:avLst/>
-              </a:prstGeom>
-              <a:blipFill>
-                <a:blip r:embed="rId4"/>
-                <a:stretch>
-                  <a:fillRect/>
-                </a:stretch>
-              </a:blipFill>
-            </p:spPr>
-            <p:txBody>
-              <a:bodyPr/>
-              <a:lstStyle/>
-              <a:p>
-                <a:r>
-                  <a:rPr lang="en-US">
-                    <a:noFill/>
-                  </a:rPr>
-                  <a:t> </a:t>
-                </a:r>
-              </a:p>
-            </p:txBody>
-          </p:sp>
-        </mc:Fallback>
-      </mc:AlternateContent>
-      <p:pic>
-        <p:nvPicPr>
-          <p:cNvPr id="2" name="Picture 1">
-            <a:extLst>
-              <a:ext uri="{FF2B5EF4-FFF2-40B4-BE49-F238E27FC236}">
-                <a16:creationId xmlns:a16="http://schemas.microsoft.com/office/drawing/2014/main" id="{F05996A4-B447-44C6-8ED9-6D6B6F4EE1EB}"/>
-              </a:ext>
-            </a:extLst>
-          </p:cNvPr>
-          <p:cNvPicPr>
-            <a:picLocks noChangeAspect="1"/>
-          </p:cNvPicPr>
-          <p:nvPr/>
-        </p:nvPicPr>
-        <p:blipFill>
-          <a:blip r:embed="rId5"/>
-          <a:stretch>
-            <a:fillRect/>
-          </a:stretch>
-        </p:blipFill>
-        <p:spPr>
-          <a:xfrm>
-            <a:off x="2967140" y="3025525"/>
-            <a:ext cx="9107986" cy="1783477"/>
-          </a:xfrm>
-          <a:prstGeom prst="rect">
-            <a:avLst/>
-          </a:prstGeom>
-        </p:spPr>
-      </p:pic>
-      <mc:AlternateContent xmlns:mc="http://schemas.openxmlformats.org/markup-compatibility/2006" xmlns:a14="http://schemas.microsoft.com/office/drawing/2010/main">
-        <mc:Choice Requires="a14">
-          <p:sp>
-            <p:nvSpPr>
-              <p:cNvPr id="18" name="TextBox 17">
-                <a:extLst>
-                  <a:ext uri="{FF2B5EF4-FFF2-40B4-BE49-F238E27FC236}">
-                    <a16:creationId xmlns:a16="http://schemas.microsoft.com/office/drawing/2014/main" id="{9885411C-DEDD-4A79-876F-782C5E15B349}"/>
-                  </a:ext>
-                </a:extLst>
-              </p:cNvPr>
-              <p:cNvSpPr txBox="1"/>
-              <p:nvPr/>
-            </p:nvSpPr>
-            <p:spPr>
-              <a:xfrm>
-                <a:off x="3395629" y="5014949"/>
-                <a:ext cx="8251007" cy="584775"/>
-              </a:xfrm>
-              <a:prstGeom prst="rect">
-                <a:avLst/>
-              </a:prstGeom>
-            </p:spPr>
-            <p:style>
-              <a:lnRef idx="2">
-                <a:schemeClr val="dk1">
-                  <a:shade val="50000"/>
-                </a:schemeClr>
-              </a:lnRef>
-              <a:fillRef idx="1">
-                <a:schemeClr val="dk1"/>
-              </a:fillRef>
-              <a:effectRef idx="0">
-                <a:schemeClr val="dk1"/>
-              </a:effectRef>
-              <a:fontRef idx="minor">
-                <a:schemeClr val="lt1"/>
-              </a:fontRef>
-            </p:style>
-            <p:txBody>
-              <a:bodyPr wrap="square" rtlCol="0">
-                <a:spAutoFit/>
-              </a:bodyPr>
-              <a:lstStyle/>
-              <a:p>
-                <a:pPr algn="ctr"/>
-                <a14:m>
-                  <m:oMath xmlns:m="http://schemas.openxmlformats.org/officeDocument/2006/math">
-                    <m:r>
-                      <a:rPr lang="en-US" sz="3200" b="0" i="1" smtClean="0">
-                        <a:solidFill>
-                          <a:schemeClr val="bg1"/>
-                        </a:solidFill>
-                        <a:latin typeface="Cambria Math" panose="02040503050406030204" pitchFamily="18" charset="0"/>
-                      </a:rPr>
-                      <m:t>𝑛</m:t>
-                    </m:r>
-                    <m:r>
-                      <a:rPr lang="en-US" sz="3200" b="0" i="1" smtClean="0">
-                        <a:solidFill>
-                          <a:schemeClr val="bg1"/>
-                        </a:solidFill>
-                        <a:latin typeface="Cambria Math" panose="02040503050406030204" pitchFamily="18" charset="0"/>
-                      </a:rPr>
-                      <m:t>=180</m:t>
-                    </m:r>
-                  </m:oMath>
-                </a14:m>
-                <a:r>
-                  <a:rPr lang="en-US" sz="3200" b="0" i="1" dirty="0">
-                    <a:solidFill>
-                      <a:schemeClr val="bg1"/>
-                    </a:solidFill>
-                    <a:latin typeface="Cambria Math" panose="02040503050406030204" pitchFamily="18" charset="0"/>
-                  </a:rPr>
-                  <a:t> </a:t>
-                </a:r>
-                <a:r>
-                  <a:rPr lang="en-US" sz="3200" b="0" dirty="0">
-                    <a:solidFill>
-                      <a:schemeClr val="bg1"/>
-                    </a:solidFill>
-                    <a:latin typeface="Cambria Math" panose="02040503050406030204" pitchFamily="18" charset="0"/>
-                  </a:rPr>
-                  <a:t>&amp;</a:t>
-                </a:r>
-                <a:r>
-                  <a:rPr lang="en-US" sz="3200" b="0" i="1" dirty="0">
-                    <a:solidFill>
-                      <a:schemeClr val="bg1"/>
-                    </a:solidFill>
-                    <a:latin typeface="Cambria Math" panose="02040503050406030204" pitchFamily="18" charset="0"/>
-                  </a:rPr>
-                  <a:t> </a:t>
-                </a:r>
-                <a14:m>
-                  <m:oMath xmlns:m="http://schemas.openxmlformats.org/officeDocument/2006/math">
-                    <m:sSup>
-                      <m:sSupPr>
-                        <m:ctrlPr>
-                          <a:rPr lang="en-US" sz="3200" b="0" i="1" smtClean="0">
-                            <a:solidFill>
-                              <a:schemeClr val="bg1"/>
-                            </a:solidFill>
-                            <a:latin typeface="Cambria Math" panose="02040503050406030204" pitchFamily="18" charset="0"/>
-                          </a:rPr>
-                        </m:ctrlPr>
-                      </m:sSupPr>
-                      <m:e>
-                        <m:r>
-                          <a:rPr lang="en-US" sz="3200" b="0" i="1" smtClean="0">
-                            <a:solidFill>
-                              <a:schemeClr val="bg1"/>
-                            </a:solidFill>
-                            <a:latin typeface="Cambria Math" panose="02040503050406030204" pitchFamily="18" charset="0"/>
-                          </a:rPr>
-                          <m:t>𝑅</m:t>
-                        </m:r>
-                      </m:e>
-                      <m:sup>
-                        <m:r>
-                          <a:rPr lang="en-US" sz="3200" b="0" i="1" smtClean="0">
-                            <a:solidFill>
-                              <a:schemeClr val="bg1"/>
-                            </a:solidFill>
-                            <a:latin typeface="Cambria Math" panose="02040503050406030204" pitchFamily="18" charset="0"/>
-                          </a:rPr>
-                          <m:t>2</m:t>
-                        </m:r>
-                      </m:sup>
-                    </m:sSup>
-                    <m:r>
-                      <a:rPr lang="en-US" sz="3200" b="0" i="1" smtClean="0">
-                        <a:solidFill>
-                          <a:schemeClr val="bg1"/>
-                        </a:solidFill>
-                        <a:latin typeface="Cambria Math" panose="02040503050406030204" pitchFamily="18" charset="0"/>
-                      </a:rPr>
-                      <m:t>=0.91</m:t>
-                    </m:r>
-                    <m:r>
-                      <a:rPr lang="en-US" sz="3200" b="0" i="0" smtClean="0">
-                        <a:solidFill>
-                          <a:schemeClr val="bg1"/>
-                        </a:solidFill>
-                        <a:latin typeface="Cambria Math" panose="02040503050406030204" pitchFamily="18" charset="0"/>
-                      </a:rPr>
-                      <m:t> &amp; </m:t>
-                    </m:r>
-                    <m:r>
-                      <a:rPr lang="en-US" sz="3200" b="0" i="1" smtClean="0">
-                        <a:solidFill>
-                          <a:schemeClr val="bg1"/>
-                        </a:solidFill>
-                        <a:latin typeface="Cambria Math" panose="02040503050406030204" pitchFamily="18" charset="0"/>
-                      </a:rPr>
-                      <m:t>𝐴𝑑𝑗</m:t>
-                    </m:r>
-                    <m:r>
-                      <a:rPr lang="en-US" sz="3200" b="0" i="1" smtClean="0">
-                        <a:solidFill>
-                          <a:schemeClr val="bg1"/>
-                        </a:solidFill>
-                        <a:latin typeface="Cambria Math" panose="02040503050406030204" pitchFamily="18" charset="0"/>
-                      </a:rPr>
-                      <m:t>. </m:t>
-                    </m:r>
-                    <m:sSup>
-                      <m:sSupPr>
-                        <m:ctrlPr>
-                          <a:rPr lang="en-US" sz="3200" b="0" i="1" smtClean="0">
-                            <a:solidFill>
-                              <a:schemeClr val="bg1"/>
-                            </a:solidFill>
-                            <a:latin typeface="Cambria Math" panose="02040503050406030204" pitchFamily="18" charset="0"/>
-                          </a:rPr>
-                        </m:ctrlPr>
-                      </m:sSupPr>
-                      <m:e>
-                        <m:r>
-                          <a:rPr lang="en-US" sz="3200" b="0" i="1" smtClean="0">
-                            <a:solidFill>
-                              <a:schemeClr val="bg1"/>
-                            </a:solidFill>
-                            <a:latin typeface="Cambria Math" panose="02040503050406030204" pitchFamily="18" charset="0"/>
-                          </a:rPr>
-                          <m:t>𝑅</m:t>
-                        </m:r>
-                      </m:e>
-                      <m:sup>
-                        <m:r>
-                          <a:rPr lang="en-US" sz="3200" b="0" i="1" smtClean="0">
-                            <a:solidFill>
-                              <a:schemeClr val="bg1"/>
-                            </a:solidFill>
-                            <a:latin typeface="Cambria Math" panose="02040503050406030204" pitchFamily="18" charset="0"/>
-                          </a:rPr>
-                          <m:t>2</m:t>
-                        </m:r>
-                      </m:sup>
-                    </m:sSup>
-                    <m:r>
-                      <a:rPr lang="en-US" sz="3200" b="0" i="1" smtClean="0">
-                        <a:solidFill>
-                          <a:schemeClr val="bg1"/>
-                        </a:solidFill>
-                        <a:latin typeface="Cambria Math" panose="02040503050406030204" pitchFamily="18" charset="0"/>
-                      </a:rPr>
-                      <m:t>=0.91</m:t>
-                    </m:r>
-                  </m:oMath>
-                </a14:m>
-                <a:endParaRPr lang="en-US" sz="3200" b="0" dirty="0">
-                  <a:solidFill>
-                    <a:schemeClr val="bg1"/>
-                  </a:solidFill>
-                </a:endParaRPr>
-              </a:p>
-            </p:txBody>
-          </p:sp>
-        </mc:Choice>
-        <mc:Fallback xmlns="">
-          <p:sp>
-            <p:nvSpPr>
-              <p:cNvPr id="18" name="TextBox 17">
-                <a:extLst>
-                  <a:ext uri="{FF2B5EF4-FFF2-40B4-BE49-F238E27FC236}">
-                    <a16:creationId xmlns:a16="http://schemas.microsoft.com/office/drawing/2014/main" id="{9885411C-DEDD-4A79-876F-782C5E15B349}"/>
-                  </a:ext>
-                </a:extLst>
-              </p:cNvPr>
-              <p:cNvSpPr txBox="1">
-                <a:spLocks noRot="1" noChangeAspect="1" noMove="1" noResize="1" noEditPoints="1" noAdjustHandles="1" noChangeArrowheads="1" noChangeShapeType="1" noTextEdit="1"/>
-              </p:cNvSpPr>
-              <p:nvPr/>
-            </p:nvSpPr>
-            <p:spPr>
-              <a:xfrm>
-                <a:off x="3395629" y="5014949"/>
-                <a:ext cx="8251007" cy="584775"/>
-              </a:xfrm>
-              <a:prstGeom prst="rect">
-                <a:avLst/>
-              </a:prstGeom>
-              <a:blipFill>
-                <a:blip r:embed="rId6"/>
-                <a:stretch>
-                  <a:fillRect t="-14286" b="-29592"/>
-                </a:stretch>
-              </a:blipFill>
-            </p:spPr>
-            <p:txBody>
-              <a:bodyPr/>
-              <a:lstStyle/>
-              <a:p>
-                <a:r>
-                  <a:rPr lang="en-US">
-                    <a:noFill/>
-                  </a:rPr>
-                  <a:t> </a:t>
-                </a:r>
-              </a:p>
-            </p:txBody>
-          </p:sp>
-        </mc:Fallback>
-      </mc:AlternateContent>
-    </p:spTree>
-    <p:extLst>
-      <p:ext uri="{BB962C8B-B14F-4D97-AF65-F5344CB8AC3E}">
-        <p14:creationId xmlns:p14="http://schemas.microsoft.com/office/powerpoint/2010/main" val="2087752578"/>
-      </p:ext>
-    </p:extLst>
-  </p:cSld>
-  <p:clrMapOvr>
-    <a:masterClrMapping/>
-  </p:clrMapOvr>
-</p:sld>
-</file>
-
-<file path=ppt/slides/slide11.xml><?xml version="1.0" encoding="utf-8"?>
-<p:sld xmlns:a="http://schemas.openxmlformats.org/drawingml/2006/main" xmlns:r="http://schemas.openxmlformats.org/officeDocument/2006/relationships" xmlns:p="http://schemas.openxmlformats.org/presentationml/2006/main">
-  <p:cSld>
-    <p:bg>
-      <p:bgPr>
-        <a:solidFill>
-          <a:schemeClr val="bg1"/>
-        </a:solidFill>
-        <a:effectLst/>
-      </p:bgPr>
-    </p:bg>
-    <p:spTree>
-      <p:nvGrpSpPr>
-        <p:cNvPr id="1" name=""/>
-        <p:cNvGrpSpPr/>
-        <p:nvPr/>
-      </p:nvGrpSpPr>
-      <p:grpSpPr>
-        <a:xfrm>
-          <a:off x="0" y="0"/>
-          <a:ext cx="0" cy="0"/>
-          <a:chOff x="0" y="0"/>
-          <a:chExt cx="0" cy="0"/>
-        </a:xfrm>
-      </p:grpSpPr>
-      <p:sp>
-        <p:nvSpPr>
-          <p:cNvPr id="17" name="Rectangle 16">
-            <a:extLst>
-              <a:ext uri="{FF2B5EF4-FFF2-40B4-BE49-F238E27FC236}">
-                <a16:creationId xmlns:a16="http://schemas.microsoft.com/office/drawing/2014/main" id="{0A8FE870-A334-4DE1-84A7-AB191ED10D63}"/>
-              </a:ext>
-            </a:extLst>
-          </p:cNvPr>
-          <p:cNvSpPr/>
-          <p:nvPr/>
-        </p:nvSpPr>
-        <p:spPr>
-          <a:xfrm>
-            <a:off x="0" y="-52157"/>
-            <a:ext cx="12192000" cy="6910157"/>
-          </a:xfrm>
-          <a:prstGeom prst="rect">
-            <a:avLst/>
-          </a:prstGeom>
-          <a:solidFill>
-            <a:srgbClr val="395583"/>
-          </a:solidFill>
-        </p:spPr>
-        <p:style>
-          <a:lnRef idx="2">
-            <a:schemeClr val="accent1">
-              <a:shade val="50000"/>
-            </a:schemeClr>
-          </a:lnRef>
-          <a:fillRef idx="1">
-            <a:schemeClr val="accent1"/>
-          </a:fillRef>
-          <a:effectRef idx="0">
-            <a:schemeClr val="accent1"/>
-          </a:effectRef>
-          <a:fontRef idx="minor">
-            <a:schemeClr val="lt1"/>
-          </a:fontRef>
-        </p:style>
-        <p:txBody>
-          <a:bodyPr rtlCol="0" anchor="ctr"/>
-          <a:lstStyle/>
-          <a:p>
-            <a:pPr algn="ctr"/>
-            <a:endParaRPr lang="en-US"/>
-          </a:p>
-        </p:txBody>
-      </p:sp>
-      <p:pic>
-        <p:nvPicPr>
-          <p:cNvPr id="8" name="Picture 7" descr="A close up of a toy&#10;&#10;Description automatically generated">
-            <a:extLst>
-              <a:ext uri="{FF2B5EF4-FFF2-40B4-BE49-F238E27FC236}">
-                <a16:creationId xmlns:a16="http://schemas.microsoft.com/office/drawing/2014/main" id="{131D5527-B848-4F84-9601-62DB93565332}"/>
-              </a:ext>
-            </a:extLst>
-          </p:cNvPr>
-          <p:cNvPicPr>
-            <a:picLocks noChangeAspect="1"/>
-          </p:cNvPicPr>
-          <p:nvPr/>
-        </p:nvPicPr>
-        <p:blipFill rotWithShape="1">
-          <a:blip r:embed="rId2">
-            <a:extLst>
-              <a:ext uri="{28A0092B-C50C-407E-A947-70E740481C1C}">
-                <a14:useLocalDpi xmlns:a14="http://schemas.microsoft.com/office/drawing/2010/main" val="0"/>
-              </a:ext>
-            </a:extLst>
-          </a:blip>
-          <a:srcRect l="6238" r="10796"/>
-          <a:stretch/>
-        </p:blipFill>
-        <p:spPr>
-          <a:xfrm>
-            <a:off x="0" y="-52157"/>
-            <a:ext cx="2684015" cy="3969421"/>
-          </a:xfrm>
-          <a:prstGeom prst="rect">
-            <a:avLst/>
-          </a:prstGeom>
-        </p:spPr>
-      </p:pic>
-      <p:sp>
-        <p:nvSpPr>
-          <p:cNvPr id="33" name="Rectangle 32">
-            <a:extLst>
-              <a:ext uri="{FF2B5EF4-FFF2-40B4-BE49-F238E27FC236}">
-                <a16:creationId xmlns:a16="http://schemas.microsoft.com/office/drawing/2014/main" id="{6F93929A-DE1C-47C4-AF97-F99DB104E96F}"/>
-              </a:ext>
-            </a:extLst>
-          </p:cNvPr>
-          <p:cNvSpPr/>
-          <p:nvPr/>
-        </p:nvSpPr>
-        <p:spPr>
-          <a:xfrm rot="16200000">
-            <a:off x="782431" y="1849427"/>
-            <a:ext cx="3969421" cy="166254"/>
-          </a:xfrm>
-          <a:prstGeom prst="rect">
-            <a:avLst/>
-          </a:prstGeom>
-          <a:solidFill>
-            <a:schemeClr val="tx1"/>
-          </a:solidFill>
-          <a:ln>
-            <a:noFill/>
-          </a:ln>
-        </p:spPr>
-        <p:style>
-          <a:lnRef idx="2">
-            <a:schemeClr val="accent1">
-              <a:shade val="50000"/>
-            </a:schemeClr>
-          </a:lnRef>
-          <a:fillRef idx="1">
-            <a:schemeClr val="accent1"/>
-          </a:fillRef>
-          <a:effectRef idx="0">
-            <a:schemeClr val="accent1"/>
-          </a:effectRef>
-          <a:fontRef idx="minor">
-            <a:schemeClr val="lt1"/>
-          </a:fontRef>
-        </p:style>
-        <p:txBody>
-          <a:bodyPr rtlCol="0" anchor="ctr"/>
-          <a:lstStyle/>
-          <a:p>
-            <a:pPr algn="ctr"/>
-            <a:endParaRPr lang="en-US" dirty="0">
-              <a:solidFill>
-                <a:srgbClr val="DB5B5C"/>
-              </a:solidFill>
-            </a:endParaRPr>
-          </a:p>
-        </p:txBody>
-      </p:sp>
-      <p:sp>
-        <p:nvSpPr>
-          <p:cNvPr id="35" name="Rectangle 34">
-            <a:extLst>
-              <a:ext uri="{FF2B5EF4-FFF2-40B4-BE49-F238E27FC236}">
-                <a16:creationId xmlns:a16="http://schemas.microsoft.com/office/drawing/2014/main" id="{259A39E4-556F-4581-82A2-C6B68A8147A4}"/>
-              </a:ext>
-            </a:extLst>
-          </p:cNvPr>
-          <p:cNvSpPr/>
-          <p:nvPr/>
-        </p:nvSpPr>
-        <p:spPr>
-          <a:xfrm rot="10800000">
-            <a:off x="-2" y="3756674"/>
-            <a:ext cx="2850269" cy="3101326"/>
-          </a:xfrm>
-          <a:prstGeom prst="rect">
-            <a:avLst/>
-          </a:prstGeom>
-          <a:solidFill>
-            <a:schemeClr val="tx1"/>
-          </a:solidFill>
-          <a:ln>
-            <a:noFill/>
-          </a:ln>
-        </p:spPr>
-        <p:style>
-          <a:lnRef idx="2">
-            <a:schemeClr val="accent1">
-              <a:shade val="50000"/>
-            </a:schemeClr>
-          </a:lnRef>
-          <a:fillRef idx="1">
-            <a:schemeClr val="accent1"/>
-          </a:fillRef>
-          <a:effectRef idx="0">
-            <a:schemeClr val="accent1"/>
-          </a:effectRef>
-          <a:fontRef idx="minor">
-            <a:schemeClr val="lt1"/>
-          </a:fontRef>
-        </p:style>
-        <p:txBody>
-          <a:bodyPr rtlCol="0" anchor="ctr"/>
-          <a:lstStyle/>
-          <a:p>
-            <a:pPr algn="ctr"/>
-            <a:endParaRPr lang="en-US" dirty="0">
-              <a:solidFill>
-                <a:srgbClr val="DB5B5C"/>
-              </a:solidFill>
-            </a:endParaRPr>
-          </a:p>
-        </p:txBody>
-      </p:sp>
-      <p:sp>
-        <p:nvSpPr>
-          <p:cNvPr id="23" name="Subtitle 22">
-            <a:extLst>
-              <a:ext uri="{FF2B5EF4-FFF2-40B4-BE49-F238E27FC236}">
-                <a16:creationId xmlns:a16="http://schemas.microsoft.com/office/drawing/2014/main" id="{1E5D6413-9C6F-483D-BE52-F3BBB1E74630}"/>
-              </a:ext>
-            </a:extLst>
-          </p:cNvPr>
-          <p:cNvSpPr>
-            <a:spLocks noGrp="1"/>
-          </p:cNvSpPr>
-          <p:nvPr>
-            <p:ph type="subTitle" idx="1"/>
-          </p:nvPr>
-        </p:nvSpPr>
-        <p:spPr>
-          <a:xfrm>
-            <a:off x="3007491" y="137620"/>
-            <a:ext cx="9341732" cy="1684867"/>
-          </a:xfrm>
-        </p:spPr>
-        <p:txBody>
-          <a:bodyPr>
-            <a:normAutofit/>
-          </a:bodyPr>
-          <a:lstStyle/>
-          <a:p>
-            <a:pPr algn="l"/>
-            <a:r>
-              <a:rPr lang="en-US" sz="4400" dirty="0">
-                <a:solidFill>
-                  <a:schemeClr val="bg1"/>
-                </a:solidFill>
-                <a:latin typeface="Selawik Semibold" panose="020B0702040204020203" pitchFamily="34" charset="0"/>
-              </a:rPr>
-              <a:t>Linear Weights</a:t>
-            </a:r>
-          </a:p>
-        </p:txBody>
-      </p:sp>
-      <p:pic>
-        <p:nvPicPr>
-          <p:cNvPr id="16" name="Picture 15" descr="A close up of a toy&#10;&#10;Description automatically generated">
-            <a:extLst>
-              <a:ext uri="{FF2B5EF4-FFF2-40B4-BE49-F238E27FC236}">
-                <a16:creationId xmlns:a16="http://schemas.microsoft.com/office/drawing/2014/main" id="{94C75949-F15C-4E05-810D-EF40FCE89107}"/>
-              </a:ext>
-            </a:extLst>
-          </p:cNvPr>
-          <p:cNvPicPr>
-            <a:picLocks noChangeAspect="1"/>
-          </p:cNvPicPr>
-          <p:nvPr/>
-        </p:nvPicPr>
-        <p:blipFill>
-          <a:blip r:embed="rId3">
-            <a:extLst>
-              <a:ext uri="{28A0092B-C50C-407E-A947-70E740481C1C}">
-                <a14:useLocalDpi xmlns:a14="http://schemas.microsoft.com/office/drawing/2010/main" val="0"/>
-              </a:ext>
-            </a:extLst>
-          </a:blip>
-          <a:stretch>
-            <a:fillRect/>
-          </a:stretch>
-        </p:blipFill>
-        <p:spPr>
-          <a:xfrm>
-            <a:off x="417789" y="4380288"/>
-            <a:ext cx="2014687" cy="2014687"/>
-          </a:xfrm>
-          <a:prstGeom prst="ellipse">
-            <a:avLst/>
-          </a:prstGeom>
-          <a:ln w="63500" cap="rnd">
-            <a:solidFill>
-              <a:srgbClr val="333333"/>
-            </a:solidFill>
-          </a:ln>
-          <a:effectLst>
-            <a:outerShdw blurRad="381000" dist="292100" dir="5400000" sx="-80000" sy="-18000" rotWithShape="0">
-              <a:srgbClr val="000000">
-                <a:alpha val="22000"/>
-              </a:srgbClr>
-            </a:outerShdw>
-          </a:effectLst>
-          <a:scene3d>
-            <a:camera prst="orthographicFront"/>
-            <a:lightRig rig="contrasting" dir="t">
-              <a:rot lat="0" lon="0" rev="3000000"/>
-            </a:lightRig>
-          </a:scene3d>
-          <a:sp3d contourW="7620">
-            <a:bevelT w="95250" h="31750"/>
-            <a:contourClr>
-              <a:srgbClr val="333333"/>
-            </a:contourClr>
-          </a:sp3d>
-        </p:spPr>
-      </p:pic>
-      <p:sp>
-        <p:nvSpPr>
-          <p:cNvPr id="38" name="Rectangle 37">
-            <a:extLst>
-              <a:ext uri="{FF2B5EF4-FFF2-40B4-BE49-F238E27FC236}">
-                <a16:creationId xmlns:a16="http://schemas.microsoft.com/office/drawing/2014/main" id="{28B1909D-4141-4FB1-8633-83F335349C97}"/>
-              </a:ext>
-            </a:extLst>
-          </p:cNvPr>
-          <p:cNvSpPr/>
-          <p:nvPr/>
-        </p:nvSpPr>
-        <p:spPr>
-          <a:xfrm rot="10800000">
-            <a:off x="3007493" y="844062"/>
-            <a:ext cx="9027282" cy="137067"/>
-          </a:xfrm>
-          <a:prstGeom prst="rect">
-            <a:avLst/>
-          </a:prstGeom>
-          <a:solidFill>
-            <a:schemeClr val="tx1"/>
-          </a:solidFill>
-          <a:ln>
-            <a:noFill/>
-          </a:ln>
-        </p:spPr>
-        <p:style>
-          <a:lnRef idx="2">
-            <a:schemeClr val="accent1">
-              <a:shade val="50000"/>
-            </a:schemeClr>
-          </a:lnRef>
-          <a:fillRef idx="1">
-            <a:schemeClr val="accent1"/>
-          </a:fillRef>
-          <a:effectRef idx="0">
-            <a:schemeClr val="accent1"/>
-          </a:effectRef>
-          <a:fontRef idx="minor">
-            <a:schemeClr val="lt1"/>
-          </a:fontRef>
-        </p:style>
-        <p:txBody>
-          <a:bodyPr rtlCol="0" anchor="ctr"/>
-          <a:lstStyle/>
-          <a:p>
-            <a:pPr algn="ctr"/>
-            <a:endParaRPr lang="en-US" dirty="0">
-              <a:solidFill>
-                <a:srgbClr val="DB5B5C"/>
-              </a:solidFill>
-            </a:endParaRPr>
-          </a:p>
-        </p:txBody>
-      </p:sp>
-      <p:sp>
-        <p:nvSpPr>
-          <p:cNvPr id="10" name="TextBox 9">
-            <a:extLst>
-              <a:ext uri="{FF2B5EF4-FFF2-40B4-BE49-F238E27FC236}">
-                <a16:creationId xmlns:a16="http://schemas.microsoft.com/office/drawing/2014/main" id="{8A07C2CC-416F-4D29-84CF-D1F8B766EE5F}"/>
-              </a:ext>
-            </a:extLst>
-          </p:cNvPr>
-          <p:cNvSpPr txBox="1"/>
-          <p:nvPr/>
-        </p:nvSpPr>
-        <p:spPr>
-          <a:xfrm>
-            <a:off x="3080082" y="1520792"/>
             <a:ext cx="9341732" cy="1384995"/>
           </a:xfrm>
           <a:prstGeom prst="rect">
@@ -5628,7 +4457,7 @@
                 </a:solidFill>
                 <a:latin typeface="Selawik Semibold" panose="020B0702040204020203" pitchFamily="34" charset="0"/>
               </a:rPr>
-              <a:t>Average Team (2000-2006) Versus Ichiro (2004)</a:t>
+              <a:t>Average Team (2010-2016) Versus Bryant (2016)</a:t>
             </a:r>
           </a:p>
           <a:p>
@@ -5657,14 +4486,14 @@
           <p:nvPr>
             <p:extLst>
               <p:ext uri="{D42A27DB-BD31-4B8C-83A1-F6EECF244321}">
-                <p14:modId xmlns:p14="http://schemas.microsoft.com/office/powerpoint/2010/main" val="2317300997"/>
+                <p14:modId xmlns:p14="http://schemas.microsoft.com/office/powerpoint/2010/main" val="396797149"/>
               </p:ext>
             </p:extLst>
           </p:nvPr>
         </p:nvGraphicFramePr>
         <p:xfrm>
           <a:off x="3959709" y="2658216"/>
-          <a:ext cx="6790343" cy="3627120"/>
+          <a:ext cx="6790343" cy="4145280"/>
         </p:xfrm>
         <a:graphic>
           <a:graphicData uri="http://schemas.openxmlformats.org/drawingml/2006/table">
@@ -5732,7 +4561,7 @@
                       <a:pPr algn="ctr"/>
                       <a:r>
                         <a:rPr lang="en-US" sz="2800" dirty="0"/>
-                        <a:t>Ichiro 2004</a:t>
+                        <a:t>Bryant 2016</a:t>
                       </a:r>
                     </a:p>
                   </a:txBody>
@@ -5767,7 +4596,7 @@
                       <a:pPr algn="ctr"/>
                       <a:r>
                         <a:rPr lang="en-US" sz="2800" dirty="0"/>
-                        <a:t>972.08</a:t>
+                        <a:t>939.83</a:t>
                       </a:r>
                     </a:p>
                   </a:txBody>
@@ -5781,7 +4610,7 @@
                       <a:pPr algn="ctr"/>
                       <a:r>
                         <a:rPr lang="en-US" sz="2800" dirty="0"/>
-                        <a:t>225</a:t>
+                        <a:t>99</a:t>
                       </a:r>
                     </a:p>
                   </a:txBody>
@@ -5816,7 +4645,7 @@
                       <a:pPr algn="ctr"/>
                       <a:r>
                         <a:rPr lang="en-US" sz="2800" dirty="0"/>
-                        <a:t>296</a:t>
+                        <a:t>276.2</a:t>
                       </a:r>
                     </a:p>
                   </a:txBody>
@@ -5830,7 +4659,7 @@
                       <a:pPr algn="ctr"/>
                       <a:r>
                         <a:rPr lang="en-US" sz="2800" dirty="0"/>
-                        <a:t>24</a:t>
+                        <a:t>35</a:t>
                       </a:r>
                     </a:p>
                   </a:txBody>
@@ -5865,7 +4694,7 @@
                       <a:pPr algn="ctr"/>
                       <a:r>
                         <a:rPr lang="en-US" sz="2800" dirty="0"/>
-                        <a:t>30.82</a:t>
+                        <a:t>29.16</a:t>
                       </a:r>
                     </a:p>
                   </a:txBody>
@@ -5879,7 +4708,7 @@
                       <a:pPr algn="ctr"/>
                       <a:r>
                         <a:rPr lang="en-US" sz="2800" dirty="0"/>
-                        <a:t>5</a:t>
+                        <a:t>3</a:t>
                       </a:r>
                     </a:p>
                   </a:txBody>
@@ -5914,7 +4743,7 @@
                       <a:pPr algn="ctr"/>
                       <a:r>
                         <a:rPr lang="en-US" sz="2800" dirty="0"/>
-                        <a:t>177.48</a:t>
+                        <a:t>159.36</a:t>
                       </a:r>
                     </a:p>
                   </a:txBody>
@@ -5928,7 +4757,7 @@
                       <a:pPr algn="ctr"/>
                       <a:r>
                         <a:rPr lang="en-US" sz="2800" dirty="0"/>
-                        <a:t>8</a:t>
+                        <a:t>39</a:t>
                       </a:r>
                     </a:p>
                   </a:txBody>
@@ -5963,7 +4792,7 @@
                       <a:pPr algn="ctr"/>
                       <a:r>
                         <a:rPr lang="en-US" sz="2800" dirty="0"/>
-                        <a:t>599.88</a:t>
+                        <a:t>544.59</a:t>
                       </a:r>
                     </a:p>
                   </a:txBody>
@@ -5977,7 +4806,7 @@
                       <a:pPr algn="ctr"/>
                       <a:r>
                         <a:rPr lang="en-US" sz="2800" dirty="0"/>
-                        <a:t>60</a:t>
+                        <a:t>93</a:t>
                       </a:r>
                     </a:p>
                   </a:txBody>
@@ -5986,6 +4815,55 @@
                 <a:extLst>
                   <a:ext uri="{0D108BD9-81ED-4DB2-BD59-A6C34878D82A}">
                     <a16:rowId xmlns:a16="http://schemas.microsoft.com/office/drawing/2014/main" val="1681391539"/>
+                  </a:ext>
+                </a:extLst>
+              </a:tr>
+              <a:tr h="370840">
+                <a:tc>
+                  <a:txBody>
+                    <a:bodyPr/>
+                    <a:lstStyle/>
+                    <a:p>
+                      <a:pPr algn="ctr"/>
+                      <a:r>
+                        <a:rPr lang="en-US" sz="2800" dirty="0"/>
+                        <a:t>SB</a:t>
+                      </a:r>
+                    </a:p>
+                  </a:txBody>
+                  <a:tcPr anchor="ctr"/>
+                </a:tc>
+                <a:tc>
+                  <a:txBody>
+                    <a:bodyPr/>
+                    <a:lstStyle/>
+                    <a:p>
+                      <a:pPr algn="ctr"/>
+                      <a:r>
+                        <a:rPr lang="en-US" sz="2800" dirty="0"/>
+                        <a:t>95.08</a:t>
+                      </a:r>
+                    </a:p>
+                  </a:txBody>
+                  <a:tcPr anchor="ctr"/>
+                </a:tc>
+                <a:tc>
+                  <a:txBody>
+                    <a:bodyPr/>
+                    <a:lstStyle/>
+                    <a:p>
+                      <a:pPr algn="ctr"/>
+                      <a:r>
+                        <a:rPr lang="en-US" sz="2800" dirty="0"/>
+                        <a:t>8</a:t>
+                      </a:r>
+                    </a:p>
+                  </a:txBody>
+                  <a:tcPr anchor="ctr"/>
+                </a:tc>
+                <a:extLst>
+                  <a:ext uri="{0D108BD9-81ED-4DB2-BD59-A6C34878D82A}">
+                    <a16:rowId xmlns:a16="http://schemas.microsoft.com/office/drawing/2014/main" val="1623740396"/>
                   </a:ext>
                 </a:extLst>
               </a:tr>
@@ -6012,7 +4890,7 @@
                       <a:pPr algn="ctr"/>
                       <a:r>
                         <a:rPr lang="en-US" sz="2800" dirty="0"/>
-                        <a:t>4329</a:t>
+                        <a:t>4328.64</a:t>
                       </a:r>
                     </a:p>
                   </a:txBody>
@@ -6026,7 +4904,7 @@
                       <a:pPr algn="ctr"/>
                       <a:r>
                         <a:rPr lang="en-US" sz="2800" dirty="0"/>
-                        <a:t>451</a:t>
+                        <a:t>416.15</a:t>
                       </a:r>
                     </a:p>
                   </a:txBody>
@@ -6055,7 +4933,7 @@
 </p:sld>
 </file>
 
-<file path=ppt/slides/slide12.xml><?xml version="1.0" encoding="utf-8"?>
+<file path=ppt/slides/slide11.xml><?xml version="1.0" encoding="utf-8"?>
 <p:sld xmlns:a="http://schemas.openxmlformats.org/drawingml/2006/main" xmlns:r="http://schemas.openxmlformats.org/officeDocument/2006/relationships" xmlns:p="http://schemas.openxmlformats.org/presentationml/2006/main">
   <p:cSld>
     <p:bg>
@@ -6448,7 +5326,7 @@
         <p:spPr>
           <a:xfrm>
             <a:off x="3080082" y="1520792"/>
-            <a:ext cx="9341732" cy="3231654"/>
+            <a:ext cx="9341732" cy="461665"/>
           </a:xfrm>
           <a:prstGeom prst="rect">
             <a:avLst/>
@@ -6475,6 +5353,946 @@
               <a:t>Runs Created Above Average</a:t>
             </a:r>
           </a:p>
+        </p:txBody>
+      </p:sp>
+      <p:graphicFrame>
+        <p:nvGraphicFramePr>
+          <p:cNvPr id="13" name="Table 3">
+            <a:extLst>
+              <a:ext uri="{FF2B5EF4-FFF2-40B4-BE49-F238E27FC236}">
+                <a16:creationId xmlns:a16="http://schemas.microsoft.com/office/drawing/2014/main" id="{9520542D-758B-46F3-AB74-84967CE010BE}"/>
+              </a:ext>
+            </a:extLst>
+          </p:cNvPr>
+          <p:cNvGraphicFramePr>
+            <a:graphicFrameLocks noGrp="1"/>
+          </p:cNvGraphicFramePr>
+          <p:nvPr>
+            <p:extLst>
+              <p:ext uri="{D42A27DB-BD31-4B8C-83A1-F6EECF244321}">
+                <p14:modId xmlns:p14="http://schemas.microsoft.com/office/powerpoint/2010/main" val="1101788507"/>
+              </p:ext>
+            </p:extLst>
+          </p:nvPr>
+        </p:nvGraphicFramePr>
+        <p:xfrm>
+          <a:off x="3523204" y="2125674"/>
+          <a:ext cx="7734603" cy="4053840"/>
+        </p:xfrm>
+        <a:graphic>
+          <a:graphicData uri="http://schemas.openxmlformats.org/drawingml/2006/table">
+            <a:tbl>
+              <a:tblPr firstRow="1" bandRow="1">
+                <a:tableStyleId>{073A0DAA-6AF3-43AB-8588-CEC1D06C72B9}</a:tableStyleId>
+              </a:tblPr>
+              <a:tblGrid>
+                <a:gridCol w="1640561">
+                  <a:extLst>
+                    <a:ext uri="{9D8B030D-6E8A-4147-A177-3AD203B41FA5}">
+                      <a16:colId xmlns:a16="http://schemas.microsoft.com/office/drawing/2014/main" val="2835210186"/>
+                    </a:ext>
+                  </a:extLst>
+                </a:gridCol>
+                <a:gridCol w="2102706">
+                  <a:extLst>
+                    <a:ext uri="{9D8B030D-6E8A-4147-A177-3AD203B41FA5}">
+                      <a16:colId xmlns:a16="http://schemas.microsoft.com/office/drawing/2014/main" val="4130495014"/>
+                    </a:ext>
+                  </a:extLst>
+                </a:gridCol>
+                <a:gridCol w="1366889">
+                  <a:extLst>
+                    <a:ext uri="{9D8B030D-6E8A-4147-A177-3AD203B41FA5}">
+                      <a16:colId xmlns:a16="http://schemas.microsoft.com/office/drawing/2014/main" val="3294609285"/>
+                    </a:ext>
+                  </a:extLst>
+                </a:gridCol>
+                <a:gridCol w="2624447">
+                  <a:extLst>
+                    <a:ext uri="{9D8B030D-6E8A-4147-A177-3AD203B41FA5}">
+                      <a16:colId xmlns:a16="http://schemas.microsoft.com/office/drawing/2014/main" val="1124045920"/>
+                    </a:ext>
+                  </a:extLst>
+                </a:gridCol>
+              </a:tblGrid>
+              <a:tr h="370840">
+                <a:tc>
+                  <a:txBody>
+                    <a:bodyPr/>
+                    <a:lstStyle/>
+                    <a:p>
+                      <a:pPr algn="ctr"/>
+                      <a:r>
+                        <a:rPr lang="en-US" sz="2800" dirty="0"/>
+                        <a:t>Hit Type</a:t>
+                      </a:r>
+                    </a:p>
+                  </a:txBody>
+                  <a:tcPr anchor="ctr"/>
+                </a:tc>
+                <a:tc>
+                  <a:txBody>
+                    <a:bodyPr/>
+                    <a:lstStyle/>
+                    <a:p>
+                      <a:pPr algn="ctr"/>
+                      <a:r>
+                        <a:rPr lang="en-US" sz="2800" dirty="0"/>
+                        <a:t>Average Team</a:t>
+                      </a:r>
+                    </a:p>
+                  </a:txBody>
+                  <a:tcPr anchor="ctr"/>
+                </a:tc>
+                <a:tc>
+                  <a:txBody>
+                    <a:bodyPr/>
+                    <a:lstStyle/>
+                    <a:p>
+                      <a:pPr algn="ctr"/>
+                      <a:r>
+                        <a:rPr lang="en-US" sz="2800" dirty="0"/>
+                        <a:t>Bryant</a:t>
+                      </a:r>
+                    </a:p>
+                  </a:txBody>
+                  <a:tcPr anchor="ctr"/>
+                </a:tc>
+                <a:tc>
+                  <a:txBody>
+                    <a:bodyPr/>
+                    <a:lstStyle/>
+                    <a:p>
+                      <a:pPr algn="ctr"/>
+                      <a:r>
+                        <a:rPr lang="en-US" sz="2800" dirty="0"/>
+                        <a:t>Bryant + Team</a:t>
+                      </a:r>
+                    </a:p>
+                  </a:txBody>
+                  <a:tcPr anchor="ctr"/>
+                </a:tc>
+                <a:extLst>
+                  <a:ext uri="{0D108BD9-81ED-4DB2-BD59-A6C34878D82A}">
+                    <a16:rowId xmlns:a16="http://schemas.microsoft.com/office/drawing/2014/main" val="3242976283"/>
+                  </a:ext>
+                </a:extLst>
+              </a:tr>
+              <a:tr h="370840">
+                <a:tc>
+                  <a:txBody>
+                    <a:bodyPr/>
+                    <a:lstStyle/>
+                    <a:p>
+                      <a:pPr algn="ctr"/>
+                      <a:r>
+                        <a:rPr lang="en-US" sz="2800" dirty="0"/>
+                        <a:t>Single</a:t>
+                      </a:r>
+                    </a:p>
+                  </a:txBody>
+                  <a:tcPr anchor="ctr"/>
+                </a:tc>
+                <a:tc>
+                  <a:txBody>
+                    <a:bodyPr/>
+                    <a:lstStyle/>
+                    <a:p>
+                      <a:pPr algn="ctr"/>
+                      <a:r>
+                        <a:rPr lang="en-US" sz="2800" dirty="0"/>
+                        <a:t>939.83</a:t>
+                      </a:r>
+                    </a:p>
+                  </a:txBody>
+                  <a:tcPr anchor="ctr"/>
+                </a:tc>
+                <a:tc>
+                  <a:txBody>
+                    <a:bodyPr/>
+                    <a:lstStyle/>
+                    <a:p>
+                      <a:pPr algn="ctr"/>
+                      <a:r>
+                        <a:rPr lang="en-US" sz="2800" dirty="0"/>
+                        <a:t>99</a:t>
+                      </a:r>
+                    </a:p>
+                  </a:txBody>
+                  <a:tcPr anchor="ctr"/>
+                </a:tc>
+                <a:tc>
+                  <a:txBody>
+                    <a:bodyPr/>
+                    <a:lstStyle/>
+                    <a:p>
+                      <a:pPr algn="ctr"/>
+                      <a:r>
+                        <a:rPr lang="en-US" sz="2800" dirty="0"/>
+                        <a:t>948.48</a:t>
+                      </a:r>
+                    </a:p>
+                  </a:txBody>
+                  <a:tcPr anchor="ctr"/>
+                </a:tc>
+                <a:extLst>
+                  <a:ext uri="{0D108BD9-81ED-4DB2-BD59-A6C34878D82A}">
+                    <a16:rowId xmlns:a16="http://schemas.microsoft.com/office/drawing/2014/main" val="3892039362"/>
+                  </a:ext>
+                </a:extLst>
+              </a:tr>
+              <a:tr h="370840">
+                <a:tc>
+                  <a:txBody>
+                    <a:bodyPr/>
+                    <a:lstStyle/>
+                    <a:p>
+                      <a:pPr algn="ctr"/>
+                      <a:r>
+                        <a:rPr lang="en-US" sz="2800" dirty="0"/>
+                        <a:t>Double</a:t>
+                      </a:r>
+                    </a:p>
+                  </a:txBody>
+                  <a:tcPr anchor="ctr"/>
+                </a:tc>
+                <a:tc>
+                  <a:txBody>
+                    <a:bodyPr/>
+                    <a:lstStyle/>
+                    <a:p>
+                      <a:pPr algn="ctr"/>
+                      <a:r>
+                        <a:rPr lang="en-US" sz="2800" dirty="0"/>
+                        <a:t>276.2</a:t>
+                      </a:r>
+                    </a:p>
+                  </a:txBody>
+                  <a:tcPr anchor="ctr"/>
+                </a:tc>
+                <a:tc>
+                  <a:txBody>
+                    <a:bodyPr/>
+                    <a:lstStyle/>
+                    <a:p>
+                      <a:pPr algn="ctr"/>
+                      <a:r>
+                        <a:rPr lang="en-US" sz="2800" dirty="0"/>
+                        <a:t>35</a:t>
+                      </a:r>
+                    </a:p>
+                  </a:txBody>
+                  <a:tcPr anchor="ctr"/>
+                </a:tc>
+                <a:tc>
+                  <a:txBody>
+                    <a:bodyPr/>
+                    <a:lstStyle/>
+                    <a:p>
+                      <a:pPr algn="ctr"/>
+                      <a:r>
+                        <a:rPr lang="en-US" sz="2800" dirty="0"/>
+                        <a:t>284.64</a:t>
+                      </a:r>
+                    </a:p>
+                  </a:txBody>
+                  <a:tcPr anchor="ctr"/>
+                </a:tc>
+                <a:extLst>
+                  <a:ext uri="{0D108BD9-81ED-4DB2-BD59-A6C34878D82A}">
+                    <a16:rowId xmlns:a16="http://schemas.microsoft.com/office/drawing/2014/main" val="2405592873"/>
+                  </a:ext>
+                </a:extLst>
+              </a:tr>
+              <a:tr h="370840">
+                <a:tc>
+                  <a:txBody>
+                    <a:bodyPr/>
+                    <a:lstStyle/>
+                    <a:p>
+                      <a:pPr algn="ctr"/>
+                      <a:r>
+                        <a:rPr lang="en-US" sz="2800" dirty="0"/>
+                        <a:t>Triple</a:t>
+                      </a:r>
+                    </a:p>
+                  </a:txBody>
+                  <a:tcPr anchor="ctr"/>
+                </a:tc>
+                <a:tc>
+                  <a:txBody>
+                    <a:bodyPr/>
+                    <a:lstStyle/>
+                    <a:p>
+                      <a:pPr algn="ctr"/>
+                      <a:r>
+                        <a:rPr lang="en-US" sz="2800" dirty="0"/>
+                        <a:t>29.16</a:t>
+                      </a:r>
+                    </a:p>
+                  </a:txBody>
+                  <a:tcPr anchor="ctr"/>
+                </a:tc>
+                <a:tc>
+                  <a:txBody>
+                    <a:bodyPr/>
+                    <a:lstStyle/>
+                    <a:p>
+                      <a:pPr algn="ctr"/>
+                      <a:r>
+                        <a:rPr lang="en-US" sz="2800" dirty="0"/>
+                        <a:t>3</a:t>
+                      </a:r>
+                    </a:p>
+                  </a:txBody>
+                  <a:tcPr anchor="ctr"/>
+                </a:tc>
+                <a:tc>
+                  <a:txBody>
+                    <a:bodyPr/>
+                    <a:lstStyle/>
+                    <a:p>
+                      <a:pPr algn="ctr"/>
+                      <a:r>
+                        <a:rPr lang="en-US" sz="2800" dirty="0"/>
+                        <a:t>29.36</a:t>
+                      </a:r>
+                    </a:p>
+                  </a:txBody>
+                  <a:tcPr anchor="ctr"/>
+                </a:tc>
+                <a:extLst>
+                  <a:ext uri="{0D108BD9-81ED-4DB2-BD59-A6C34878D82A}">
+                    <a16:rowId xmlns:a16="http://schemas.microsoft.com/office/drawing/2014/main" val="4171684232"/>
+                  </a:ext>
+                </a:extLst>
+              </a:tr>
+              <a:tr h="370840">
+                <a:tc>
+                  <a:txBody>
+                    <a:bodyPr/>
+                    <a:lstStyle/>
+                    <a:p>
+                      <a:pPr algn="ctr"/>
+                      <a:r>
+                        <a:rPr lang="en-US" sz="2800" dirty="0"/>
+                        <a:t>HR</a:t>
+                      </a:r>
+                    </a:p>
+                  </a:txBody>
+                  <a:tcPr anchor="ctr"/>
+                </a:tc>
+                <a:tc>
+                  <a:txBody>
+                    <a:bodyPr/>
+                    <a:lstStyle/>
+                    <a:p>
+                      <a:pPr algn="ctr"/>
+                      <a:r>
+                        <a:rPr lang="en-US" sz="2800" dirty="0"/>
+                        <a:t>159.36</a:t>
+                      </a:r>
+                    </a:p>
+                  </a:txBody>
+                  <a:tcPr anchor="ctr"/>
+                </a:tc>
+                <a:tc>
+                  <a:txBody>
+                    <a:bodyPr/>
+                    <a:lstStyle/>
+                    <a:p>
+                      <a:pPr algn="ctr"/>
+                      <a:r>
+                        <a:rPr lang="en-US" sz="2800" dirty="0"/>
+                        <a:t>39</a:t>
+                      </a:r>
+                    </a:p>
+                  </a:txBody>
+                  <a:tcPr anchor="ctr"/>
+                </a:tc>
+                <a:tc>
+                  <a:txBody>
+                    <a:bodyPr/>
+                    <a:lstStyle/>
+                    <a:p>
+                      <a:pPr algn="ctr"/>
+                      <a:r>
+                        <a:rPr lang="en-US" sz="2800" dirty="0"/>
+                        <a:t>183.04</a:t>
+                      </a:r>
+                    </a:p>
+                  </a:txBody>
+                  <a:tcPr anchor="ctr"/>
+                </a:tc>
+                <a:extLst>
+                  <a:ext uri="{0D108BD9-81ED-4DB2-BD59-A6C34878D82A}">
+                    <a16:rowId xmlns:a16="http://schemas.microsoft.com/office/drawing/2014/main" val="55666731"/>
+                  </a:ext>
+                </a:extLst>
+              </a:tr>
+              <a:tr h="370840">
+                <a:tc>
+                  <a:txBody>
+                    <a:bodyPr/>
+                    <a:lstStyle/>
+                    <a:p>
+                      <a:pPr algn="ctr"/>
+                      <a:r>
+                        <a:rPr lang="en-US" sz="2800" dirty="0"/>
+                        <a:t>BB+HBP</a:t>
+                      </a:r>
+                    </a:p>
+                  </a:txBody>
+                  <a:tcPr anchor="ctr"/>
+                </a:tc>
+                <a:tc>
+                  <a:txBody>
+                    <a:bodyPr/>
+                    <a:lstStyle/>
+                    <a:p>
+                      <a:pPr algn="ctr"/>
+                      <a:r>
+                        <a:rPr lang="en-US" sz="2800" dirty="0"/>
+                        <a:t>544.59</a:t>
+                      </a:r>
+                    </a:p>
+                  </a:txBody>
+                  <a:tcPr anchor="ctr"/>
+                </a:tc>
+                <a:tc>
+                  <a:txBody>
+                    <a:bodyPr/>
+                    <a:lstStyle/>
+                    <a:p>
+                      <a:pPr algn="ctr"/>
+                      <a:r>
+                        <a:rPr lang="en-US" sz="2800" dirty="0"/>
+                        <a:t>93</a:t>
+                      </a:r>
+                    </a:p>
+                  </a:txBody>
+                  <a:tcPr anchor="ctr"/>
+                </a:tc>
+                <a:tc>
+                  <a:txBody>
+                    <a:bodyPr/>
+                    <a:lstStyle/>
+                    <a:p>
+                      <a:pPr algn="ctr"/>
+                      <a:r>
+                        <a:rPr lang="en-US" sz="2800" dirty="0"/>
+                        <a:t>597.33</a:t>
+                      </a:r>
+                    </a:p>
+                  </a:txBody>
+                  <a:tcPr anchor="ctr"/>
+                </a:tc>
+                <a:extLst>
+                  <a:ext uri="{0D108BD9-81ED-4DB2-BD59-A6C34878D82A}">
+                    <a16:rowId xmlns:a16="http://schemas.microsoft.com/office/drawing/2014/main" val="1681391539"/>
+                  </a:ext>
+                </a:extLst>
+              </a:tr>
+              <a:tr h="370840">
+                <a:tc>
+                  <a:txBody>
+                    <a:bodyPr/>
+                    <a:lstStyle/>
+                    <a:p>
+                      <a:pPr algn="ctr"/>
+                      <a:r>
+                        <a:rPr lang="en-US" sz="2800" dirty="0"/>
+                        <a:t>SB</a:t>
+                      </a:r>
+                    </a:p>
+                  </a:txBody>
+                  <a:tcPr anchor="ctr"/>
+                </a:tc>
+                <a:tc>
+                  <a:txBody>
+                    <a:bodyPr/>
+                    <a:lstStyle/>
+                    <a:p>
+                      <a:pPr algn="ctr"/>
+                      <a:r>
+                        <a:rPr lang="en-US" sz="2800" dirty="0"/>
+                        <a:t>95.08</a:t>
+                      </a:r>
+                    </a:p>
+                  </a:txBody>
+                  <a:tcPr anchor="ctr"/>
+                </a:tc>
+                <a:tc>
+                  <a:txBody>
+                    <a:bodyPr/>
+                    <a:lstStyle/>
+                    <a:p>
+                      <a:pPr algn="ctr"/>
+                      <a:r>
+                        <a:rPr lang="en-US" sz="2800" dirty="0"/>
+                        <a:t>8</a:t>
+                      </a:r>
+                    </a:p>
+                  </a:txBody>
+                  <a:tcPr anchor="ctr"/>
+                </a:tc>
+                <a:tc>
+                  <a:txBody>
+                    <a:bodyPr/>
+                    <a:lstStyle/>
+                    <a:p>
+                      <a:pPr algn="ctr"/>
+                      <a:r>
+                        <a:rPr lang="en-US" sz="2800" dirty="0"/>
+                        <a:t>93.94</a:t>
+                      </a:r>
+                    </a:p>
+                  </a:txBody>
+                  <a:tcPr anchor="ctr"/>
+                </a:tc>
+                <a:extLst>
+                  <a:ext uri="{0D108BD9-81ED-4DB2-BD59-A6C34878D82A}">
+                    <a16:rowId xmlns:a16="http://schemas.microsoft.com/office/drawing/2014/main" val="1912263422"/>
+                  </a:ext>
+                </a:extLst>
+              </a:tr>
+            </a:tbl>
+          </a:graphicData>
+        </a:graphic>
+      </p:graphicFrame>
+    </p:spTree>
+    <p:extLst>
+      <p:ext uri="{BB962C8B-B14F-4D97-AF65-F5344CB8AC3E}">
+        <p14:creationId xmlns:p14="http://schemas.microsoft.com/office/powerpoint/2010/main" val="3000187304"/>
+      </p:ext>
+    </p:extLst>
+  </p:cSld>
+  <p:clrMapOvr>
+    <a:masterClrMapping/>
+  </p:clrMapOvr>
+</p:sld>
+</file>
+
+<file path=ppt/slides/slide12.xml><?xml version="1.0" encoding="utf-8"?>
+<p:sld xmlns:a="http://schemas.openxmlformats.org/drawingml/2006/main" xmlns:r="http://schemas.openxmlformats.org/officeDocument/2006/relationships" xmlns:p="http://schemas.openxmlformats.org/presentationml/2006/main">
+  <p:cSld>
+    <p:bg>
+      <p:bgPr>
+        <a:solidFill>
+          <a:schemeClr val="bg1"/>
+        </a:solidFill>
+        <a:effectLst/>
+      </p:bgPr>
+    </p:bg>
+    <p:spTree>
+      <p:nvGrpSpPr>
+        <p:cNvPr id="1" name=""/>
+        <p:cNvGrpSpPr/>
+        <p:nvPr/>
+      </p:nvGrpSpPr>
+      <p:grpSpPr>
+        <a:xfrm>
+          <a:off x="0" y="0"/>
+          <a:ext cx="0" cy="0"/>
+          <a:chOff x="0" y="0"/>
+          <a:chExt cx="0" cy="0"/>
+        </a:xfrm>
+      </p:grpSpPr>
+      <p:sp>
+        <p:nvSpPr>
+          <p:cNvPr id="17" name="Rectangle 16">
+            <a:extLst>
+              <a:ext uri="{FF2B5EF4-FFF2-40B4-BE49-F238E27FC236}">
+                <a16:creationId xmlns:a16="http://schemas.microsoft.com/office/drawing/2014/main" id="{0A8FE870-A334-4DE1-84A7-AB191ED10D63}"/>
+              </a:ext>
+            </a:extLst>
+          </p:cNvPr>
+          <p:cNvSpPr/>
+          <p:nvPr/>
+        </p:nvSpPr>
+        <p:spPr>
+          <a:xfrm>
+            <a:off x="0" y="-52157"/>
+            <a:ext cx="12192000" cy="6910157"/>
+          </a:xfrm>
+          <a:prstGeom prst="rect">
+            <a:avLst/>
+          </a:prstGeom>
+          <a:solidFill>
+            <a:srgbClr val="395583"/>
+          </a:solidFill>
+        </p:spPr>
+        <p:style>
+          <a:lnRef idx="2">
+            <a:schemeClr val="accent1">
+              <a:shade val="50000"/>
+            </a:schemeClr>
+          </a:lnRef>
+          <a:fillRef idx="1">
+            <a:schemeClr val="accent1"/>
+          </a:fillRef>
+          <a:effectRef idx="0">
+            <a:schemeClr val="accent1"/>
+          </a:effectRef>
+          <a:fontRef idx="minor">
+            <a:schemeClr val="lt1"/>
+          </a:fontRef>
+        </p:style>
+        <p:txBody>
+          <a:bodyPr rtlCol="0" anchor="ctr"/>
+          <a:lstStyle/>
+          <a:p>
+            <a:pPr algn="ctr"/>
+            <a:endParaRPr lang="en-US"/>
+          </a:p>
+        </p:txBody>
+      </p:sp>
+      <p:pic>
+        <p:nvPicPr>
+          <p:cNvPr id="8" name="Picture 7" descr="A close up of a toy&#10;&#10;Description automatically generated">
+            <a:extLst>
+              <a:ext uri="{FF2B5EF4-FFF2-40B4-BE49-F238E27FC236}">
+                <a16:creationId xmlns:a16="http://schemas.microsoft.com/office/drawing/2014/main" id="{131D5527-B848-4F84-9601-62DB93565332}"/>
+              </a:ext>
+            </a:extLst>
+          </p:cNvPr>
+          <p:cNvPicPr>
+            <a:picLocks noChangeAspect="1"/>
+          </p:cNvPicPr>
+          <p:nvPr/>
+        </p:nvPicPr>
+        <p:blipFill rotWithShape="1">
+          <a:blip r:embed="rId2">
+            <a:extLst>
+              <a:ext uri="{28A0092B-C50C-407E-A947-70E740481C1C}">
+                <a14:useLocalDpi xmlns:a14="http://schemas.microsoft.com/office/drawing/2010/main" val="0"/>
+              </a:ext>
+            </a:extLst>
+          </a:blip>
+          <a:srcRect l="6238" r="10796"/>
+          <a:stretch/>
+        </p:blipFill>
+        <p:spPr>
+          <a:xfrm>
+            <a:off x="0" y="-52157"/>
+            <a:ext cx="2684015" cy="3969421"/>
+          </a:xfrm>
+          <a:prstGeom prst="rect">
+            <a:avLst/>
+          </a:prstGeom>
+        </p:spPr>
+      </p:pic>
+      <p:sp>
+        <p:nvSpPr>
+          <p:cNvPr id="33" name="Rectangle 32">
+            <a:extLst>
+              <a:ext uri="{FF2B5EF4-FFF2-40B4-BE49-F238E27FC236}">
+                <a16:creationId xmlns:a16="http://schemas.microsoft.com/office/drawing/2014/main" id="{6F93929A-DE1C-47C4-AF97-F99DB104E96F}"/>
+              </a:ext>
+            </a:extLst>
+          </p:cNvPr>
+          <p:cNvSpPr/>
+          <p:nvPr/>
+        </p:nvSpPr>
+        <p:spPr>
+          <a:xfrm rot="16200000">
+            <a:off x="782431" y="1849427"/>
+            <a:ext cx="3969421" cy="166254"/>
+          </a:xfrm>
+          <a:prstGeom prst="rect">
+            <a:avLst/>
+          </a:prstGeom>
+          <a:solidFill>
+            <a:schemeClr val="tx1"/>
+          </a:solidFill>
+          <a:ln>
+            <a:noFill/>
+          </a:ln>
+        </p:spPr>
+        <p:style>
+          <a:lnRef idx="2">
+            <a:schemeClr val="accent1">
+              <a:shade val="50000"/>
+            </a:schemeClr>
+          </a:lnRef>
+          <a:fillRef idx="1">
+            <a:schemeClr val="accent1"/>
+          </a:fillRef>
+          <a:effectRef idx="0">
+            <a:schemeClr val="accent1"/>
+          </a:effectRef>
+          <a:fontRef idx="minor">
+            <a:schemeClr val="lt1"/>
+          </a:fontRef>
+        </p:style>
+        <p:txBody>
+          <a:bodyPr rtlCol="0" anchor="ctr"/>
+          <a:lstStyle/>
+          <a:p>
+            <a:pPr algn="ctr"/>
+            <a:endParaRPr lang="en-US" dirty="0">
+              <a:solidFill>
+                <a:srgbClr val="DB5B5C"/>
+              </a:solidFill>
+            </a:endParaRPr>
+          </a:p>
+        </p:txBody>
+      </p:sp>
+      <p:sp>
+        <p:nvSpPr>
+          <p:cNvPr id="35" name="Rectangle 34">
+            <a:extLst>
+              <a:ext uri="{FF2B5EF4-FFF2-40B4-BE49-F238E27FC236}">
+                <a16:creationId xmlns:a16="http://schemas.microsoft.com/office/drawing/2014/main" id="{259A39E4-556F-4581-82A2-C6B68A8147A4}"/>
+              </a:ext>
+            </a:extLst>
+          </p:cNvPr>
+          <p:cNvSpPr/>
+          <p:nvPr/>
+        </p:nvSpPr>
+        <p:spPr>
+          <a:xfrm rot="10800000">
+            <a:off x="-2" y="3756674"/>
+            <a:ext cx="2850269" cy="3101326"/>
+          </a:xfrm>
+          <a:prstGeom prst="rect">
+            <a:avLst/>
+          </a:prstGeom>
+          <a:solidFill>
+            <a:schemeClr val="tx1"/>
+          </a:solidFill>
+          <a:ln>
+            <a:noFill/>
+          </a:ln>
+        </p:spPr>
+        <p:style>
+          <a:lnRef idx="2">
+            <a:schemeClr val="accent1">
+              <a:shade val="50000"/>
+            </a:schemeClr>
+          </a:lnRef>
+          <a:fillRef idx="1">
+            <a:schemeClr val="accent1"/>
+          </a:fillRef>
+          <a:effectRef idx="0">
+            <a:schemeClr val="accent1"/>
+          </a:effectRef>
+          <a:fontRef idx="minor">
+            <a:schemeClr val="lt1"/>
+          </a:fontRef>
+        </p:style>
+        <p:txBody>
+          <a:bodyPr rtlCol="0" anchor="ctr"/>
+          <a:lstStyle/>
+          <a:p>
+            <a:pPr algn="ctr"/>
+            <a:endParaRPr lang="en-US" dirty="0">
+              <a:solidFill>
+                <a:srgbClr val="DB5B5C"/>
+              </a:solidFill>
+            </a:endParaRPr>
+          </a:p>
+        </p:txBody>
+      </p:sp>
+      <p:sp>
+        <p:nvSpPr>
+          <p:cNvPr id="23" name="Subtitle 22">
+            <a:extLst>
+              <a:ext uri="{FF2B5EF4-FFF2-40B4-BE49-F238E27FC236}">
+                <a16:creationId xmlns:a16="http://schemas.microsoft.com/office/drawing/2014/main" id="{1E5D6413-9C6F-483D-BE52-F3BBB1E74630}"/>
+              </a:ext>
+            </a:extLst>
+          </p:cNvPr>
+          <p:cNvSpPr>
+            <a:spLocks noGrp="1"/>
+          </p:cNvSpPr>
+          <p:nvPr>
+            <p:ph type="subTitle" idx="1"/>
+          </p:nvPr>
+        </p:nvSpPr>
+        <p:spPr>
+          <a:xfrm>
+            <a:off x="3007491" y="137620"/>
+            <a:ext cx="9341732" cy="1684867"/>
+          </a:xfrm>
+        </p:spPr>
+        <p:txBody>
+          <a:bodyPr>
+            <a:normAutofit/>
+          </a:bodyPr>
+          <a:lstStyle/>
+          <a:p>
+            <a:pPr algn="l"/>
+            <a:r>
+              <a:rPr lang="en-US" sz="4400" dirty="0">
+                <a:solidFill>
+                  <a:schemeClr val="bg1"/>
+                </a:solidFill>
+                <a:latin typeface="Selawik Semibold" panose="020B0702040204020203" pitchFamily="34" charset="0"/>
+              </a:rPr>
+              <a:t>Linear Weights</a:t>
+            </a:r>
+          </a:p>
+        </p:txBody>
+      </p:sp>
+      <p:pic>
+        <p:nvPicPr>
+          <p:cNvPr id="16" name="Picture 15" descr="A close up of a toy&#10;&#10;Description automatically generated">
+            <a:extLst>
+              <a:ext uri="{FF2B5EF4-FFF2-40B4-BE49-F238E27FC236}">
+                <a16:creationId xmlns:a16="http://schemas.microsoft.com/office/drawing/2014/main" id="{94C75949-F15C-4E05-810D-EF40FCE89107}"/>
+              </a:ext>
+            </a:extLst>
+          </p:cNvPr>
+          <p:cNvPicPr>
+            <a:picLocks noChangeAspect="1"/>
+          </p:cNvPicPr>
+          <p:nvPr/>
+        </p:nvPicPr>
+        <p:blipFill>
+          <a:blip r:embed="rId3">
+            <a:extLst>
+              <a:ext uri="{28A0092B-C50C-407E-A947-70E740481C1C}">
+                <a14:useLocalDpi xmlns:a14="http://schemas.microsoft.com/office/drawing/2010/main" val="0"/>
+              </a:ext>
+            </a:extLst>
+          </a:blip>
+          <a:stretch>
+            <a:fillRect/>
+          </a:stretch>
+        </p:blipFill>
+        <p:spPr>
+          <a:xfrm>
+            <a:off x="417789" y="4380288"/>
+            <a:ext cx="2014687" cy="2014687"/>
+          </a:xfrm>
+          <a:prstGeom prst="ellipse">
+            <a:avLst/>
+          </a:prstGeom>
+          <a:ln w="63500" cap="rnd">
+            <a:solidFill>
+              <a:srgbClr val="333333"/>
+            </a:solidFill>
+          </a:ln>
+          <a:effectLst>
+            <a:outerShdw blurRad="381000" dist="292100" dir="5400000" sx="-80000" sy="-18000" rotWithShape="0">
+              <a:srgbClr val="000000">
+                <a:alpha val="22000"/>
+              </a:srgbClr>
+            </a:outerShdw>
+          </a:effectLst>
+          <a:scene3d>
+            <a:camera prst="orthographicFront"/>
+            <a:lightRig rig="contrasting" dir="t">
+              <a:rot lat="0" lon="0" rev="3000000"/>
+            </a:lightRig>
+          </a:scene3d>
+          <a:sp3d contourW="7620">
+            <a:bevelT w="95250" h="31750"/>
+            <a:contourClr>
+              <a:srgbClr val="333333"/>
+            </a:contourClr>
+          </a:sp3d>
+        </p:spPr>
+      </p:pic>
+      <p:sp>
+        <p:nvSpPr>
+          <p:cNvPr id="38" name="Rectangle 37">
+            <a:extLst>
+              <a:ext uri="{FF2B5EF4-FFF2-40B4-BE49-F238E27FC236}">
+                <a16:creationId xmlns:a16="http://schemas.microsoft.com/office/drawing/2014/main" id="{28B1909D-4141-4FB1-8633-83F335349C97}"/>
+              </a:ext>
+            </a:extLst>
+          </p:cNvPr>
+          <p:cNvSpPr/>
+          <p:nvPr/>
+        </p:nvSpPr>
+        <p:spPr>
+          <a:xfrm rot="10800000">
+            <a:off x="3007493" y="844062"/>
+            <a:ext cx="9027282" cy="137067"/>
+          </a:xfrm>
+          <a:prstGeom prst="rect">
+            <a:avLst/>
+          </a:prstGeom>
+          <a:solidFill>
+            <a:schemeClr val="tx1"/>
+          </a:solidFill>
+          <a:ln>
+            <a:noFill/>
+          </a:ln>
+        </p:spPr>
+        <p:style>
+          <a:lnRef idx="2">
+            <a:schemeClr val="accent1">
+              <a:shade val="50000"/>
+            </a:schemeClr>
+          </a:lnRef>
+          <a:fillRef idx="1">
+            <a:schemeClr val="accent1"/>
+          </a:fillRef>
+          <a:effectRef idx="0">
+            <a:schemeClr val="accent1"/>
+          </a:effectRef>
+          <a:fontRef idx="minor">
+            <a:schemeClr val="lt1"/>
+          </a:fontRef>
+        </p:style>
+        <p:txBody>
+          <a:bodyPr rtlCol="0" anchor="ctr"/>
+          <a:lstStyle/>
+          <a:p>
+            <a:pPr algn="ctr"/>
+            <a:endParaRPr lang="en-US" dirty="0">
+              <a:solidFill>
+                <a:srgbClr val="DB5B5C"/>
+              </a:solidFill>
+            </a:endParaRPr>
+          </a:p>
+        </p:txBody>
+      </p:sp>
+      <p:sp>
+        <p:nvSpPr>
+          <p:cNvPr id="10" name="TextBox 9">
+            <a:extLst>
+              <a:ext uri="{FF2B5EF4-FFF2-40B4-BE49-F238E27FC236}">
+                <a16:creationId xmlns:a16="http://schemas.microsoft.com/office/drawing/2014/main" id="{8A07C2CC-416F-4D29-84CF-D1F8B766EE5F}"/>
+              </a:ext>
+            </a:extLst>
+          </p:cNvPr>
+          <p:cNvSpPr txBox="1"/>
+          <p:nvPr/>
+        </p:nvSpPr>
+        <p:spPr>
+          <a:xfrm>
+            <a:off x="3080082" y="1520792"/>
+            <a:ext cx="9341732" cy="3231654"/>
+          </a:xfrm>
+          <a:prstGeom prst="rect">
+            <a:avLst/>
+          </a:prstGeom>
+          <a:noFill/>
+        </p:spPr>
+        <p:txBody>
+          <a:bodyPr wrap="square" rtlCol="0">
+            <a:spAutoFit/>
+          </a:bodyPr>
+          <a:lstStyle/>
+          <a:p>
+            <a:pPr marL="342900" indent="-342900">
+              <a:buFont typeface="Arial" panose="020B0604020202020204" pitchFamily="34" charset="0"/>
+              <a:buChar char="•"/>
+            </a:pPr>
+            <a:r>
+              <a:rPr lang="en-US" sz="2400" dirty="0">
+                <a:solidFill>
+                  <a:schemeClr val="bg1"/>
+                </a:solidFill>
+                <a:latin typeface="Selawik Semibold" panose="020B0702040204020203" pitchFamily="34" charset="0"/>
+              </a:rPr>
+              <a:t>Runs Created Above Average</a:t>
+            </a:r>
+          </a:p>
           <a:p>
             <a:pPr marL="800100" lvl="1" indent="-342900">
               <a:buFont typeface="Arial" panose="020B0604020202020204" pitchFamily="34" charset="0"/>
@@ -6574,7 +6392,7 @@
                 </a:solidFill>
                 <a:latin typeface="Selawik Semibold" panose="020B0702040204020203" pitchFamily="34" charset="0"/>
               </a:rPr>
-              <a:t>Singles With Ichiro Added to Roster</a:t>
+              <a:t>Singles With Bryant Added to Roster</a:t>
             </a:r>
           </a:p>
           <a:p>
@@ -6605,7 +6423,7 @@
             <p:spPr>
               <a:xfrm>
                 <a:off x="3863394" y="2266455"/>
-                <a:ext cx="3611758" cy="461665"/>
+                <a:ext cx="4881336" cy="461665"/>
               </a:xfrm>
               <a:prstGeom prst="rect">
                 <a:avLst/>
@@ -6625,13 +6443,67 @@
                     </m:oMathParaPr>
                     <m:oMath xmlns:m="http://schemas.openxmlformats.org/officeDocument/2006/math">
                       <m:r>
+                        <a:rPr lang="en-US" sz="2400" i="1" smtClean="0">
+                          <a:solidFill>
+                            <a:schemeClr val="bg1"/>
+                          </a:solidFill>
+                          <a:latin typeface="Cambria Math" panose="02040503050406030204" pitchFamily="18" charset="0"/>
+                        </a:rPr>
+                        <m:t>432</m:t>
+                      </m:r>
+                      <m:r>
+                        <a:rPr lang="en-US" sz="2400" b="0" i="1" smtClean="0">
+                          <a:solidFill>
+                            <a:schemeClr val="bg1"/>
+                          </a:solidFill>
+                          <a:latin typeface="Cambria Math" panose="02040503050406030204" pitchFamily="18" charset="0"/>
+                        </a:rPr>
+                        <m:t>8.64</m:t>
+                      </m:r>
+                      <m:r>
                         <a:rPr lang="en-US" sz="2400" i="1">
                           <a:solidFill>
                             <a:schemeClr val="bg1"/>
                           </a:solidFill>
                           <a:latin typeface="Cambria Math" panose="02040503050406030204" pitchFamily="18" charset="0"/>
                         </a:rPr>
-                        <m:t>4329−451=3878 </m:t>
+                        <m:t>−</m:t>
+                      </m:r>
+                      <m:r>
+                        <a:rPr lang="en-US" sz="2400" b="0" i="1" smtClean="0">
+                          <a:solidFill>
+                            <a:schemeClr val="bg1"/>
+                          </a:solidFill>
+                          <a:latin typeface="Cambria Math" panose="02040503050406030204" pitchFamily="18" charset="0"/>
+                        </a:rPr>
+                        <m:t>416.15</m:t>
+                      </m:r>
+                      <m:r>
+                        <a:rPr lang="en-US" sz="2400" i="1">
+                          <a:solidFill>
+                            <a:schemeClr val="bg1"/>
+                          </a:solidFill>
+                          <a:latin typeface="Cambria Math" panose="02040503050406030204" pitchFamily="18" charset="0"/>
+                        </a:rPr>
+                        <m:t>=</m:t>
+                      </m:r>
+                      <m:r>
+                        <a:rPr lang="en-US" sz="2400" b="0" i="1" smtClean="0">
+                          <a:solidFill>
+                            <a:schemeClr val="bg1"/>
+                          </a:solidFill>
+                          <a:latin typeface="Cambria Math" panose="02040503050406030204" pitchFamily="18" charset="0"/>
+                        </a:rPr>
+                        <m:t>3912.49</m:t>
+                      </m:r>
+                      <m:r>
+                        <a:rPr lang="en-US" sz="2400" i="1">
+                          <a:solidFill>
+                            <a:schemeClr val="bg1"/>
+                          </a:solidFill>
+                          <a:latin typeface="Cambria Math" panose="02040503050406030204" pitchFamily="18" charset="0"/>
+                        </a:rPr>
+                        <m:t> </m:t>
                       </m:r>
                       <m:r>
                         <a:rPr lang="en-US" sz="2400" i="1">
@@ -6672,7 +6544,7 @@
             <p:spPr>
               <a:xfrm>
                 <a:off x="3863394" y="2266455"/>
-                <a:ext cx="3611758" cy="461665"/>
+                <a:ext cx="4881336" cy="461665"/>
               </a:xfrm>
               <a:prstGeom prst="rect">
                 <a:avLst/>
@@ -6716,7 +6588,7 @@
             <p:spPr>
               <a:xfrm>
                 <a:off x="3856484" y="3172088"/>
-                <a:ext cx="3894464" cy="786177"/>
+                <a:ext cx="4529253" cy="786177"/>
               </a:xfrm>
               <a:prstGeom prst="rect">
                 <a:avLst/>
@@ -6754,7 +6626,7 @@
                               </a:solidFill>
                               <a:latin typeface="Cambria Math" panose="02040503050406030204" pitchFamily="18" charset="0"/>
                             </a:rPr>
-                            <m:t>3878</m:t>
+                            <m:t>3912.49</m:t>
                           </m:r>
                         </m:num>
                         <m:den>
@@ -6765,7 +6637,7 @@
                               </a:solidFill>
                               <a:latin typeface="Cambria Math" panose="02040503050406030204" pitchFamily="18" charset="0"/>
                             </a:rPr>
-                            <m:t>4329</m:t>
+                            <m:t>4328.64</m:t>
                           </m:r>
                         </m:den>
                       </m:f>
@@ -6776,7 +6648,7 @@
                           </a:solidFill>
                           <a:latin typeface="Cambria Math" panose="02040503050406030204" pitchFamily="18" charset="0"/>
                         </a:rPr>
-                        <m:t>=88% </m:t>
+                        <m:t>=90.4% </m:t>
                       </m:r>
                       <m:r>
                         <a:rPr lang="en-US" sz="2400" b="0" i="1" smtClean="0">
@@ -6853,7 +6725,7 @@
             <p:spPr>
               <a:xfrm>
                 <a:off x="3856484" y="3172088"/>
-                <a:ext cx="3894464" cy="786177"/>
+                <a:ext cx="4529253" cy="786177"/>
               </a:xfrm>
               <a:prstGeom prst="rect">
                 <a:avLst/>
@@ -6897,7 +6769,7 @@
             <p:spPr>
               <a:xfrm>
                 <a:off x="3863394" y="4457039"/>
-                <a:ext cx="7640040" cy="461665"/>
+                <a:ext cx="8066183" cy="461665"/>
               </a:xfrm>
               <a:prstGeom prst="rect">
                 <a:avLst/>
@@ -6909,149 +6781,166 @@
               </a:bodyPr>
               <a:lstStyle/>
               <a:p>
+                <a:pPr/>
                 <a14:m>
-                  <m:oMath xmlns:m="http://schemas.openxmlformats.org/officeDocument/2006/math">
-                    <m:r>
-                      <a:rPr lang="en-US" sz="2400" b="0" i="1" smtClean="0">
-                        <a:solidFill>
-                          <a:schemeClr val="bg1"/>
-                        </a:solidFill>
-                        <a:latin typeface="Cambria Math" panose="02040503050406030204" pitchFamily="18" charset="0"/>
-                      </a:rPr>
-                      <m:t>𝑆𝑖𝑛𝑔𝑙𝑒𝑠</m:t>
-                    </m:r>
-                    <m:r>
-                      <a:rPr lang="en-US" sz="2400" b="0" i="1" smtClean="0">
-                        <a:solidFill>
-                          <a:schemeClr val="bg1"/>
-                        </a:solidFill>
-                        <a:latin typeface="Cambria Math" panose="02040503050406030204" pitchFamily="18" charset="0"/>
-                      </a:rPr>
-                      <m:t>=0.88</m:t>
-                    </m:r>
-                    <m:d>
-                      <m:dPr>
-                        <m:ctrlPr>
-                          <a:rPr lang="en-US" sz="2400" b="0" i="1" smtClean="0">
-                            <a:solidFill>
-                              <a:schemeClr val="bg1"/>
-                            </a:solidFill>
-                            <a:latin typeface="Cambria Math" panose="02040503050406030204" pitchFamily="18" charset="0"/>
-                          </a:rPr>
-                        </m:ctrlPr>
-                      </m:dPr>
-                      <m:e>
-                        <m:r>
-                          <a:rPr lang="en-US" sz="2400" b="0" i="1" smtClean="0">
-                            <a:solidFill>
-                              <a:schemeClr val="bg1"/>
-                            </a:solidFill>
-                            <a:latin typeface="Cambria Math" panose="02040503050406030204" pitchFamily="18" charset="0"/>
-                          </a:rPr>
-                          <m:t>𝑆𝑖𝑛𝑔𝑙𝑒𝑠</m:t>
-                        </m:r>
-                        <m:r>
-                          <a:rPr lang="en-US" sz="2400" b="0" i="1" smtClean="0">
-                            <a:solidFill>
-                              <a:schemeClr val="bg1"/>
-                            </a:solidFill>
-                            <a:latin typeface="Cambria Math" panose="02040503050406030204" pitchFamily="18" charset="0"/>
-                          </a:rPr>
-                          <m:t> </m:t>
-                        </m:r>
-                        <m:r>
-                          <a:rPr lang="en-US" sz="2400" b="0" i="1" smtClean="0">
-                            <a:solidFill>
-                              <a:schemeClr val="bg1"/>
-                            </a:solidFill>
-                            <a:latin typeface="Cambria Math" panose="02040503050406030204" pitchFamily="18" charset="0"/>
-                          </a:rPr>
-                          <m:t>𝑜𝑓</m:t>
-                        </m:r>
-                        <m:r>
-                          <a:rPr lang="en-US" sz="2400" b="0" i="1" smtClean="0">
-                            <a:solidFill>
-                              <a:schemeClr val="bg1"/>
-                            </a:solidFill>
-                            <a:latin typeface="Cambria Math" panose="02040503050406030204" pitchFamily="18" charset="0"/>
-                          </a:rPr>
-                          <m:t> </m:t>
-                        </m:r>
-                        <m:r>
-                          <a:rPr lang="en-US" sz="2400" b="0" i="1" smtClean="0">
-                            <a:solidFill>
-                              <a:schemeClr val="bg1"/>
-                            </a:solidFill>
-                            <a:latin typeface="Cambria Math" panose="02040503050406030204" pitchFamily="18" charset="0"/>
-                          </a:rPr>
-                          <m:t>𝑇𝑒𝑎𝑚</m:t>
-                        </m:r>
-                      </m:e>
-                    </m:d>
-                    <m:r>
-                      <a:rPr lang="en-US" sz="2400" b="0" i="1" smtClean="0">
-                        <a:solidFill>
-                          <a:schemeClr val="bg1"/>
-                        </a:solidFill>
-                        <a:latin typeface="Cambria Math" panose="02040503050406030204" pitchFamily="18" charset="0"/>
-                      </a:rPr>
-                      <m:t>+(</m:t>
-                    </m:r>
-                    <m:r>
-                      <a:rPr lang="en-US" sz="2400" b="0" i="1" smtClean="0">
-                        <a:solidFill>
-                          <a:schemeClr val="bg1"/>
-                        </a:solidFill>
-                        <a:latin typeface="Cambria Math" panose="02040503050406030204" pitchFamily="18" charset="0"/>
-                      </a:rPr>
-                      <m:t>𝑆𝑖𝑛𝑔𝑙𝑒𝑠</m:t>
-                    </m:r>
-                    <m:r>
-                      <a:rPr lang="en-US" sz="2400" b="0" i="1" smtClean="0">
-                        <a:solidFill>
-                          <a:schemeClr val="bg1"/>
-                        </a:solidFill>
-                        <a:latin typeface="Cambria Math" panose="02040503050406030204" pitchFamily="18" charset="0"/>
-                      </a:rPr>
-                      <m:t> </m:t>
-                    </m:r>
-                    <m:r>
-                      <a:rPr lang="en-US" sz="2400" b="0" i="1" smtClean="0">
-                        <a:solidFill>
-                          <a:schemeClr val="bg1"/>
-                        </a:solidFill>
-                        <a:latin typeface="Cambria Math" panose="02040503050406030204" pitchFamily="18" charset="0"/>
-                      </a:rPr>
-                      <m:t>𝑜𝑓</m:t>
-                    </m:r>
-                    <m:r>
-                      <a:rPr lang="en-US" sz="2400" b="0" i="1" smtClean="0">
-                        <a:solidFill>
-                          <a:schemeClr val="bg1"/>
-                        </a:solidFill>
-                        <a:latin typeface="Cambria Math" panose="02040503050406030204" pitchFamily="18" charset="0"/>
-                      </a:rPr>
-                      <m:t> </m:t>
-                    </m:r>
-                    <m:r>
-                      <a:rPr lang="en-US" sz="2400" b="0" i="1" smtClean="0">
-                        <a:solidFill>
-                          <a:schemeClr val="bg1"/>
-                        </a:solidFill>
-                        <a:latin typeface="Cambria Math" panose="02040503050406030204" pitchFamily="18" charset="0"/>
-                      </a:rPr>
-                      <m:t>𝐼𝑐h𝑖𝑟𝑜</m:t>
-                    </m:r>
-                  </m:oMath>
+                  <m:oMathPara xmlns:m="http://schemas.openxmlformats.org/officeDocument/2006/math">
+                    <m:oMathParaPr>
+                      <m:jc m:val="centerGroup"/>
+                    </m:oMathParaPr>
+                    <m:oMath xmlns:m="http://schemas.openxmlformats.org/officeDocument/2006/math">
+                      <m:r>
+                        <a:rPr lang="en-US" sz="2400" b="0" i="1" smtClean="0">
+                          <a:solidFill>
+                            <a:schemeClr val="bg1"/>
+                          </a:solidFill>
+                          <a:latin typeface="Cambria Math" panose="02040503050406030204" pitchFamily="18" charset="0"/>
+                        </a:rPr>
+                        <m:t>𝑆𝑖𝑛𝑔𝑙𝑒𝑠</m:t>
+                      </m:r>
+                      <m:r>
+                        <a:rPr lang="en-US" sz="2400" b="0" i="1" smtClean="0">
+                          <a:solidFill>
+                            <a:schemeClr val="bg1"/>
+                          </a:solidFill>
+                          <a:latin typeface="Cambria Math" panose="02040503050406030204" pitchFamily="18" charset="0"/>
+                        </a:rPr>
+                        <m:t>=0.904</m:t>
+                      </m:r>
+                      <m:d>
+                        <m:dPr>
+                          <m:ctrlPr>
+                            <a:rPr lang="en-US" sz="2400" b="0" i="1" smtClean="0">
+                              <a:solidFill>
+                                <a:schemeClr val="bg1"/>
+                              </a:solidFill>
+                              <a:latin typeface="Cambria Math" panose="02040503050406030204" pitchFamily="18" charset="0"/>
+                            </a:rPr>
+                          </m:ctrlPr>
+                        </m:dPr>
+                        <m:e>
+                          <m:r>
+                            <a:rPr lang="en-US" sz="2400" b="0" i="1" smtClean="0">
+                              <a:solidFill>
+                                <a:schemeClr val="bg1"/>
+                              </a:solidFill>
+                              <a:latin typeface="Cambria Math" panose="02040503050406030204" pitchFamily="18" charset="0"/>
+                            </a:rPr>
+                            <m:t>𝑆𝑖𝑛𝑔𝑙𝑒𝑠</m:t>
+                          </m:r>
+                          <m:r>
+                            <a:rPr lang="en-US" sz="2400" b="0" i="1" smtClean="0">
+                              <a:solidFill>
+                                <a:schemeClr val="bg1"/>
+                              </a:solidFill>
+                              <a:latin typeface="Cambria Math" panose="02040503050406030204" pitchFamily="18" charset="0"/>
+                            </a:rPr>
+                            <m:t> </m:t>
+                          </m:r>
+                          <m:r>
+                            <a:rPr lang="en-US" sz="2400" b="0" i="1" smtClean="0">
+                              <a:solidFill>
+                                <a:schemeClr val="bg1"/>
+                              </a:solidFill>
+                              <a:latin typeface="Cambria Math" panose="02040503050406030204" pitchFamily="18" charset="0"/>
+                            </a:rPr>
+                            <m:t>𝑜𝑓</m:t>
+                          </m:r>
+                          <m:r>
+                            <a:rPr lang="en-US" sz="2400" b="0" i="1" smtClean="0">
+                              <a:solidFill>
+                                <a:schemeClr val="bg1"/>
+                              </a:solidFill>
+                              <a:latin typeface="Cambria Math" panose="02040503050406030204" pitchFamily="18" charset="0"/>
+                            </a:rPr>
+                            <m:t> </m:t>
+                          </m:r>
+                          <m:r>
+                            <a:rPr lang="en-US" sz="2400" b="0" i="1" smtClean="0">
+                              <a:solidFill>
+                                <a:schemeClr val="bg1"/>
+                              </a:solidFill>
+                              <a:latin typeface="Cambria Math" panose="02040503050406030204" pitchFamily="18" charset="0"/>
+                            </a:rPr>
+                            <m:t>𝑇𝑒𝑎𝑚</m:t>
+                          </m:r>
+                        </m:e>
+                      </m:d>
+                      <m:r>
+                        <a:rPr lang="en-US" sz="2400" b="0" i="1" smtClean="0">
+                          <a:solidFill>
+                            <a:schemeClr val="bg1"/>
+                          </a:solidFill>
+                          <a:latin typeface="Cambria Math" panose="02040503050406030204" pitchFamily="18" charset="0"/>
+                        </a:rPr>
+                        <m:t>+</m:t>
+                      </m:r>
+                      <m:d>
+                        <m:dPr>
+                          <m:ctrlPr>
+                            <a:rPr lang="en-US" sz="2400" b="0" i="1" smtClean="0">
+                              <a:solidFill>
+                                <a:schemeClr val="bg1"/>
+                              </a:solidFill>
+                              <a:latin typeface="Cambria Math" panose="02040503050406030204" pitchFamily="18" charset="0"/>
+                            </a:rPr>
+                          </m:ctrlPr>
+                        </m:dPr>
+                        <m:e>
+                          <m:r>
+                            <a:rPr lang="en-US" sz="2400" b="0" i="1" smtClean="0">
+                              <a:solidFill>
+                                <a:schemeClr val="bg1"/>
+                              </a:solidFill>
+                              <a:latin typeface="Cambria Math" panose="02040503050406030204" pitchFamily="18" charset="0"/>
+                            </a:rPr>
+                            <m:t>𝑆𝑖𝑛𝑔𝑙𝑒𝑠</m:t>
+                          </m:r>
+                          <m:r>
+                            <a:rPr lang="en-US" sz="2400" b="0" i="1" smtClean="0">
+                              <a:solidFill>
+                                <a:schemeClr val="bg1"/>
+                              </a:solidFill>
+                              <a:latin typeface="Cambria Math" panose="02040503050406030204" pitchFamily="18" charset="0"/>
+                            </a:rPr>
+                            <m:t> </m:t>
+                          </m:r>
+                          <m:r>
+                            <a:rPr lang="en-US" sz="2400" b="0" i="1" smtClean="0">
+                              <a:solidFill>
+                                <a:schemeClr val="bg1"/>
+                              </a:solidFill>
+                              <a:latin typeface="Cambria Math" panose="02040503050406030204" pitchFamily="18" charset="0"/>
+                            </a:rPr>
+                            <m:t>𝑜𝑓</m:t>
+                          </m:r>
+                          <m:r>
+                            <a:rPr lang="en-US" sz="2400" b="0" i="1" smtClean="0">
+                              <a:solidFill>
+                                <a:schemeClr val="bg1"/>
+                              </a:solidFill>
+                              <a:latin typeface="Cambria Math" panose="02040503050406030204" pitchFamily="18" charset="0"/>
+                            </a:rPr>
+                            <m:t> </m:t>
+                          </m:r>
+                          <m:r>
+                            <a:rPr lang="en-US" sz="2400" b="0" i="1" smtClean="0">
+                              <a:solidFill>
+                                <a:schemeClr val="bg1"/>
+                              </a:solidFill>
+                              <a:latin typeface="Cambria Math" panose="02040503050406030204" pitchFamily="18" charset="0"/>
+                            </a:rPr>
+                            <m:t>𝐵𝑟𝑦𝑎𝑛𝑡</m:t>
+                          </m:r>
+                        </m:e>
+                      </m:d>
+                    </m:oMath>
+                  </m:oMathPara>
                 </a14:m>
-                <a:r>
-                  <a:rPr lang="en-US" sz="2400" dirty="0">
-                    <a:solidFill>
-                      <a:schemeClr val="bg1"/>
-                    </a:solidFill>
-                  </a:rPr>
-                  <a:t>)</a:t>
-                </a:r>
+                <a:endParaRPr lang="en-US" sz="2400" b="0" dirty="0">
+                  <a:solidFill>
+                    <a:schemeClr val="bg1"/>
+                  </a:solidFill>
+                </a:endParaRPr>
               </a:p>
             </p:txBody>
           </p:sp>
@@ -7074,7 +6963,7 @@
             <p:spPr>
               <a:xfrm>
                 <a:off x="3863394" y="4457039"/>
-                <a:ext cx="7640040" cy="461665"/>
+                <a:ext cx="8066183" cy="461665"/>
               </a:xfrm>
               <a:prstGeom prst="rect">
                 <a:avLst/>
@@ -7082,7 +6971,173 @@
               <a:blipFill>
                 <a:blip r:embed="rId6"/>
                 <a:stretch>
-                  <a:fillRect l="-718" t="-10526" r="-239" b="-28947"/>
+                  <a:fillRect b="-17105"/>
+                </a:stretch>
+              </a:blipFill>
+            </p:spPr>
+            <p:txBody>
+              <a:bodyPr/>
+              <a:lstStyle/>
+              <a:p>
+                <a:r>
+                  <a:rPr lang="en-US">
+                    <a:noFill/>
+                  </a:rPr>
+                  <a:t> </a:t>
+                </a:r>
+              </a:p>
+            </p:txBody>
+          </p:sp>
+        </mc:Fallback>
+      </mc:AlternateContent>
+      <mc:AlternateContent xmlns:mc="http://schemas.openxmlformats.org/markup-compatibility/2006" xmlns:a14="http://schemas.microsoft.com/office/drawing/2010/main">
+        <mc:Choice Requires="a14">
+          <p:sp>
+            <p:nvSpPr>
+              <p:cNvPr id="2" name="Rectangle 1">
+                <a:extLst>
+                  <a:ext uri="{FF2B5EF4-FFF2-40B4-BE49-F238E27FC236}">
+                    <a16:creationId xmlns:a16="http://schemas.microsoft.com/office/drawing/2014/main" id="{B6662C5C-A7C0-BA76-4FFA-E9CF33164816}"/>
+                  </a:ext>
+                </a:extLst>
+              </p:cNvPr>
+              <p:cNvSpPr/>
+              <p:nvPr/>
+            </p:nvSpPr>
+            <p:spPr>
+              <a:xfrm>
+                <a:off x="4973057" y="4875543"/>
+                <a:ext cx="4751685" cy="461665"/>
+              </a:xfrm>
+              <a:prstGeom prst="rect">
+                <a:avLst/>
+              </a:prstGeom>
+            </p:spPr>
+            <p:txBody>
+              <a:bodyPr wrap="none">
+                <a:spAutoFit/>
+              </a:bodyPr>
+              <a:lstStyle/>
+              <a:p>
+                <a:pPr/>
+                <a14:m>
+                  <m:oMathPara xmlns:m="http://schemas.openxmlformats.org/officeDocument/2006/math">
+                    <m:oMathParaPr>
+                      <m:jc m:val="centerGroup"/>
+                    </m:oMathParaPr>
+                    <m:oMath xmlns:m="http://schemas.openxmlformats.org/officeDocument/2006/math">
+                      <m:r>
+                        <a:rPr lang="en-US" sz="2400" b="0" i="1" smtClean="0">
+                          <a:solidFill>
+                            <a:schemeClr val="bg1"/>
+                          </a:solidFill>
+                          <a:latin typeface="Cambria Math" panose="02040503050406030204" pitchFamily="18" charset="0"/>
+                        </a:rPr>
+                        <m:t>=0.904</m:t>
+                      </m:r>
+                      <m:d>
+                        <m:dPr>
+                          <m:ctrlPr>
+                            <a:rPr lang="en-US" sz="2400" b="0" i="1" smtClean="0">
+                              <a:solidFill>
+                                <a:schemeClr val="bg1"/>
+                              </a:solidFill>
+                              <a:latin typeface="Cambria Math" panose="02040503050406030204" pitchFamily="18" charset="0"/>
+                            </a:rPr>
+                          </m:ctrlPr>
+                        </m:dPr>
+                        <m:e>
+                          <m:r>
+                            <a:rPr lang="en-US" sz="2400" b="0" i="1" smtClean="0">
+                              <a:solidFill>
+                                <a:schemeClr val="bg1"/>
+                              </a:solidFill>
+                              <a:latin typeface="Cambria Math" panose="02040503050406030204" pitchFamily="18" charset="0"/>
+                            </a:rPr>
+                            <m:t>939.83</m:t>
+                          </m:r>
+                        </m:e>
+                      </m:d>
+                      <m:r>
+                        <a:rPr lang="en-US" sz="2400" b="0" i="1" smtClean="0">
+                          <a:solidFill>
+                            <a:schemeClr val="bg1"/>
+                          </a:solidFill>
+                          <a:latin typeface="Cambria Math" panose="02040503050406030204" pitchFamily="18" charset="0"/>
+                        </a:rPr>
+                        <m:t>+</m:t>
+                      </m:r>
+                      <m:d>
+                        <m:dPr>
+                          <m:ctrlPr>
+                            <a:rPr lang="en-US" sz="2400" b="0" i="1" smtClean="0">
+                              <a:solidFill>
+                                <a:schemeClr val="bg1"/>
+                              </a:solidFill>
+                              <a:latin typeface="Cambria Math" panose="02040503050406030204" pitchFamily="18" charset="0"/>
+                            </a:rPr>
+                          </m:ctrlPr>
+                        </m:dPr>
+                        <m:e>
+                          <m:r>
+                            <a:rPr lang="en-US" sz="2400" b="0" i="1" smtClean="0">
+                              <a:solidFill>
+                                <a:schemeClr val="bg1"/>
+                              </a:solidFill>
+                              <a:latin typeface="Cambria Math" panose="02040503050406030204" pitchFamily="18" charset="0"/>
+                            </a:rPr>
+                            <m:t>99</m:t>
+                          </m:r>
+                        </m:e>
+                      </m:d>
+                      <m:r>
+                        <a:rPr lang="en-US" sz="2400" b="0" i="1" smtClean="0">
+                          <a:solidFill>
+                            <a:schemeClr val="bg1"/>
+                          </a:solidFill>
+                          <a:latin typeface="Cambria Math" panose="02040503050406030204" pitchFamily="18" charset="0"/>
+                        </a:rPr>
+                        <m:t>=948.61</m:t>
+                      </m:r>
+                    </m:oMath>
+                  </m:oMathPara>
+                </a14:m>
+                <a:endParaRPr lang="en-US" sz="2400" b="0" dirty="0">
+                  <a:solidFill>
+                    <a:schemeClr val="bg1"/>
+                  </a:solidFill>
+                </a:endParaRPr>
+              </a:p>
+            </p:txBody>
+          </p:sp>
+        </mc:Choice>
+        <mc:Fallback xmlns="">
+          <p:sp>
+            <p:nvSpPr>
+              <p:cNvPr id="2" name="Rectangle 1">
+                <a:extLst>
+                  <a:ext uri="{FF2B5EF4-FFF2-40B4-BE49-F238E27FC236}">
+                    <a16:creationId xmlns:a16="http://schemas.microsoft.com/office/drawing/2014/main" id="{B6662C5C-A7C0-BA76-4FFA-E9CF33164816}"/>
+                  </a:ext>
+                </a:extLst>
+              </p:cNvPr>
+              <p:cNvSpPr>
+                <a:spLocks noRot="1" noChangeAspect="1" noMove="1" noResize="1" noEditPoints="1" noAdjustHandles="1" noChangeArrowheads="1" noChangeShapeType="1" noTextEdit="1"/>
+              </p:cNvSpPr>
+              <p:nvPr/>
+            </p:nvSpPr>
+            <p:spPr>
+              <a:xfrm>
+                <a:off x="4973057" y="4875543"/>
+                <a:ext cx="4751685" cy="461665"/>
+              </a:xfrm>
+              <a:prstGeom prst="rect">
+                <a:avLst/>
+              </a:prstGeom>
+              <a:blipFill>
+                <a:blip r:embed="rId7"/>
+                <a:stretch>
+                  <a:fillRect/>
                 </a:stretch>
               </a:blipFill>
             </p:spPr>
@@ -7507,7 +7562,7 @@
         <p:spPr>
           <a:xfrm>
             <a:off x="3080082" y="1520792"/>
-            <a:ext cx="9341732" cy="461665"/>
+            <a:ext cx="9341732" cy="2369880"/>
           </a:xfrm>
           <a:prstGeom prst="rect">
             <a:avLst/>
@@ -7534,883 +7589,17 @@
               <a:t>Runs Created Above Average</a:t>
             </a:r>
           </a:p>
-        </p:txBody>
-      </p:sp>
-      <p:graphicFrame>
-        <p:nvGraphicFramePr>
-          <p:cNvPr id="13" name="Table 3">
-            <a:extLst>
-              <a:ext uri="{FF2B5EF4-FFF2-40B4-BE49-F238E27FC236}">
-                <a16:creationId xmlns:a16="http://schemas.microsoft.com/office/drawing/2014/main" id="{9520542D-758B-46F3-AB74-84967CE010BE}"/>
-              </a:ext>
-            </a:extLst>
-          </p:cNvPr>
-          <p:cNvGraphicFramePr>
-            <a:graphicFrameLocks noGrp="1"/>
-          </p:cNvGraphicFramePr>
-          <p:nvPr>
-            <p:extLst>
-              <p:ext uri="{D42A27DB-BD31-4B8C-83A1-F6EECF244321}">
-                <p14:modId xmlns:p14="http://schemas.microsoft.com/office/powerpoint/2010/main" val="2595178939"/>
-              </p:ext>
-            </p:extLst>
-          </p:nvPr>
-        </p:nvGraphicFramePr>
-        <p:xfrm>
-          <a:off x="3523204" y="2125674"/>
-          <a:ext cx="7734603" cy="3535680"/>
-        </p:xfrm>
-        <a:graphic>
-          <a:graphicData uri="http://schemas.openxmlformats.org/drawingml/2006/table">
-            <a:tbl>
-              <a:tblPr firstRow="1" bandRow="1">
-                <a:tableStyleId>{073A0DAA-6AF3-43AB-8588-CEC1D06C72B9}</a:tableStyleId>
-              </a:tblPr>
-              <a:tblGrid>
-                <a:gridCol w="1640561">
-                  <a:extLst>
-                    <a:ext uri="{9D8B030D-6E8A-4147-A177-3AD203B41FA5}">
-                      <a16:colId xmlns:a16="http://schemas.microsoft.com/office/drawing/2014/main" val="2835210186"/>
-                    </a:ext>
-                  </a:extLst>
-                </a:gridCol>
-                <a:gridCol w="2102706">
-                  <a:extLst>
-                    <a:ext uri="{9D8B030D-6E8A-4147-A177-3AD203B41FA5}">
-                      <a16:colId xmlns:a16="http://schemas.microsoft.com/office/drawing/2014/main" val="4130495014"/>
-                    </a:ext>
-                  </a:extLst>
-                </a:gridCol>
-                <a:gridCol w="1366889">
-                  <a:extLst>
-                    <a:ext uri="{9D8B030D-6E8A-4147-A177-3AD203B41FA5}">
-                      <a16:colId xmlns:a16="http://schemas.microsoft.com/office/drawing/2014/main" val="3294609285"/>
-                    </a:ext>
-                  </a:extLst>
-                </a:gridCol>
-                <a:gridCol w="2624447">
-                  <a:extLst>
-                    <a:ext uri="{9D8B030D-6E8A-4147-A177-3AD203B41FA5}">
-                      <a16:colId xmlns:a16="http://schemas.microsoft.com/office/drawing/2014/main" val="1124045920"/>
-                    </a:ext>
-                  </a:extLst>
-                </a:gridCol>
-              </a:tblGrid>
-              <a:tr h="370840">
-                <a:tc>
-                  <a:txBody>
-                    <a:bodyPr/>
-                    <a:lstStyle/>
-                    <a:p>
-                      <a:pPr algn="ctr"/>
-                      <a:r>
-                        <a:rPr lang="en-US" sz="2800" dirty="0"/>
-                        <a:t>Hit Type</a:t>
-                      </a:r>
-                    </a:p>
-                  </a:txBody>
-                  <a:tcPr anchor="ctr"/>
-                </a:tc>
-                <a:tc>
-                  <a:txBody>
-                    <a:bodyPr/>
-                    <a:lstStyle/>
-                    <a:p>
-                      <a:pPr algn="ctr"/>
-                      <a:r>
-                        <a:rPr lang="en-US" sz="2800" dirty="0"/>
-                        <a:t>Average Team</a:t>
-                      </a:r>
-                    </a:p>
-                  </a:txBody>
-                  <a:tcPr anchor="ctr"/>
-                </a:tc>
-                <a:tc>
-                  <a:txBody>
-                    <a:bodyPr/>
-                    <a:lstStyle/>
-                    <a:p>
-                      <a:pPr algn="ctr"/>
-                      <a:r>
-                        <a:rPr lang="en-US" sz="2800" dirty="0"/>
-                        <a:t>Ichiro</a:t>
-                      </a:r>
-                    </a:p>
-                  </a:txBody>
-                  <a:tcPr anchor="ctr"/>
-                </a:tc>
-                <a:tc>
-                  <a:txBody>
-                    <a:bodyPr/>
-                    <a:lstStyle/>
-                    <a:p>
-                      <a:pPr algn="ctr"/>
-                      <a:r>
-                        <a:rPr lang="en-US" sz="2800" dirty="0" err="1"/>
-                        <a:t>Ichiro+Team</a:t>
-                      </a:r>
-                      <a:endParaRPr lang="en-US" sz="2800" dirty="0"/>
-                    </a:p>
-                  </a:txBody>
-                  <a:tcPr anchor="ctr"/>
-                </a:tc>
-                <a:extLst>
-                  <a:ext uri="{0D108BD9-81ED-4DB2-BD59-A6C34878D82A}">
-                    <a16:rowId xmlns:a16="http://schemas.microsoft.com/office/drawing/2014/main" val="3242976283"/>
-                  </a:ext>
-                </a:extLst>
-              </a:tr>
-              <a:tr h="370840">
-                <a:tc>
-                  <a:txBody>
-                    <a:bodyPr/>
-                    <a:lstStyle/>
-                    <a:p>
-                      <a:pPr algn="ctr"/>
-                      <a:r>
-                        <a:rPr lang="en-US" sz="2800" dirty="0"/>
-                        <a:t>Single</a:t>
-                      </a:r>
-                    </a:p>
-                  </a:txBody>
-                  <a:tcPr anchor="ctr"/>
-                </a:tc>
-                <a:tc>
-                  <a:txBody>
-                    <a:bodyPr/>
-                    <a:lstStyle/>
-                    <a:p>
-                      <a:pPr algn="ctr"/>
-                      <a:r>
-                        <a:rPr lang="en-US" sz="2800" dirty="0"/>
-                        <a:t>972.08</a:t>
-                      </a:r>
-                    </a:p>
-                  </a:txBody>
-                  <a:tcPr anchor="ctr"/>
-                </a:tc>
-                <a:tc>
-                  <a:txBody>
-                    <a:bodyPr/>
-                    <a:lstStyle/>
-                    <a:p>
-                      <a:pPr algn="ctr"/>
-                      <a:r>
-                        <a:rPr lang="en-US" sz="2800" dirty="0"/>
-                        <a:t>225</a:t>
-                      </a:r>
-                    </a:p>
-                  </a:txBody>
-                  <a:tcPr anchor="ctr"/>
-                </a:tc>
-                <a:tc>
-                  <a:txBody>
-                    <a:bodyPr/>
-                    <a:lstStyle/>
-                    <a:p>
-                      <a:pPr algn="ctr"/>
-                      <a:r>
-                        <a:rPr lang="en-US" sz="2800" dirty="0"/>
-                        <a:t>1095.73</a:t>
-                      </a:r>
-                    </a:p>
-                  </a:txBody>
-                  <a:tcPr anchor="ctr"/>
-                </a:tc>
-                <a:extLst>
-                  <a:ext uri="{0D108BD9-81ED-4DB2-BD59-A6C34878D82A}">
-                    <a16:rowId xmlns:a16="http://schemas.microsoft.com/office/drawing/2014/main" val="3892039362"/>
-                  </a:ext>
-                </a:extLst>
-              </a:tr>
-              <a:tr h="370840">
-                <a:tc>
-                  <a:txBody>
-                    <a:bodyPr/>
-                    <a:lstStyle/>
-                    <a:p>
-                      <a:pPr algn="ctr"/>
-                      <a:r>
-                        <a:rPr lang="en-US" sz="2800" dirty="0"/>
-                        <a:t>Double</a:t>
-                      </a:r>
-                    </a:p>
-                  </a:txBody>
-                  <a:tcPr anchor="ctr"/>
-                </a:tc>
-                <a:tc>
-                  <a:txBody>
-                    <a:bodyPr/>
-                    <a:lstStyle/>
-                    <a:p>
-                      <a:pPr algn="ctr"/>
-                      <a:r>
-                        <a:rPr lang="en-US" sz="2800" dirty="0"/>
-                        <a:t>296</a:t>
-                      </a:r>
-                    </a:p>
-                  </a:txBody>
-                  <a:tcPr anchor="ctr"/>
-                </a:tc>
-                <a:tc>
-                  <a:txBody>
-                    <a:bodyPr/>
-                    <a:lstStyle/>
-                    <a:p>
-                      <a:pPr algn="ctr"/>
-                      <a:r>
-                        <a:rPr lang="en-US" sz="2800" dirty="0"/>
-                        <a:t>24</a:t>
-                      </a:r>
-                    </a:p>
-                  </a:txBody>
-                  <a:tcPr anchor="ctr"/>
-                </a:tc>
-                <a:tc>
-                  <a:txBody>
-                    <a:bodyPr/>
-                    <a:lstStyle/>
-                    <a:p>
-                      <a:pPr algn="ctr"/>
-                      <a:r>
-                        <a:rPr lang="en-US" sz="2800" dirty="0"/>
-                        <a:t>289.13</a:t>
-                      </a:r>
-                    </a:p>
-                  </a:txBody>
-                  <a:tcPr anchor="ctr"/>
-                </a:tc>
-                <a:extLst>
-                  <a:ext uri="{0D108BD9-81ED-4DB2-BD59-A6C34878D82A}">
-                    <a16:rowId xmlns:a16="http://schemas.microsoft.com/office/drawing/2014/main" val="2405592873"/>
-                  </a:ext>
-                </a:extLst>
-              </a:tr>
-              <a:tr h="370840">
-                <a:tc>
-                  <a:txBody>
-                    <a:bodyPr/>
-                    <a:lstStyle/>
-                    <a:p>
-                      <a:pPr algn="ctr"/>
-                      <a:r>
-                        <a:rPr lang="en-US" sz="2800" dirty="0"/>
-                        <a:t>Triple</a:t>
-                      </a:r>
-                    </a:p>
-                  </a:txBody>
-                  <a:tcPr anchor="ctr"/>
-                </a:tc>
-                <a:tc>
-                  <a:txBody>
-                    <a:bodyPr/>
-                    <a:lstStyle/>
-                    <a:p>
-                      <a:pPr algn="ctr"/>
-                      <a:r>
-                        <a:rPr lang="en-US" sz="2800" dirty="0"/>
-                        <a:t>30.82</a:t>
-                      </a:r>
-                    </a:p>
-                  </a:txBody>
-                  <a:tcPr anchor="ctr"/>
-                </a:tc>
-                <a:tc>
-                  <a:txBody>
-                    <a:bodyPr/>
-                    <a:lstStyle/>
-                    <a:p>
-                      <a:pPr algn="ctr"/>
-                      <a:r>
-                        <a:rPr lang="en-US" sz="2800" dirty="0"/>
-                        <a:t>5</a:t>
-                      </a:r>
-                    </a:p>
-                  </a:txBody>
-                  <a:tcPr anchor="ctr"/>
-                </a:tc>
-                <a:tc>
-                  <a:txBody>
-                    <a:bodyPr/>
-                    <a:lstStyle/>
-                    <a:p>
-                      <a:pPr algn="ctr"/>
-                      <a:r>
-                        <a:rPr lang="en-US" sz="2800" dirty="0"/>
-                        <a:t>32.60</a:t>
-                      </a:r>
-                    </a:p>
-                  </a:txBody>
-                  <a:tcPr anchor="ctr"/>
-                </a:tc>
-                <a:extLst>
-                  <a:ext uri="{0D108BD9-81ED-4DB2-BD59-A6C34878D82A}">
-                    <a16:rowId xmlns:a16="http://schemas.microsoft.com/office/drawing/2014/main" val="4171684232"/>
-                  </a:ext>
-                </a:extLst>
-              </a:tr>
-              <a:tr h="370840">
-                <a:tc>
-                  <a:txBody>
-                    <a:bodyPr/>
-                    <a:lstStyle/>
-                    <a:p>
-                      <a:pPr algn="ctr"/>
-                      <a:r>
-                        <a:rPr lang="en-US" sz="2800" dirty="0"/>
-                        <a:t>HR</a:t>
-                      </a:r>
-                    </a:p>
-                  </a:txBody>
-                  <a:tcPr anchor="ctr"/>
-                </a:tc>
-                <a:tc>
-                  <a:txBody>
-                    <a:bodyPr/>
-                    <a:lstStyle/>
-                    <a:p>
-                      <a:pPr algn="ctr"/>
-                      <a:r>
-                        <a:rPr lang="en-US" sz="2800" dirty="0"/>
-                        <a:t>177.48</a:t>
-                      </a:r>
-                    </a:p>
-                  </a:txBody>
-                  <a:tcPr anchor="ctr"/>
-                </a:tc>
-                <a:tc>
-                  <a:txBody>
-                    <a:bodyPr/>
-                    <a:lstStyle/>
-                    <a:p>
-                      <a:pPr algn="ctr"/>
-                      <a:r>
-                        <a:rPr lang="en-US" sz="2800" dirty="0"/>
-                        <a:t>8</a:t>
-                      </a:r>
-                    </a:p>
-                  </a:txBody>
-                  <a:tcPr anchor="ctr"/>
-                </a:tc>
-                <a:tc>
-                  <a:txBody>
-                    <a:bodyPr/>
-                    <a:lstStyle/>
-                    <a:p>
-                      <a:pPr algn="ctr"/>
-                      <a:r>
-                        <a:rPr lang="en-US" sz="2800" dirty="0"/>
-                        <a:t>166.98</a:t>
-                      </a:r>
-                    </a:p>
-                  </a:txBody>
-                  <a:tcPr anchor="ctr"/>
-                </a:tc>
-                <a:extLst>
-                  <a:ext uri="{0D108BD9-81ED-4DB2-BD59-A6C34878D82A}">
-                    <a16:rowId xmlns:a16="http://schemas.microsoft.com/office/drawing/2014/main" val="55666731"/>
-                  </a:ext>
-                </a:extLst>
-              </a:tr>
-              <a:tr h="370840">
-                <a:tc>
-                  <a:txBody>
-                    <a:bodyPr/>
-                    <a:lstStyle/>
-                    <a:p>
-                      <a:pPr algn="ctr"/>
-                      <a:r>
-                        <a:rPr lang="en-US" sz="2800" dirty="0"/>
-                        <a:t>BB+HBP</a:t>
-                      </a:r>
-                    </a:p>
-                  </a:txBody>
-                  <a:tcPr anchor="ctr"/>
-                </a:tc>
-                <a:tc>
-                  <a:txBody>
-                    <a:bodyPr/>
-                    <a:lstStyle/>
-                    <a:p>
-                      <a:pPr algn="ctr"/>
-                      <a:r>
-                        <a:rPr lang="en-US" sz="2800" dirty="0"/>
-                        <a:t>599.88</a:t>
-                      </a:r>
-                    </a:p>
-                  </a:txBody>
-                  <a:tcPr anchor="ctr"/>
-                </a:tc>
-                <a:tc>
-                  <a:txBody>
-                    <a:bodyPr/>
-                    <a:lstStyle/>
-                    <a:p>
-                      <a:pPr algn="ctr"/>
-                      <a:r>
-                        <a:rPr lang="en-US" sz="2800" dirty="0"/>
-                        <a:t>60</a:t>
-                      </a:r>
-                    </a:p>
-                  </a:txBody>
-                  <a:tcPr anchor="ctr"/>
-                </a:tc>
-                <a:tc>
-                  <a:txBody>
-                    <a:bodyPr/>
-                    <a:lstStyle/>
-                    <a:p>
-                      <a:pPr algn="ctr"/>
-                      <a:r>
-                        <a:rPr lang="en-US" sz="2800" dirty="0"/>
-                        <a:t>597.33</a:t>
-                      </a:r>
-                    </a:p>
-                  </a:txBody>
-                  <a:tcPr anchor="ctr"/>
-                </a:tc>
-                <a:extLst>
-                  <a:ext uri="{0D108BD9-81ED-4DB2-BD59-A6C34878D82A}">
-                    <a16:rowId xmlns:a16="http://schemas.microsoft.com/office/drawing/2014/main" val="1681391539"/>
-                  </a:ext>
-                </a:extLst>
-              </a:tr>
-            </a:tbl>
-          </a:graphicData>
-        </a:graphic>
-      </p:graphicFrame>
-    </p:spTree>
-    <p:extLst>
-      <p:ext uri="{BB962C8B-B14F-4D97-AF65-F5344CB8AC3E}">
-        <p14:creationId xmlns:p14="http://schemas.microsoft.com/office/powerpoint/2010/main" val="3000187304"/>
-      </p:ext>
-    </p:extLst>
-  </p:cSld>
-  <p:clrMapOvr>
-    <a:masterClrMapping/>
-  </p:clrMapOvr>
-</p:sld>
-</file>
-
-<file path=ppt/slides/slide14.xml><?xml version="1.0" encoding="utf-8"?>
-<p:sld xmlns:a="http://schemas.openxmlformats.org/drawingml/2006/main" xmlns:r="http://schemas.openxmlformats.org/officeDocument/2006/relationships" xmlns:p="http://schemas.openxmlformats.org/presentationml/2006/main">
-  <p:cSld>
-    <p:bg>
-      <p:bgPr>
-        <a:solidFill>
-          <a:schemeClr val="bg1"/>
-        </a:solidFill>
-        <a:effectLst/>
-      </p:bgPr>
-    </p:bg>
-    <p:spTree>
-      <p:nvGrpSpPr>
-        <p:cNvPr id="1" name=""/>
-        <p:cNvGrpSpPr/>
-        <p:nvPr/>
-      </p:nvGrpSpPr>
-      <p:grpSpPr>
-        <a:xfrm>
-          <a:off x="0" y="0"/>
-          <a:ext cx="0" cy="0"/>
-          <a:chOff x="0" y="0"/>
-          <a:chExt cx="0" cy="0"/>
-        </a:xfrm>
-      </p:grpSpPr>
-      <p:sp>
-        <p:nvSpPr>
-          <p:cNvPr id="17" name="Rectangle 16">
-            <a:extLst>
-              <a:ext uri="{FF2B5EF4-FFF2-40B4-BE49-F238E27FC236}">
-                <a16:creationId xmlns:a16="http://schemas.microsoft.com/office/drawing/2014/main" id="{0A8FE870-A334-4DE1-84A7-AB191ED10D63}"/>
-              </a:ext>
-            </a:extLst>
-          </p:cNvPr>
-          <p:cNvSpPr/>
-          <p:nvPr/>
-        </p:nvSpPr>
-        <p:spPr>
-          <a:xfrm>
-            <a:off x="0" y="-52157"/>
-            <a:ext cx="12192000" cy="6910157"/>
-          </a:xfrm>
-          <a:prstGeom prst="rect">
-            <a:avLst/>
-          </a:prstGeom>
-          <a:solidFill>
-            <a:srgbClr val="395583"/>
-          </a:solidFill>
-        </p:spPr>
-        <p:style>
-          <a:lnRef idx="2">
-            <a:schemeClr val="accent1">
-              <a:shade val="50000"/>
-            </a:schemeClr>
-          </a:lnRef>
-          <a:fillRef idx="1">
-            <a:schemeClr val="accent1"/>
-          </a:fillRef>
-          <a:effectRef idx="0">
-            <a:schemeClr val="accent1"/>
-          </a:effectRef>
-          <a:fontRef idx="minor">
-            <a:schemeClr val="lt1"/>
-          </a:fontRef>
-        </p:style>
-        <p:txBody>
-          <a:bodyPr rtlCol="0" anchor="ctr"/>
-          <a:lstStyle/>
-          <a:p>
-            <a:pPr algn="ctr"/>
-            <a:endParaRPr lang="en-US"/>
-          </a:p>
-        </p:txBody>
-      </p:sp>
-      <p:pic>
-        <p:nvPicPr>
-          <p:cNvPr id="8" name="Picture 7" descr="A close up of a toy&#10;&#10;Description automatically generated">
-            <a:extLst>
-              <a:ext uri="{FF2B5EF4-FFF2-40B4-BE49-F238E27FC236}">
-                <a16:creationId xmlns:a16="http://schemas.microsoft.com/office/drawing/2014/main" id="{131D5527-B848-4F84-9601-62DB93565332}"/>
-              </a:ext>
-            </a:extLst>
-          </p:cNvPr>
-          <p:cNvPicPr>
-            <a:picLocks noChangeAspect="1"/>
-          </p:cNvPicPr>
-          <p:nvPr/>
-        </p:nvPicPr>
-        <p:blipFill rotWithShape="1">
-          <a:blip r:embed="rId2">
-            <a:extLst>
-              <a:ext uri="{28A0092B-C50C-407E-A947-70E740481C1C}">
-                <a14:useLocalDpi xmlns:a14="http://schemas.microsoft.com/office/drawing/2010/main" val="0"/>
-              </a:ext>
-            </a:extLst>
-          </a:blip>
-          <a:srcRect l="6238" r="10796"/>
-          <a:stretch/>
-        </p:blipFill>
-        <p:spPr>
-          <a:xfrm>
-            <a:off x="0" y="-52157"/>
-            <a:ext cx="2684015" cy="3969421"/>
-          </a:xfrm>
-          <a:prstGeom prst="rect">
-            <a:avLst/>
-          </a:prstGeom>
-        </p:spPr>
-      </p:pic>
-      <p:sp>
-        <p:nvSpPr>
-          <p:cNvPr id="33" name="Rectangle 32">
-            <a:extLst>
-              <a:ext uri="{FF2B5EF4-FFF2-40B4-BE49-F238E27FC236}">
-                <a16:creationId xmlns:a16="http://schemas.microsoft.com/office/drawing/2014/main" id="{6F93929A-DE1C-47C4-AF97-F99DB104E96F}"/>
-              </a:ext>
-            </a:extLst>
-          </p:cNvPr>
-          <p:cNvSpPr/>
-          <p:nvPr/>
-        </p:nvSpPr>
-        <p:spPr>
-          <a:xfrm rot="16200000">
-            <a:off x="782431" y="1849427"/>
-            <a:ext cx="3969421" cy="166254"/>
-          </a:xfrm>
-          <a:prstGeom prst="rect">
-            <a:avLst/>
-          </a:prstGeom>
-          <a:solidFill>
-            <a:schemeClr val="tx1"/>
-          </a:solidFill>
-          <a:ln>
-            <a:noFill/>
-          </a:ln>
-        </p:spPr>
-        <p:style>
-          <a:lnRef idx="2">
-            <a:schemeClr val="accent1">
-              <a:shade val="50000"/>
-            </a:schemeClr>
-          </a:lnRef>
-          <a:fillRef idx="1">
-            <a:schemeClr val="accent1"/>
-          </a:fillRef>
-          <a:effectRef idx="0">
-            <a:schemeClr val="accent1"/>
-          </a:effectRef>
-          <a:fontRef idx="minor">
-            <a:schemeClr val="lt1"/>
-          </a:fontRef>
-        </p:style>
-        <p:txBody>
-          <a:bodyPr rtlCol="0" anchor="ctr"/>
-          <a:lstStyle/>
-          <a:p>
-            <a:pPr algn="ctr"/>
-            <a:endParaRPr lang="en-US" dirty="0">
-              <a:solidFill>
-                <a:srgbClr val="DB5B5C"/>
-              </a:solidFill>
-            </a:endParaRPr>
-          </a:p>
-        </p:txBody>
-      </p:sp>
-      <p:sp>
-        <p:nvSpPr>
-          <p:cNvPr id="35" name="Rectangle 34">
-            <a:extLst>
-              <a:ext uri="{FF2B5EF4-FFF2-40B4-BE49-F238E27FC236}">
-                <a16:creationId xmlns:a16="http://schemas.microsoft.com/office/drawing/2014/main" id="{259A39E4-556F-4581-82A2-C6B68A8147A4}"/>
-              </a:ext>
-            </a:extLst>
-          </p:cNvPr>
-          <p:cNvSpPr/>
-          <p:nvPr/>
-        </p:nvSpPr>
-        <p:spPr>
-          <a:xfrm rot="10800000">
-            <a:off x="-2" y="3756674"/>
-            <a:ext cx="2850269" cy="3101326"/>
-          </a:xfrm>
-          <a:prstGeom prst="rect">
-            <a:avLst/>
-          </a:prstGeom>
-          <a:solidFill>
-            <a:schemeClr val="tx1"/>
-          </a:solidFill>
-          <a:ln>
-            <a:noFill/>
-          </a:ln>
-        </p:spPr>
-        <p:style>
-          <a:lnRef idx="2">
-            <a:schemeClr val="accent1">
-              <a:shade val="50000"/>
-            </a:schemeClr>
-          </a:lnRef>
-          <a:fillRef idx="1">
-            <a:schemeClr val="accent1"/>
-          </a:fillRef>
-          <a:effectRef idx="0">
-            <a:schemeClr val="accent1"/>
-          </a:effectRef>
-          <a:fontRef idx="minor">
-            <a:schemeClr val="lt1"/>
-          </a:fontRef>
-        </p:style>
-        <p:txBody>
-          <a:bodyPr rtlCol="0" anchor="ctr"/>
-          <a:lstStyle/>
-          <a:p>
-            <a:pPr algn="ctr"/>
-            <a:endParaRPr lang="en-US" dirty="0">
-              <a:solidFill>
-                <a:srgbClr val="DB5B5C"/>
-              </a:solidFill>
-            </a:endParaRPr>
-          </a:p>
-        </p:txBody>
-      </p:sp>
-      <p:sp>
-        <p:nvSpPr>
-          <p:cNvPr id="23" name="Subtitle 22">
-            <a:extLst>
-              <a:ext uri="{FF2B5EF4-FFF2-40B4-BE49-F238E27FC236}">
-                <a16:creationId xmlns:a16="http://schemas.microsoft.com/office/drawing/2014/main" id="{1E5D6413-9C6F-483D-BE52-F3BBB1E74630}"/>
-              </a:ext>
-            </a:extLst>
-          </p:cNvPr>
-          <p:cNvSpPr>
-            <a:spLocks noGrp="1"/>
-          </p:cNvSpPr>
-          <p:nvPr>
-            <p:ph type="subTitle" idx="1"/>
-          </p:nvPr>
-        </p:nvSpPr>
-        <p:spPr>
-          <a:xfrm>
-            <a:off x="3007491" y="137620"/>
-            <a:ext cx="9341732" cy="1684867"/>
-          </a:xfrm>
-        </p:spPr>
-        <p:txBody>
-          <a:bodyPr>
-            <a:normAutofit/>
-          </a:bodyPr>
-          <a:lstStyle/>
-          <a:p>
-            <a:pPr algn="l"/>
-            <a:r>
-              <a:rPr lang="en-US" sz="4400" dirty="0">
-                <a:solidFill>
-                  <a:schemeClr val="bg1"/>
-                </a:solidFill>
-                <a:latin typeface="Selawik Semibold" panose="020B0702040204020203" pitchFamily="34" charset="0"/>
-              </a:rPr>
-              <a:t>Linear Weights</a:t>
-            </a:r>
-          </a:p>
-        </p:txBody>
-      </p:sp>
-      <p:pic>
-        <p:nvPicPr>
-          <p:cNvPr id="16" name="Picture 15" descr="A close up of a toy&#10;&#10;Description automatically generated">
-            <a:extLst>
-              <a:ext uri="{FF2B5EF4-FFF2-40B4-BE49-F238E27FC236}">
-                <a16:creationId xmlns:a16="http://schemas.microsoft.com/office/drawing/2014/main" id="{94C75949-F15C-4E05-810D-EF40FCE89107}"/>
-              </a:ext>
-            </a:extLst>
-          </p:cNvPr>
-          <p:cNvPicPr>
-            <a:picLocks noChangeAspect="1"/>
-          </p:cNvPicPr>
-          <p:nvPr/>
-        </p:nvPicPr>
-        <p:blipFill>
-          <a:blip r:embed="rId3">
-            <a:extLst>
-              <a:ext uri="{28A0092B-C50C-407E-A947-70E740481C1C}">
-                <a14:useLocalDpi xmlns:a14="http://schemas.microsoft.com/office/drawing/2010/main" val="0"/>
-              </a:ext>
-            </a:extLst>
-          </a:blip>
-          <a:stretch>
-            <a:fillRect/>
-          </a:stretch>
-        </p:blipFill>
-        <p:spPr>
-          <a:xfrm>
-            <a:off x="417789" y="4380288"/>
-            <a:ext cx="2014687" cy="2014687"/>
-          </a:xfrm>
-          <a:prstGeom prst="ellipse">
-            <a:avLst/>
-          </a:prstGeom>
-          <a:ln w="63500" cap="rnd">
-            <a:solidFill>
-              <a:srgbClr val="333333"/>
-            </a:solidFill>
-          </a:ln>
-          <a:effectLst>
-            <a:outerShdw blurRad="381000" dist="292100" dir="5400000" sx="-80000" sy="-18000" rotWithShape="0">
-              <a:srgbClr val="000000">
-                <a:alpha val="22000"/>
-              </a:srgbClr>
-            </a:outerShdw>
-          </a:effectLst>
-          <a:scene3d>
-            <a:camera prst="orthographicFront"/>
-            <a:lightRig rig="contrasting" dir="t">
-              <a:rot lat="0" lon="0" rev="3000000"/>
-            </a:lightRig>
-          </a:scene3d>
-          <a:sp3d contourW="7620">
-            <a:bevelT w="95250" h="31750"/>
-            <a:contourClr>
-              <a:srgbClr val="333333"/>
-            </a:contourClr>
-          </a:sp3d>
-        </p:spPr>
-      </p:pic>
-      <p:sp>
-        <p:nvSpPr>
-          <p:cNvPr id="38" name="Rectangle 37">
-            <a:extLst>
-              <a:ext uri="{FF2B5EF4-FFF2-40B4-BE49-F238E27FC236}">
-                <a16:creationId xmlns:a16="http://schemas.microsoft.com/office/drawing/2014/main" id="{28B1909D-4141-4FB1-8633-83F335349C97}"/>
-              </a:ext>
-            </a:extLst>
-          </p:cNvPr>
-          <p:cNvSpPr/>
-          <p:nvPr/>
-        </p:nvSpPr>
-        <p:spPr>
-          <a:xfrm rot="10800000">
-            <a:off x="3007493" y="844062"/>
-            <a:ext cx="9027282" cy="137067"/>
-          </a:xfrm>
-          <a:prstGeom prst="rect">
-            <a:avLst/>
-          </a:prstGeom>
-          <a:solidFill>
-            <a:schemeClr val="tx1"/>
-          </a:solidFill>
-          <a:ln>
-            <a:noFill/>
-          </a:ln>
-        </p:spPr>
-        <p:style>
-          <a:lnRef idx="2">
-            <a:schemeClr val="accent1">
-              <a:shade val="50000"/>
-            </a:schemeClr>
-          </a:lnRef>
-          <a:fillRef idx="1">
-            <a:schemeClr val="accent1"/>
-          </a:fillRef>
-          <a:effectRef idx="0">
-            <a:schemeClr val="accent1"/>
-          </a:effectRef>
-          <a:fontRef idx="minor">
-            <a:schemeClr val="lt1"/>
-          </a:fontRef>
-        </p:style>
-        <p:txBody>
-          <a:bodyPr rtlCol="0" anchor="ctr"/>
-          <a:lstStyle/>
-          <a:p>
-            <a:pPr algn="ctr"/>
-            <a:endParaRPr lang="en-US" dirty="0">
-              <a:solidFill>
-                <a:srgbClr val="DB5B5C"/>
-              </a:solidFill>
-            </a:endParaRPr>
-          </a:p>
-        </p:txBody>
-      </p:sp>
-      <p:sp>
-        <p:nvSpPr>
-          <p:cNvPr id="10" name="TextBox 9">
-            <a:extLst>
-              <a:ext uri="{FF2B5EF4-FFF2-40B4-BE49-F238E27FC236}">
-                <a16:creationId xmlns:a16="http://schemas.microsoft.com/office/drawing/2014/main" id="{8A07C2CC-416F-4D29-84CF-D1F8B766EE5F}"/>
-              </a:ext>
-            </a:extLst>
-          </p:cNvPr>
-          <p:cNvSpPr txBox="1"/>
-          <p:nvPr/>
-        </p:nvSpPr>
-        <p:spPr>
-          <a:xfrm>
-            <a:off x="3080082" y="1520792"/>
-            <a:ext cx="9341732" cy="1692771"/>
-          </a:xfrm>
-          <a:prstGeom prst="rect">
-            <a:avLst/>
-          </a:prstGeom>
-          <a:noFill/>
-        </p:spPr>
-        <p:txBody>
-          <a:bodyPr wrap="square" rtlCol="0">
-            <a:spAutoFit/>
-          </a:bodyPr>
-          <a:lstStyle/>
           <a:p>
             <a:pPr marL="342900" indent="-342900">
               <a:buFont typeface="Arial" panose="020B0604020202020204" pitchFamily="34" charset="0"/>
               <a:buChar char="•"/>
             </a:pPr>
-            <a:r>
-              <a:rPr lang="en-US" sz="2400" dirty="0">
-                <a:solidFill>
-                  <a:schemeClr val="bg1"/>
-                </a:solidFill>
-                <a:latin typeface="Selawik Semibold" panose="020B0702040204020203" pitchFamily="34" charset="0"/>
-              </a:rPr>
-              <a:t>Runs Created Above Average</a:t>
-            </a:r>
+            <a:endParaRPr lang="en-US" sz="2400" dirty="0">
+              <a:solidFill>
+                <a:schemeClr val="bg1"/>
+              </a:solidFill>
+              <a:latin typeface="Selawik Semibold" panose="020B0702040204020203" pitchFamily="34" charset="0"/>
+            </a:endParaRPr>
           </a:p>
           <a:p>
             <a:pPr marL="800100" lvl="1" indent="-342900">
@@ -8424,8 +7613,20 @@
                 </a:solidFill>
                 <a:latin typeface="Selawik Semibold" panose="020B0702040204020203" pitchFamily="34" charset="0"/>
               </a:rPr>
-              <a:t>Predicted Runs of Average Team = 780</a:t>
+              <a:t>Predicted Runs of Average Team = 693.02</a:t>
             </a:r>
+          </a:p>
+          <a:p>
+            <a:pPr marL="800100" lvl="1" indent="-342900">
+              <a:buFont typeface="Arial" panose="020B0604020202020204" pitchFamily="34" charset="0"/>
+              <a:buChar char="•"/>
+            </a:pPr>
+            <a:endParaRPr lang="en-US" sz="2000" dirty="0">
+              <a:solidFill>
+                <a:schemeClr val="bg1"/>
+              </a:solidFill>
+              <a:latin typeface="Selawik Semibold" panose="020B0702040204020203" pitchFamily="34" charset="0"/>
+            </a:endParaRPr>
           </a:p>
           <a:p>
             <a:pPr marL="800100" lvl="1" indent="-342900">
@@ -8448,7 +7649,7 @@
                 </a:solidFill>
                 <a:latin typeface="Selawik Semibold" panose="020B0702040204020203" pitchFamily="34" charset="0"/>
               </a:rPr>
-              <a:t>Ichiro+Average</a:t>
+              <a:t>Bryant+Average</a:t>
             </a:r>
             <a:r>
               <a:rPr lang="en-US" sz="2000" dirty="0">
@@ -8457,8 +7658,20 @@
                 </a:solidFill>
                 <a:latin typeface="Selawik Semibold" panose="020B0702040204020203" pitchFamily="34" charset="0"/>
               </a:rPr>
-              <a:t> Team = 839</a:t>
+              <a:t> Team = 751.08</a:t>
             </a:r>
+          </a:p>
+          <a:p>
+            <a:pPr marL="800100" lvl="1" indent="-342900">
+              <a:buFont typeface="Arial" panose="020B0604020202020204" pitchFamily="34" charset="0"/>
+              <a:buChar char="•"/>
+            </a:pPr>
+            <a:endParaRPr lang="en-US" sz="2000" dirty="0">
+              <a:solidFill>
+                <a:schemeClr val="bg1"/>
+              </a:solidFill>
+              <a:latin typeface="Selawik Semibold" panose="020B0702040204020203" pitchFamily="34" charset="0"/>
+            </a:endParaRPr>
           </a:p>
           <a:p>
             <a:pPr marL="800100" lvl="1" indent="-342900">
@@ -8472,56 +7685,11 @@
                 </a:solidFill>
                 <a:latin typeface="Selawik Semibold" panose="020B0702040204020203" pitchFamily="34" charset="0"/>
               </a:rPr>
-              <a:t>Added Value of Ichiro = 839-780 = 59 Runs Above Average</a:t>
-            </a:r>
-          </a:p>
-          <a:p>
-            <a:pPr marL="800100" lvl="1" indent="-342900">
-              <a:buFont typeface="Arial" panose="020B0604020202020204" pitchFamily="34" charset="0"/>
-              <a:buChar char="•"/>
-            </a:pPr>
-            <a:r>
-              <a:rPr lang="en-US" sz="2000" dirty="0">
-                <a:solidFill>
-                  <a:schemeClr val="bg1"/>
-                </a:solidFill>
-                <a:latin typeface="Selawik Semibold" panose="020B0702040204020203" pitchFamily="34" charset="0"/>
-              </a:rPr>
-              <a:t>Perspective:</a:t>
+              <a:t>Added Value of Bryant = 751.08-693.02 = 58 Runs Above Average</a:t>
             </a:r>
           </a:p>
         </p:txBody>
       </p:sp>
-      <p:pic>
-        <p:nvPicPr>
-          <p:cNvPr id="2" name="Picture 1">
-            <a:extLst>
-              <a:ext uri="{FF2B5EF4-FFF2-40B4-BE49-F238E27FC236}">
-                <a16:creationId xmlns:a16="http://schemas.microsoft.com/office/drawing/2014/main" id="{EB14E498-A82F-4242-8FC1-7075BA1C9642}"/>
-              </a:ext>
-            </a:extLst>
-          </p:cNvPr>
-          <p:cNvPicPr>
-            <a:picLocks noChangeAspect="1"/>
-          </p:cNvPicPr>
-          <p:nvPr/>
-        </p:nvPicPr>
-        <p:blipFill>
-          <a:blip r:embed="rId4"/>
-          <a:stretch>
-            <a:fillRect/>
-          </a:stretch>
-        </p:blipFill>
-        <p:spPr>
-          <a:xfrm>
-            <a:off x="3932682" y="3230450"/>
-            <a:ext cx="6649448" cy="2299675"/>
-          </a:xfrm>
-          <a:prstGeom prst="rect">
-            <a:avLst/>
-          </a:prstGeom>
-        </p:spPr>
-      </p:pic>
     </p:spTree>
     <p:extLst>
       <p:ext uri="{BB962C8B-B14F-4D97-AF65-F5344CB8AC3E}">
@@ -8535,7 +7703,7 @@
 </p:sld>
 </file>
 
-<file path=ppt/slides/slide15.xml><?xml version="1.0" encoding="utf-8"?>
+<file path=ppt/slides/slide14.xml><?xml version="1.0" encoding="utf-8"?>
 <p:sld xmlns:a="http://schemas.openxmlformats.org/drawingml/2006/main" xmlns:r="http://schemas.openxmlformats.org/officeDocument/2006/relationships" xmlns:p="http://schemas.openxmlformats.org/presentationml/2006/main">
   <p:cSld>
     <p:bg>
@@ -10842,7 +10010,7 @@
         </p:nvSpPr>
         <p:spPr>
           <a:xfrm>
-            <a:off x="-3" y="-26079"/>
+            <a:off x="0" y="-52157"/>
             <a:ext cx="12192000" cy="6910157"/>
           </a:xfrm>
           <a:prstGeom prst="rect">
@@ -10873,7 +10041,7 @@
           <a:lstStyle/>
           <a:p>
             <a:pPr algn="ctr"/>
-            <a:endParaRPr lang="en-US" sz="2400" dirty="0"/>
+            <a:endParaRPr lang="en-US"/>
           </a:p>
         </p:txBody>
       </p:sp>
@@ -11181,1654 +10349,6 @@
           </a:p>
         </p:txBody>
       </p:sp>
-      <mc:AlternateContent xmlns:mc="http://schemas.openxmlformats.org/markup-compatibility/2006" xmlns:a14="http://schemas.microsoft.com/office/drawing/2010/main">
-        <mc:Choice Requires="a14">
-          <p:sp>
-            <p:nvSpPr>
-              <p:cNvPr id="10" name="TextBox 9">
-                <a:extLst>
-                  <a:ext uri="{FF2B5EF4-FFF2-40B4-BE49-F238E27FC236}">
-                    <a16:creationId xmlns:a16="http://schemas.microsoft.com/office/drawing/2014/main" id="{8A07C2CC-416F-4D29-84CF-D1F8B766EE5F}"/>
-                  </a:ext>
-                </a:extLst>
-              </p:cNvPr>
-              <p:cNvSpPr txBox="1"/>
-              <p:nvPr/>
-            </p:nvSpPr>
-            <p:spPr>
-              <a:xfrm>
-                <a:off x="3007491" y="1373566"/>
-                <a:ext cx="9027282" cy="4920514"/>
-              </a:xfrm>
-              <a:prstGeom prst="rect">
-                <a:avLst/>
-              </a:prstGeom>
-              <a:noFill/>
-            </p:spPr>
-            <p:txBody>
-              <a:bodyPr wrap="square" rtlCol="0">
-                <a:spAutoFit/>
-              </a:bodyPr>
-              <a:lstStyle/>
-              <a:p>
-                <a:pPr marL="342900" indent="-342900">
-                  <a:buFont typeface="Arial" panose="020B0604020202020204" pitchFamily="34" charset="0"/>
-                  <a:buChar char="•"/>
-                </a:pPr>
-                <a:r>
-                  <a:rPr lang="en-US" sz="2400" dirty="0">
-                    <a:solidFill>
-                      <a:schemeClr val="bg1"/>
-                    </a:solidFill>
-                    <a:latin typeface="Selawik Semibold" panose="020B0702040204020203" pitchFamily="34" charset="0"/>
-                  </a:rPr>
-                  <a:t>Crude Estimation of Linear Weight for Home Run</a:t>
-                </a:r>
-              </a:p>
-              <a:p>
-                <a:pPr marL="800100" lvl="1" indent="-342900">
-                  <a:buFont typeface="Arial" panose="020B0604020202020204" pitchFamily="34" charset="0"/>
-                  <a:buChar char="•"/>
-                </a:pPr>
-                <a14:m>
-                  <m:oMath xmlns:m="http://schemas.openxmlformats.org/officeDocument/2006/math">
-                    <m:acc>
-                      <m:accPr>
-                        <m:chr m:val="̂"/>
-                        <m:ctrlPr>
-                          <a:rPr lang="en-US" sz="2400" b="0" i="1" smtClean="0">
-                            <a:solidFill>
-                              <a:schemeClr val="bg1"/>
-                            </a:solidFill>
-                            <a:latin typeface="Cambria Math" panose="02040503050406030204" pitchFamily="18" charset="0"/>
-                          </a:rPr>
-                        </m:ctrlPr>
-                      </m:accPr>
-                      <m:e>
-                        <m:sSub>
-                          <m:sSubPr>
-                            <m:ctrlPr>
-                              <a:rPr lang="en-US" sz="2400" i="1">
-                                <a:solidFill>
-                                  <a:schemeClr val="bg1"/>
-                                </a:solidFill>
-                                <a:latin typeface="Cambria Math" panose="02040503050406030204" pitchFamily="18" charset="0"/>
-                              </a:rPr>
-                            </m:ctrlPr>
-                          </m:sSubPr>
-                          <m:e>
-                            <m:r>
-                              <a:rPr lang="en-US" sz="2400" i="1">
-                                <a:solidFill>
-                                  <a:schemeClr val="bg1"/>
-                                </a:solidFill>
-                                <a:latin typeface="Cambria Math" panose="02040503050406030204" pitchFamily="18" charset="0"/>
-                              </a:rPr>
-                              <m:t>𝛽</m:t>
-                            </m:r>
-                          </m:e>
-                          <m:sub>
-                            <m:r>
-                              <a:rPr lang="en-US" sz="2400" i="1">
-                                <a:solidFill>
-                                  <a:schemeClr val="bg1"/>
-                                </a:solidFill>
-                                <a:latin typeface="Cambria Math" panose="02040503050406030204" pitchFamily="18" charset="0"/>
-                              </a:rPr>
-                              <m:t>𝐻𝑅</m:t>
-                            </m:r>
-                          </m:sub>
-                        </m:sSub>
-                      </m:e>
-                    </m:acc>
-                    <m:r>
-                      <a:rPr lang="en-US" sz="2400" b="0" i="1" dirty="0" smtClean="0">
-                        <a:solidFill>
-                          <a:schemeClr val="bg1"/>
-                        </a:solidFill>
-                        <a:latin typeface="Cambria Math" panose="02040503050406030204" pitchFamily="18" charset="0"/>
-                      </a:rPr>
-                      <m:t>=</m:t>
-                    </m:r>
-                    <m:r>
-                      <a:rPr lang="en-US" sz="2400" b="0" i="1" dirty="0" smtClean="0">
-                        <a:solidFill>
-                          <a:schemeClr val="bg1"/>
-                        </a:solidFill>
-                        <a:latin typeface="Cambria Math" panose="02040503050406030204" pitchFamily="18" charset="0"/>
-                      </a:rPr>
-                      <m:t>𝐴𝑣𝑒𝑟𝑎𝑔𝑒</m:t>
-                    </m:r>
-                    <m:r>
-                      <a:rPr lang="en-US" sz="2400" b="0" i="1" dirty="0" smtClean="0">
-                        <a:solidFill>
-                          <a:schemeClr val="bg1"/>
-                        </a:solidFill>
-                        <a:latin typeface="Cambria Math" panose="02040503050406030204" pitchFamily="18" charset="0"/>
-                      </a:rPr>
-                      <m:t> # </m:t>
-                    </m:r>
-                    <m:r>
-                      <a:rPr lang="en-US" sz="2400" b="0" i="1" dirty="0" smtClean="0">
-                        <a:solidFill>
-                          <a:schemeClr val="bg1"/>
-                        </a:solidFill>
-                        <a:latin typeface="Cambria Math" panose="02040503050406030204" pitchFamily="18" charset="0"/>
-                      </a:rPr>
-                      <m:t>𝑜𝑓</m:t>
-                    </m:r>
-                    <m:r>
-                      <a:rPr lang="en-US" sz="2400" b="0" i="1" dirty="0" smtClean="0">
-                        <a:solidFill>
-                          <a:schemeClr val="bg1"/>
-                        </a:solidFill>
-                        <a:latin typeface="Cambria Math" panose="02040503050406030204" pitchFamily="18" charset="0"/>
-                      </a:rPr>
-                      <m:t> </m:t>
-                    </m:r>
-                    <m:r>
-                      <a:rPr lang="en-US" sz="2400" b="0" i="1" dirty="0" smtClean="0">
-                        <a:solidFill>
-                          <a:schemeClr val="bg1"/>
-                        </a:solidFill>
-                        <a:latin typeface="Cambria Math" panose="02040503050406030204" pitchFamily="18" charset="0"/>
-                      </a:rPr>
-                      <m:t>𝑅𝑢𝑛𝑠</m:t>
-                    </m:r>
-                    <m:r>
-                      <a:rPr lang="en-US" sz="2400" b="0" i="1" dirty="0" smtClean="0">
-                        <a:solidFill>
-                          <a:schemeClr val="bg1"/>
-                        </a:solidFill>
-                        <a:latin typeface="Cambria Math" panose="02040503050406030204" pitchFamily="18" charset="0"/>
-                      </a:rPr>
-                      <m:t> </m:t>
-                    </m:r>
-                    <m:r>
-                      <a:rPr lang="en-US" sz="2400" b="0" i="1" dirty="0" smtClean="0">
-                        <a:solidFill>
-                          <a:schemeClr val="bg1"/>
-                        </a:solidFill>
-                        <a:latin typeface="Cambria Math" panose="02040503050406030204" pitchFamily="18" charset="0"/>
-                      </a:rPr>
-                      <m:t>𝑃𝑒𝑟</m:t>
-                    </m:r>
-                    <m:r>
-                      <a:rPr lang="en-US" sz="2400" b="0" i="1" dirty="0" smtClean="0">
-                        <a:solidFill>
-                          <a:schemeClr val="bg1"/>
-                        </a:solidFill>
-                        <a:latin typeface="Cambria Math" panose="02040503050406030204" pitchFamily="18" charset="0"/>
-                      </a:rPr>
-                      <m:t> </m:t>
-                    </m:r>
-                    <m:r>
-                      <a:rPr lang="en-US" sz="2400" b="0" i="1" dirty="0" smtClean="0">
-                        <a:solidFill>
-                          <a:schemeClr val="bg1"/>
-                        </a:solidFill>
-                        <a:latin typeface="Cambria Math" panose="02040503050406030204" pitchFamily="18" charset="0"/>
-                      </a:rPr>
-                      <m:t>𝐻𝑜𝑚𝑒</m:t>
-                    </m:r>
-                    <m:r>
-                      <a:rPr lang="en-US" sz="2400" b="0" i="1" dirty="0" smtClean="0">
-                        <a:solidFill>
-                          <a:schemeClr val="bg1"/>
-                        </a:solidFill>
-                        <a:latin typeface="Cambria Math" panose="02040503050406030204" pitchFamily="18" charset="0"/>
-                      </a:rPr>
-                      <m:t> </m:t>
-                    </m:r>
-                    <m:r>
-                      <a:rPr lang="en-US" sz="2400" b="0" i="1" dirty="0" smtClean="0">
-                        <a:solidFill>
-                          <a:schemeClr val="bg1"/>
-                        </a:solidFill>
-                        <a:latin typeface="Cambria Math" panose="02040503050406030204" pitchFamily="18" charset="0"/>
-                      </a:rPr>
-                      <m:t>𝑅𝑢𝑛</m:t>
-                    </m:r>
-                  </m:oMath>
-                </a14:m>
-                <a:endParaRPr lang="en-US" sz="2400" dirty="0">
-                  <a:solidFill>
-                    <a:schemeClr val="bg1"/>
-                  </a:solidFill>
-                  <a:latin typeface="Selawik Semibold" panose="020B0702040204020203" pitchFamily="34" charset="0"/>
-                </a:endParaRPr>
-              </a:p>
-              <a:p>
-                <a:pPr marL="800100" lvl="1" indent="-342900">
-                  <a:buFont typeface="Arial" panose="020B0604020202020204" pitchFamily="34" charset="0"/>
-                  <a:buChar char="•"/>
-                </a:pPr>
-                <a:endParaRPr lang="en-US" sz="2400" dirty="0">
-                  <a:solidFill>
-                    <a:schemeClr val="bg1"/>
-                  </a:solidFill>
-                  <a:latin typeface="Selawik Semibold" panose="020B0702040204020203" pitchFamily="34" charset="0"/>
-                </a:endParaRPr>
-              </a:p>
-              <a:p>
-                <a:pPr marL="800100" lvl="1" indent="-342900">
-                  <a:buFont typeface="Arial" panose="020B0604020202020204" pitchFamily="34" charset="0"/>
-                  <a:buChar char="•"/>
-                </a:pPr>
-                <a:r>
-                  <a:rPr lang="en-US" sz="2000" dirty="0">
-                    <a:solidFill>
-                      <a:schemeClr val="bg1"/>
-                    </a:solidFill>
-                    <a:latin typeface="Selawik Semibold" panose="020B0702040204020203" pitchFamily="34" charset="0"/>
-                  </a:rPr>
-                  <a:t>Fact 1a: </a:t>
-                </a:r>
-                <a14:m>
-                  <m:oMath xmlns:m="http://schemas.openxmlformats.org/officeDocument/2006/math">
-                    <m:f>
-                      <m:fPr>
-                        <m:ctrlPr>
-                          <a:rPr lang="en-US" sz="2400" i="1" dirty="0" smtClean="0">
-                            <a:solidFill>
-                              <a:schemeClr val="bg1"/>
-                            </a:solidFill>
-                            <a:latin typeface="Cambria Math" panose="02040503050406030204" pitchFamily="18" charset="0"/>
-                          </a:rPr>
-                        </m:ctrlPr>
-                      </m:fPr>
-                      <m:num>
-                        <m:r>
-                          <a:rPr lang="en-US" sz="2400" b="0" i="1" dirty="0" smtClean="0">
-                            <a:solidFill>
-                              <a:schemeClr val="bg1"/>
-                            </a:solidFill>
-                            <a:latin typeface="Cambria Math" panose="02040503050406030204" pitchFamily="18" charset="0"/>
-                          </a:rPr>
-                          <m:t>4.8 </m:t>
-                        </m:r>
-                        <m:r>
-                          <a:rPr lang="en-US" sz="2400" b="0" i="1" dirty="0" smtClean="0">
-                            <a:solidFill>
-                              <a:schemeClr val="bg1"/>
-                            </a:solidFill>
-                            <a:latin typeface="Cambria Math" panose="02040503050406030204" pitchFamily="18" charset="0"/>
-                          </a:rPr>
-                          <m:t>𝑅𝑢𝑛𝑠</m:t>
-                        </m:r>
-                        <m:r>
-                          <a:rPr lang="en-US" sz="2400" b="0" i="1" dirty="0" smtClean="0">
-                            <a:solidFill>
-                              <a:schemeClr val="bg1"/>
-                            </a:solidFill>
-                            <a:latin typeface="Cambria Math" panose="02040503050406030204" pitchFamily="18" charset="0"/>
-                          </a:rPr>
-                          <m:t> </m:t>
-                        </m:r>
-                        <m:r>
-                          <a:rPr lang="en-US" sz="2400" b="0" i="1" dirty="0" smtClean="0">
-                            <a:solidFill>
-                              <a:schemeClr val="bg1"/>
-                            </a:solidFill>
-                            <a:latin typeface="Cambria Math" panose="02040503050406030204" pitchFamily="18" charset="0"/>
-                          </a:rPr>
-                          <m:t>𝑃𝑒𝑟</m:t>
-                        </m:r>
-                        <m:r>
-                          <a:rPr lang="en-US" sz="2400" b="0" i="1" dirty="0" smtClean="0">
-                            <a:solidFill>
-                              <a:schemeClr val="bg1"/>
-                            </a:solidFill>
-                            <a:latin typeface="Cambria Math" panose="02040503050406030204" pitchFamily="18" charset="0"/>
-                          </a:rPr>
-                          <m:t> </m:t>
-                        </m:r>
-                        <m:r>
-                          <a:rPr lang="en-US" sz="2400" b="0" i="1" dirty="0" smtClean="0">
-                            <a:solidFill>
-                              <a:schemeClr val="bg1"/>
-                            </a:solidFill>
-                            <a:latin typeface="Cambria Math" panose="02040503050406030204" pitchFamily="18" charset="0"/>
-                          </a:rPr>
-                          <m:t>𝐺𝑎𝑚𝑒</m:t>
-                        </m:r>
-                      </m:num>
-                      <m:den>
-                        <m:r>
-                          <a:rPr lang="en-US" sz="2400" b="0" i="1" dirty="0" smtClean="0">
-                            <a:solidFill>
-                              <a:schemeClr val="bg1"/>
-                            </a:solidFill>
-                            <a:latin typeface="Cambria Math" panose="02040503050406030204" pitchFamily="18" charset="0"/>
-                          </a:rPr>
-                          <m:t>38 </m:t>
-                        </m:r>
-                        <m:r>
-                          <a:rPr lang="en-US" sz="2400" b="0" i="1" dirty="0" smtClean="0">
-                            <a:solidFill>
-                              <a:schemeClr val="bg1"/>
-                            </a:solidFill>
-                            <a:latin typeface="Cambria Math" panose="02040503050406030204" pitchFamily="18" charset="0"/>
-                          </a:rPr>
-                          <m:t>𝐵𝑎𝑡𝑡𝑒𝑟𝑠</m:t>
-                        </m:r>
-                        <m:r>
-                          <a:rPr lang="en-US" sz="2400" b="0" i="1" dirty="0" smtClean="0">
-                            <a:solidFill>
-                              <a:schemeClr val="bg1"/>
-                            </a:solidFill>
-                            <a:latin typeface="Cambria Math" panose="02040503050406030204" pitchFamily="18" charset="0"/>
-                          </a:rPr>
-                          <m:t> </m:t>
-                        </m:r>
-                        <m:r>
-                          <a:rPr lang="en-US" sz="2400" b="0" i="1" dirty="0" smtClean="0">
-                            <a:solidFill>
-                              <a:schemeClr val="bg1"/>
-                            </a:solidFill>
-                            <a:latin typeface="Cambria Math" panose="02040503050406030204" pitchFamily="18" charset="0"/>
-                          </a:rPr>
-                          <m:t>𝑃𝑒𝑟</m:t>
-                        </m:r>
-                        <m:r>
-                          <a:rPr lang="en-US" sz="2400" b="0" i="1" dirty="0" smtClean="0">
-                            <a:solidFill>
-                              <a:schemeClr val="bg1"/>
-                            </a:solidFill>
-                            <a:latin typeface="Cambria Math" panose="02040503050406030204" pitchFamily="18" charset="0"/>
-                          </a:rPr>
-                          <m:t> </m:t>
-                        </m:r>
-                        <m:r>
-                          <a:rPr lang="en-US" sz="2400" b="0" i="1" dirty="0" smtClean="0">
-                            <a:solidFill>
-                              <a:schemeClr val="bg1"/>
-                            </a:solidFill>
-                            <a:latin typeface="Cambria Math" panose="02040503050406030204" pitchFamily="18" charset="0"/>
-                          </a:rPr>
-                          <m:t>𝐺𝑎𝑚𝑒</m:t>
-                        </m:r>
-                      </m:den>
-                    </m:f>
-                    <m:r>
-                      <a:rPr lang="en-US" sz="2400" b="0" i="1" dirty="0" smtClean="0">
-                        <a:solidFill>
-                          <a:schemeClr val="bg1"/>
-                        </a:solidFill>
-                        <a:latin typeface="Cambria Math" panose="02040503050406030204" pitchFamily="18" charset="0"/>
-                      </a:rPr>
-                      <m:t>=0.126 </m:t>
-                    </m:r>
-                    <m:r>
-                      <a:rPr lang="en-US" sz="2400" b="0" i="1" dirty="0" smtClean="0">
-                        <a:solidFill>
-                          <a:schemeClr val="bg1"/>
-                        </a:solidFill>
-                        <a:latin typeface="Cambria Math" panose="02040503050406030204" pitchFamily="18" charset="0"/>
-                      </a:rPr>
-                      <m:t>𝑅𝑢𝑛𝑠</m:t>
-                    </m:r>
-                    <m:r>
-                      <a:rPr lang="en-US" sz="2400" b="0" i="1" dirty="0" smtClean="0">
-                        <a:solidFill>
-                          <a:schemeClr val="bg1"/>
-                        </a:solidFill>
-                        <a:latin typeface="Cambria Math" panose="02040503050406030204" pitchFamily="18" charset="0"/>
-                      </a:rPr>
-                      <m:t> </m:t>
-                    </m:r>
-                    <m:r>
-                      <a:rPr lang="en-US" sz="2400" b="0" i="1" dirty="0" smtClean="0">
-                        <a:solidFill>
-                          <a:schemeClr val="bg1"/>
-                        </a:solidFill>
-                        <a:latin typeface="Cambria Math" panose="02040503050406030204" pitchFamily="18" charset="0"/>
-                      </a:rPr>
-                      <m:t>𝑃𝑒𝑟</m:t>
-                    </m:r>
-                    <m:r>
-                      <a:rPr lang="en-US" sz="2400" b="0" i="1" dirty="0" smtClean="0">
-                        <a:solidFill>
-                          <a:schemeClr val="bg1"/>
-                        </a:solidFill>
-                        <a:latin typeface="Cambria Math" panose="02040503050406030204" pitchFamily="18" charset="0"/>
-                      </a:rPr>
-                      <m:t> </m:t>
-                    </m:r>
-                    <m:r>
-                      <a:rPr lang="en-US" sz="2400" b="0" i="1" dirty="0" smtClean="0">
-                        <a:solidFill>
-                          <a:schemeClr val="bg1"/>
-                        </a:solidFill>
-                        <a:latin typeface="Cambria Math" panose="02040503050406030204" pitchFamily="18" charset="0"/>
-                      </a:rPr>
-                      <m:t>𝐵𝑎𝑡𝑡𝑒𝑟</m:t>
-                    </m:r>
-                  </m:oMath>
-                </a14:m>
-                <a:endParaRPr lang="en-US" sz="2400" dirty="0">
-                  <a:solidFill>
-                    <a:schemeClr val="bg1"/>
-                  </a:solidFill>
-                  <a:latin typeface="Selawik Semibold" panose="020B0702040204020203" pitchFamily="34" charset="0"/>
-                </a:endParaRPr>
-              </a:p>
-              <a:p>
-                <a:pPr marL="800100" lvl="1" indent="-342900">
-                  <a:buFont typeface="Arial" panose="020B0604020202020204" pitchFamily="34" charset="0"/>
-                  <a:buChar char="•"/>
-                </a:pPr>
-                <a:endParaRPr lang="en-US" sz="2000" dirty="0">
-                  <a:solidFill>
-                    <a:schemeClr val="bg1"/>
-                  </a:solidFill>
-                  <a:latin typeface="Selawik Semibold" panose="020B0702040204020203" pitchFamily="34" charset="0"/>
-                </a:endParaRPr>
-              </a:p>
-              <a:p>
-                <a:pPr marL="800100" lvl="1" indent="-342900">
-                  <a:buFont typeface="Arial" panose="020B0604020202020204" pitchFamily="34" charset="0"/>
-                  <a:buChar char="•"/>
-                </a:pPr>
-                <a:r>
-                  <a:rPr lang="en-US" sz="2000" dirty="0">
-                    <a:solidFill>
-                      <a:schemeClr val="bg1"/>
-                    </a:solidFill>
-                    <a:latin typeface="Selawik Semibold" panose="020B0702040204020203" pitchFamily="34" charset="0"/>
-                  </a:rPr>
-                  <a:t>Fact 2a:  </a:t>
-                </a:r>
-                <a14:m>
-                  <m:oMath xmlns:m="http://schemas.openxmlformats.org/officeDocument/2006/math">
-                    <m:f>
-                      <m:fPr>
-                        <m:ctrlPr>
-                          <a:rPr lang="en-US" sz="2400" i="1" dirty="0" smtClean="0">
-                            <a:solidFill>
-                              <a:schemeClr val="bg1"/>
-                            </a:solidFill>
-                            <a:latin typeface="Cambria Math" panose="02040503050406030204" pitchFamily="18" charset="0"/>
-                          </a:rPr>
-                        </m:ctrlPr>
-                      </m:fPr>
-                      <m:num>
-                        <m:r>
-                          <a:rPr lang="en-US" sz="2400" i="1" dirty="0">
-                            <a:solidFill>
-                              <a:schemeClr val="bg1"/>
-                            </a:solidFill>
-                            <a:latin typeface="Cambria Math" panose="02040503050406030204" pitchFamily="18" charset="0"/>
-                          </a:rPr>
-                          <m:t>4.8 </m:t>
-                        </m:r>
-                        <m:r>
-                          <a:rPr lang="en-US" sz="2400" i="1" dirty="0">
-                            <a:solidFill>
-                              <a:schemeClr val="bg1"/>
-                            </a:solidFill>
-                            <a:latin typeface="Cambria Math" panose="02040503050406030204" pitchFamily="18" charset="0"/>
-                          </a:rPr>
-                          <m:t>𝑅𝑢𝑛𝑠</m:t>
-                        </m:r>
-                        <m:r>
-                          <a:rPr lang="en-US" sz="2400" i="1" dirty="0">
-                            <a:solidFill>
-                              <a:schemeClr val="bg1"/>
-                            </a:solidFill>
-                            <a:latin typeface="Cambria Math" panose="02040503050406030204" pitchFamily="18" charset="0"/>
-                          </a:rPr>
-                          <m:t> </m:t>
-                        </m:r>
-                        <m:r>
-                          <a:rPr lang="en-US" sz="2400" i="1" dirty="0">
-                            <a:solidFill>
-                              <a:schemeClr val="bg1"/>
-                            </a:solidFill>
-                            <a:latin typeface="Cambria Math" panose="02040503050406030204" pitchFamily="18" charset="0"/>
-                          </a:rPr>
-                          <m:t>𝑃𝑒𝑟</m:t>
-                        </m:r>
-                        <m:r>
-                          <a:rPr lang="en-US" sz="2400" i="1" dirty="0">
-                            <a:solidFill>
-                              <a:schemeClr val="bg1"/>
-                            </a:solidFill>
-                            <a:latin typeface="Cambria Math" panose="02040503050406030204" pitchFamily="18" charset="0"/>
-                          </a:rPr>
-                          <m:t> </m:t>
-                        </m:r>
-                        <m:r>
-                          <a:rPr lang="en-US" sz="2400" i="1" dirty="0">
-                            <a:solidFill>
-                              <a:schemeClr val="bg1"/>
-                            </a:solidFill>
-                            <a:latin typeface="Cambria Math" panose="02040503050406030204" pitchFamily="18" charset="0"/>
-                          </a:rPr>
-                          <m:t>𝐺𝑎𝑚𝑒</m:t>
-                        </m:r>
-                      </m:num>
-                      <m:den>
-                        <m:r>
-                          <a:rPr lang="en-US" sz="2400" b="0" i="1" dirty="0" smtClean="0">
-                            <a:solidFill>
-                              <a:schemeClr val="bg1"/>
-                            </a:solidFill>
-                            <a:latin typeface="Cambria Math" panose="02040503050406030204" pitchFamily="18" charset="0"/>
-                          </a:rPr>
-                          <m:t>13</m:t>
-                        </m:r>
-                        <m:r>
-                          <a:rPr lang="en-US" sz="2400" i="1" dirty="0">
-                            <a:solidFill>
-                              <a:schemeClr val="bg1"/>
-                            </a:solidFill>
-                            <a:latin typeface="Cambria Math" panose="02040503050406030204" pitchFamily="18" charset="0"/>
-                          </a:rPr>
-                          <m:t> </m:t>
-                        </m:r>
-                        <m:r>
-                          <a:rPr lang="en-US" sz="2400" i="1" dirty="0">
-                            <a:solidFill>
-                              <a:schemeClr val="bg1"/>
-                            </a:solidFill>
-                            <a:latin typeface="Cambria Math" panose="02040503050406030204" pitchFamily="18" charset="0"/>
-                          </a:rPr>
-                          <m:t>𝐵𝑎𝑡𝑡𝑒𝑟𝑠</m:t>
-                        </m:r>
-                        <m:r>
-                          <a:rPr lang="en-US" sz="2400" i="1" dirty="0">
-                            <a:solidFill>
-                              <a:schemeClr val="bg1"/>
-                            </a:solidFill>
-                            <a:latin typeface="Cambria Math" panose="02040503050406030204" pitchFamily="18" charset="0"/>
-                          </a:rPr>
-                          <m:t> </m:t>
-                        </m:r>
-                        <m:r>
-                          <a:rPr lang="en-US" sz="2400" b="0" i="1" dirty="0" smtClean="0">
-                            <a:solidFill>
-                              <a:schemeClr val="bg1"/>
-                            </a:solidFill>
-                            <a:latin typeface="Cambria Math" panose="02040503050406030204" pitchFamily="18" charset="0"/>
-                          </a:rPr>
-                          <m:t>𝑅𝑒𝑎𝑐h</m:t>
-                        </m:r>
-                        <m:r>
-                          <a:rPr lang="en-US" sz="2400" b="0" i="1" dirty="0" smtClean="0">
-                            <a:solidFill>
-                              <a:schemeClr val="bg1"/>
-                            </a:solidFill>
-                            <a:latin typeface="Cambria Math" panose="02040503050406030204" pitchFamily="18" charset="0"/>
-                          </a:rPr>
-                          <m:t> </m:t>
-                        </m:r>
-                        <m:r>
-                          <a:rPr lang="en-US" sz="2400" b="0" i="1" dirty="0" smtClean="0">
-                            <a:solidFill>
-                              <a:schemeClr val="bg1"/>
-                            </a:solidFill>
-                            <a:latin typeface="Cambria Math" panose="02040503050406030204" pitchFamily="18" charset="0"/>
-                          </a:rPr>
-                          <m:t>𝐵𝑎𝑠𝑒</m:t>
-                        </m:r>
-                      </m:den>
-                    </m:f>
-                    <m:r>
-                      <a:rPr lang="en-US" sz="2400" b="0" i="1" dirty="0" smtClean="0">
-                        <a:solidFill>
-                          <a:schemeClr val="bg1"/>
-                        </a:solidFill>
-                        <a:latin typeface="Cambria Math" panose="02040503050406030204" pitchFamily="18" charset="0"/>
-                      </a:rPr>
-                      <m:t>=0.369 </m:t>
-                    </m:r>
-                    <m:r>
-                      <a:rPr lang="en-US" sz="2400" b="0" i="1" dirty="0" smtClean="0">
-                        <a:solidFill>
-                          <a:schemeClr val="bg1"/>
-                        </a:solidFill>
-                        <a:latin typeface="Cambria Math" panose="02040503050406030204" pitchFamily="18" charset="0"/>
-                      </a:rPr>
-                      <m:t>𝑅𝑢𝑛𝑠</m:t>
-                    </m:r>
-                    <m:r>
-                      <a:rPr lang="en-US" sz="2400" b="0" i="1" dirty="0" smtClean="0">
-                        <a:solidFill>
-                          <a:schemeClr val="bg1"/>
-                        </a:solidFill>
-                        <a:latin typeface="Cambria Math" panose="02040503050406030204" pitchFamily="18" charset="0"/>
-                      </a:rPr>
-                      <m:t> </m:t>
-                    </m:r>
-                    <m:r>
-                      <a:rPr lang="en-US" sz="2400" b="0" i="1" dirty="0" smtClean="0">
-                        <a:solidFill>
-                          <a:schemeClr val="bg1"/>
-                        </a:solidFill>
-                        <a:latin typeface="Cambria Math" panose="02040503050406030204" pitchFamily="18" charset="0"/>
-                      </a:rPr>
-                      <m:t>𝑃𝑒𝑟</m:t>
-                    </m:r>
-                    <m:r>
-                      <a:rPr lang="en-US" sz="2400" b="0" i="1" dirty="0" smtClean="0">
-                        <a:solidFill>
-                          <a:schemeClr val="bg1"/>
-                        </a:solidFill>
-                        <a:latin typeface="Cambria Math" panose="02040503050406030204" pitchFamily="18" charset="0"/>
-                      </a:rPr>
-                      <m:t> </m:t>
-                    </m:r>
-                    <m:r>
-                      <a:rPr lang="en-US" sz="2400" b="0" i="1" dirty="0" smtClean="0">
-                        <a:solidFill>
-                          <a:schemeClr val="bg1"/>
-                        </a:solidFill>
-                        <a:latin typeface="Cambria Math" panose="02040503050406030204" pitchFamily="18" charset="0"/>
-                      </a:rPr>
-                      <m:t>𝐵𝑎𝑠𝑒</m:t>
-                    </m:r>
-                    <m:r>
-                      <a:rPr lang="en-US" sz="2400" b="0" i="1" dirty="0" smtClean="0">
-                        <a:solidFill>
-                          <a:schemeClr val="bg1"/>
-                        </a:solidFill>
-                        <a:latin typeface="Cambria Math" panose="02040503050406030204" pitchFamily="18" charset="0"/>
-                      </a:rPr>
-                      <m:t> </m:t>
-                    </m:r>
-                    <m:r>
-                      <a:rPr lang="en-US" sz="2400" b="0" i="1" dirty="0" smtClean="0">
-                        <a:solidFill>
-                          <a:schemeClr val="bg1"/>
-                        </a:solidFill>
-                        <a:latin typeface="Cambria Math" panose="02040503050406030204" pitchFamily="18" charset="0"/>
-                      </a:rPr>
-                      <m:t>𝑅𝑢𝑛𝑛𝑒𝑟</m:t>
-                    </m:r>
-                  </m:oMath>
-                </a14:m>
-                <a:endParaRPr lang="en-US" sz="2000" dirty="0">
-                  <a:solidFill>
-                    <a:schemeClr val="bg1"/>
-                  </a:solidFill>
-                  <a:latin typeface="Selawik Semibold" panose="020B0702040204020203" pitchFamily="34" charset="0"/>
-                </a:endParaRPr>
-              </a:p>
-              <a:p>
-                <a:pPr marL="800100" lvl="1" indent="-342900">
-                  <a:buFont typeface="Arial" panose="020B0604020202020204" pitchFamily="34" charset="0"/>
-                  <a:buChar char="•"/>
-                </a:pPr>
-                <a:endParaRPr lang="en-US" sz="2000" dirty="0">
-                  <a:solidFill>
-                    <a:schemeClr val="bg1"/>
-                  </a:solidFill>
-                  <a:latin typeface="Selawik Semibold" panose="020B0702040204020203" pitchFamily="34" charset="0"/>
-                </a:endParaRPr>
-              </a:p>
-              <a:p>
-                <a:pPr marL="800100" lvl="1" indent="-342900">
-                  <a:buFont typeface="Arial" panose="020B0604020202020204" pitchFamily="34" charset="0"/>
-                  <a:buChar char="•"/>
-                </a:pPr>
-                <a:r>
-                  <a:rPr lang="en-US" sz="2000" dirty="0">
-                    <a:solidFill>
-                      <a:schemeClr val="bg1"/>
-                    </a:solidFill>
-                    <a:latin typeface="Selawik Semibold" panose="020B0702040204020203" pitchFamily="34" charset="0"/>
-                  </a:rPr>
-                  <a:t>Suppose Batter Hits Home Run and Average of 1 Base Runner</a:t>
-                </a:r>
-              </a:p>
-              <a:p>
-                <a:pPr marL="800100" lvl="1" indent="-342900">
-                  <a:buFont typeface="Arial" panose="020B0604020202020204" pitchFamily="34" charset="0"/>
-                  <a:buChar char="•"/>
-                </a:pPr>
-                <a:r>
-                  <a:rPr lang="en-US" sz="2000" dirty="0">
-                    <a:solidFill>
-                      <a:schemeClr val="bg1"/>
-                    </a:solidFill>
-                    <a:latin typeface="Selawik Semibold" panose="020B0702040204020203" pitchFamily="34" charset="0"/>
-                  </a:rPr>
-                  <a:t>Both Batter and Base Runner Score 100% of the Time</a:t>
-                </a:r>
-              </a:p>
-              <a:p>
-                <a:pPr marL="800100" lvl="1" indent="-342900">
-                  <a:buFont typeface="Arial" panose="020B0604020202020204" pitchFamily="34" charset="0"/>
-                  <a:buChar char="•"/>
-                </a:pPr>
-                <a:r>
-                  <a:rPr lang="en-US" sz="2000" dirty="0">
-                    <a:solidFill>
-                      <a:schemeClr val="bg1"/>
-                    </a:solidFill>
-                    <a:latin typeface="Selawik Semibold" panose="020B0702040204020203" pitchFamily="34" charset="0"/>
-                  </a:rPr>
-                  <a:t>Fact 1b: </a:t>
-                </a:r>
-                <a14:m>
-                  <m:oMath xmlns:m="http://schemas.openxmlformats.org/officeDocument/2006/math">
-                    <m:r>
-                      <a:rPr lang="en-US" sz="2400" b="0" i="1" dirty="0" smtClean="0">
-                        <a:solidFill>
-                          <a:schemeClr val="bg1"/>
-                        </a:solidFill>
-                        <a:latin typeface="Cambria Math" panose="02040503050406030204" pitchFamily="18" charset="0"/>
-                      </a:rPr>
-                      <m:t>0.874</m:t>
-                    </m:r>
-                    <m:r>
-                      <a:rPr lang="en-US" sz="2400" i="1" dirty="0">
-                        <a:solidFill>
-                          <a:schemeClr val="bg1"/>
-                        </a:solidFill>
-                        <a:latin typeface="Cambria Math" panose="02040503050406030204" pitchFamily="18" charset="0"/>
-                      </a:rPr>
-                      <m:t> </m:t>
-                    </m:r>
-                    <m:r>
-                      <a:rPr lang="en-US" sz="2400" i="1" dirty="0">
-                        <a:solidFill>
-                          <a:schemeClr val="bg1"/>
-                        </a:solidFill>
-                        <a:latin typeface="Cambria Math" panose="02040503050406030204" pitchFamily="18" charset="0"/>
-                      </a:rPr>
-                      <m:t>𝑅𝑢𝑛𝑠</m:t>
-                    </m:r>
-                    <m:r>
-                      <a:rPr lang="en-US" sz="2400" i="1" dirty="0">
-                        <a:solidFill>
-                          <a:schemeClr val="bg1"/>
-                        </a:solidFill>
-                        <a:latin typeface="Cambria Math" panose="02040503050406030204" pitchFamily="18" charset="0"/>
-                      </a:rPr>
-                      <m:t> </m:t>
-                    </m:r>
-                    <m:r>
-                      <a:rPr lang="en-US" sz="2400" i="1" dirty="0">
-                        <a:solidFill>
-                          <a:schemeClr val="bg1"/>
-                        </a:solidFill>
-                        <a:latin typeface="Cambria Math" panose="02040503050406030204" pitchFamily="18" charset="0"/>
-                      </a:rPr>
-                      <m:t>𝑃𝑒𝑟</m:t>
-                    </m:r>
-                    <m:r>
-                      <a:rPr lang="en-US" sz="2400" b="0" i="1" dirty="0" smtClean="0">
-                        <a:solidFill>
-                          <a:schemeClr val="bg1"/>
-                        </a:solidFill>
-                        <a:latin typeface="Cambria Math" panose="02040503050406030204" pitchFamily="18" charset="0"/>
-                      </a:rPr>
-                      <m:t> </m:t>
-                    </m:r>
-                    <m:r>
-                      <a:rPr lang="en-US" sz="2400" b="0" i="1" dirty="0" smtClean="0">
-                        <a:solidFill>
-                          <a:schemeClr val="bg1"/>
-                        </a:solidFill>
-                        <a:latin typeface="Cambria Math" panose="02040503050406030204" pitchFamily="18" charset="0"/>
-                      </a:rPr>
-                      <m:t>𝐻𝑜𝑚𝑒</m:t>
-                    </m:r>
-                    <m:r>
-                      <a:rPr lang="en-US" sz="2400" b="0" i="1" dirty="0" smtClean="0">
-                        <a:solidFill>
-                          <a:schemeClr val="bg1"/>
-                        </a:solidFill>
-                        <a:latin typeface="Cambria Math" panose="02040503050406030204" pitchFamily="18" charset="0"/>
-                      </a:rPr>
-                      <m:t> </m:t>
-                    </m:r>
-                    <m:r>
-                      <a:rPr lang="en-US" sz="2400" b="0" i="1" dirty="0" smtClean="0">
-                        <a:solidFill>
-                          <a:schemeClr val="bg1"/>
-                        </a:solidFill>
-                        <a:latin typeface="Cambria Math" panose="02040503050406030204" pitchFamily="18" charset="0"/>
-                      </a:rPr>
-                      <m:t>𝑅𝑢𝑛</m:t>
-                    </m:r>
-                    <m:r>
-                      <a:rPr lang="en-US" sz="2400" i="1" dirty="0">
-                        <a:solidFill>
-                          <a:schemeClr val="bg1"/>
-                        </a:solidFill>
-                        <a:latin typeface="Cambria Math" panose="02040503050406030204" pitchFamily="18" charset="0"/>
-                      </a:rPr>
-                      <m:t> </m:t>
-                    </m:r>
-                    <m:r>
-                      <a:rPr lang="en-US" sz="2400" i="1" dirty="0">
-                        <a:solidFill>
-                          <a:schemeClr val="bg1"/>
-                        </a:solidFill>
-                        <a:latin typeface="Cambria Math" panose="02040503050406030204" pitchFamily="18" charset="0"/>
-                      </a:rPr>
-                      <m:t>𝐵𝑎𝑡𝑡𝑒𝑟</m:t>
-                    </m:r>
-                  </m:oMath>
-                </a14:m>
-                <a:endParaRPr lang="en-US" sz="2000" dirty="0">
-                  <a:solidFill>
-                    <a:schemeClr val="bg1"/>
-                  </a:solidFill>
-                  <a:latin typeface="Selawik Semibold" panose="020B0702040204020203" pitchFamily="34" charset="0"/>
-                </a:endParaRPr>
-              </a:p>
-              <a:p>
-                <a:pPr marL="800100" lvl="1" indent="-342900">
-                  <a:buFont typeface="Arial" panose="020B0604020202020204" pitchFamily="34" charset="0"/>
-                  <a:buChar char="•"/>
-                </a:pPr>
-                <a:r>
-                  <a:rPr lang="en-US" sz="2000" dirty="0">
-                    <a:solidFill>
-                      <a:schemeClr val="bg1"/>
-                    </a:solidFill>
-                    <a:latin typeface="Selawik Semibold" panose="020B0702040204020203" pitchFamily="34" charset="0"/>
-                  </a:rPr>
-                  <a:t>Fact 2b: </a:t>
-                </a:r>
-                <a14:m>
-                  <m:oMath xmlns:m="http://schemas.openxmlformats.org/officeDocument/2006/math">
-                    <m:r>
-                      <a:rPr lang="en-US" sz="2400" b="0" i="1" dirty="0" smtClean="0">
-                        <a:solidFill>
-                          <a:schemeClr val="bg1"/>
-                        </a:solidFill>
-                        <a:latin typeface="Cambria Math" panose="02040503050406030204" pitchFamily="18" charset="0"/>
-                      </a:rPr>
-                      <m:t>0.631 </m:t>
-                    </m:r>
-                    <m:r>
-                      <a:rPr lang="en-US" sz="2400" i="1" dirty="0">
-                        <a:solidFill>
-                          <a:schemeClr val="bg1"/>
-                        </a:solidFill>
-                        <a:latin typeface="Cambria Math" panose="02040503050406030204" pitchFamily="18" charset="0"/>
-                      </a:rPr>
-                      <m:t>𝑅𝑢𝑛𝑠</m:t>
-                    </m:r>
-                    <m:r>
-                      <a:rPr lang="en-US" sz="2400" i="1" dirty="0">
-                        <a:solidFill>
-                          <a:schemeClr val="bg1"/>
-                        </a:solidFill>
-                        <a:latin typeface="Cambria Math" panose="02040503050406030204" pitchFamily="18" charset="0"/>
-                      </a:rPr>
-                      <m:t> </m:t>
-                    </m:r>
-                    <m:r>
-                      <a:rPr lang="en-US" sz="2400" i="1" dirty="0">
-                        <a:solidFill>
-                          <a:schemeClr val="bg1"/>
-                        </a:solidFill>
-                        <a:latin typeface="Cambria Math" panose="02040503050406030204" pitchFamily="18" charset="0"/>
-                      </a:rPr>
-                      <m:t>𝑃𝑒𝑟</m:t>
-                    </m:r>
-                    <m:r>
-                      <a:rPr lang="en-US" sz="2400" i="1" dirty="0">
-                        <a:solidFill>
-                          <a:schemeClr val="bg1"/>
-                        </a:solidFill>
-                        <a:latin typeface="Cambria Math" panose="02040503050406030204" pitchFamily="18" charset="0"/>
-                      </a:rPr>
-                      <m:t> </m:t>
-                    </m:r>
-                    <m:r>
-                      <a:rPr lang="en-US" sz="2400" i="1" dirty="0">
-                        <a:solidFill>
-                          <a:schemeClr val="bg1"/>
-                        </a:solidFill>
-                        <a:latin typeface="Cambria Math" panose="02040503050406030204" pitchFamily="18" charset="0"/>
-                      </a:rPr>
-                      <m:t>𝐵𝑎𝑠𝑒</m:t>
-                    </m:r>
-                    <m:r>
-                      <a:rPr lang="en-US" sz="2400" i="1" dirty="0">
-                        <a:solidFill>
-                          <a:schemeClr val="bg1"/>
-                        </a:solidFill>
-                        <a:latin typeface="Cambria Math" panose="02040503050406030204" pitchFamily="18" charset="0"/>
-                      </a:rPr>
-                      <m:t> </m:t>
-                    </m:r>
-                    <m:r>
-                      <a:rPr lang="en-US" sz="2400" i="1" dirty="0">
-                        <a:solidFill>
-                          <a:schemeClr val="bg1"/>
-                        </a:solidFill>
-                        <a:latin typeface="Cambria Math" panose="02040503050406030204" pitchFamily="18" charset="0"/>
-                      </a:rPr>
-                      <m:t>𝑅𝑢𝑛𝑛𝑒𝑟</m:t>
-                    </m:r>
-                    <m:r>
-                      <a:rPr lang="en-US" sz="2400" b="0" i="0" dirty="0" smtClean="0">
-                        <a:solidFill>
-                          <a:schemeClr val="bg1"/>
-                        </a:solidFill>
-                        <a:latin typeface="Cambria Math" panose="02040503050406030204" pitchFamily="18" charset="0"/>
-                      </a:rPr>
-                      <m:t> </m:t>
-                    </m:r>
-                    <m:r>
-                      <a:rPr lang="en-US" sz="2400" b="0" i="1" dirty="0" smtClean="0">
-                        <a:solidFill>
-                          <a:schemeClr val="bg1"/>
-                        </a:solidFill>
-                        <a:latin typeface="Cambria Math" panose="02040503050406030204" pitchFamily="18" charset="0"/>
-                      </a:rPr>
-                      <m:t>𝑖𝑛</m:t>
-                    </m:r>
-                    <m:r>
-                      <a:rPr lang="en-US" sz="2400" b="0" i="1" dirty="0" smtClean="0">
-                        <a:solidFill>
-                          <a:schemeClr val="bg1"/>
-                        </a:solidFill>
-                        <a:latin typeface="Cambria Math" panose="02040503050406030204" pitchFamily="18" charset="0"/>
-                      </a:rPr>
-                      <m:t> </m:t>
-                    </m:r>
-                    <m:r>
-                      <a:rPr lang="en-US" sz="2400" b="0" i="1" dirty="0" smtClean="0">
-                        <a:solidFill>
-                          <a:schemeClr val="bg1"/>
-                        </a:solidFill>
-                        <a:latin typeface="Cambria Math" panose="02040503050406030204" pitchFamily="18" charset="0"/>
-                      </a:rPr>
-                      <m:t>𝑎</m:t>
-                    </m:r>
-                    <m:r>
-                      <a:rPr lang="en-US" sz="2400" b="0" i="1" dirty="0" smtClean="0">
-                        <a:solidFill>
-                          <a:schemeClr val="bg1"/>
-                        </a:solidFill>
-                        <a:latin typeface="Cambria Math" panose="02040503050406030204" pitchFamily="18" charset="0"/>
-                      </a:rPr>
-                      <m:t> </m:t>
-                    </m:r>
-                    <m:r>
-                      <a:rPr lang="en-US" sz="2400" b="0" i="1" dirty="0" smtClean="0">
-                        <a:solidFill>
-                          <a:schemeClr val="bg1"/>
-                        </a:solidFill>
-                        <a:latin typeface="Cambria Math" panose="02040503050406030204" pitchFamily="18" charset="0"/>
-                      </a:rPr>
-                      <m:t>𝐻𝑜𝑚𝑒</m:t>
-                    </m:r>
-                    <m:r>
-                      <a:rPr lang="en-US" sz="2400" b="0" i="1" dirty="0" smtClean="0">
-                        <a:solidFill>
-                          <a:schemeClr val="bg1"/>
-                        </a:solidFill>
-                        <a:latin typeface="Cambria Math" panose="02040503050406030204" pitchFamily="18" charset="0"/>
-                      </a:rPr>
-                      <m:t> </m:t>
-                    </m:r>
-                    <m:r>
-                      <a:rPr lang="en-US" sz="2400" b="0" i="1" dirty="0" smtClean="0">
-                        <a:solidFill>
-                          <a:schemeClr val="bg1"/>
-                        </a:solidFill>
-                        <a:latin typeface="Cambria Math" panose="02040503050406030204" pitchFamily="18" charset="0"/>
-                      </a:rPr>
-                      <m:t>𝑅𝑢𝑛</m:t>
-                    </m:r>
-                  </m:oMath>
-                </a14:m>
-                <a:endParaRPr lang="en-US" sz="2400" i="1" dirty="0">
-                  <a:solidFill>
-                    <a:schemeClr val="bg1"/>
-                  </a:solidFill>
-                  <a:latin typeface="Selawik Semibold" panose="020B0702040204020203" pitchFamily="34" charset="0"/>
-                </a:endParaRPr>
-              </a:p>
-              <a:p>
-                <a:pPr marL="800100" lvl="1" indent="-342900">
-                  <a:buFont typeface="Arial" panose="020B0604020202020204" pitchFamily="34" charset="0"/>
-                  <a:buChar char="•"/>
-                </a:pPr>
-                <a:endParaRPr lang="en-US" sz="2400" i="1" dirty="0">
-                  <a:solidFill>
-                    <a:schemeClr val="bg1"/>
-                  </a:solidFill>
-                  <a:latin typeface="Selawik Semibold" panose="020B0702040204020203" pitchFamily="34" charset="0"/>
-                </a:endParaRPr>
-              </a:p>
-              <a:p>
-                <a:pPr marL="800100" lvl="1" indent="-342900">
-                  <a:buFont typeface="Arial" panose="020B0604020202020204" pitchFamily="34" charset="0"/>
-                  <a:buChar char="•"/>
-                </a:pPr>
-                <a:r>
-                  <a:rPr lang="en-US" sz="2000" dirty="0">
-                    <a:solidFill>
-                      <a:schemeClr val="bg1"/>
-                    </a:solidFill>
-                    <a:latin typeface="Selawik Semibold" panose="020B0702040204020203" pitchFamily="34" charset="0"/>
-                  </a:rPr>
-                  <a:t>Therefore,</a:t>
-                </a:r>
-              </a:p>
-            </p:txBody>
-          </p:sp>
-        </mc:Choice>
-        <mc:Fallback xmlns="">
-          <p:sp>
-            <p:nvSpPr>
-              <p:cNvPr id="10" name="TextBox 9">
-                <a:extLst>
-                  <a:ext uri="{FF2B5EF4-FFF2-40B4-BE49-F238E27FC236}">
-                    <a16:creationId xmlns:a16="http://schemas.microsoft.com/office/drawing/2014/main" id="{8A07C2CC-416F-4D29-84CF-D1F8B766EE5F}"/>
-                  </a:ext>
-                </a:extLst>
-              </p:cNvPr>
-              <p:cNvSpPr txBox="1">
-                <a:spLocks noRot="1" noChangeAspect="1" noMove="1" noResize="1" noEditPoints="1" noAdjustHandles="1" noChangeArrowheads="1" noChangeShapeType="1" noTextEdit="1"/>
-              </p:cNvSpPr>
-              <p:nvPr/>
-            </p:nvSpPr>
-            <p:spPr>
-              <a:xfrm>
-                <a:off x="3007491" y="1373566"/>
-                <a:ext cx="9027282" cy="4920514"/>
-              </a:xfrm>
-              <a:prstGeom prst="rect">
-                <a:avLst/>
-              </a:prstGeom>
-              <a:blipFill>
-                <a:blip r:embed="rId4"/>
-                <a:stretch>
-                  <a:fillRect l="-878" t="-867" b="-1363"/>
-                </a:stretch>
-              </a:blipFill>
-            </p:spPr>
-            <p:txBody>
-              <a:bodyPr/>
-              <a:lstStyle/>
-              <a:p>
-                <a:r>
-                  <a:rPr lang="en-US">
-                    <a:noFill/>
-                  </a:rPr>
-                  <a:t> </a:t>
-                </a:r>
-              </a:p>
-            </p:txBody>
-          </p:sp>
-        </mc:Fallback>
-      </mc:AlternateContent>
-      <mc:AlternateContent xmlns:mc="http://schemas.openxmlformats.org/markup-compatibility/2006" xmlns:a14="http://schemas.microsoft.com/office/drawing/2010/main">
-        <mc:Choice Requires="a14">
-          <p:sp>
-            <p:nvSpPr>
-              <p:cNvPr id="6" name="TextBox 5">
-                <a:extLst>
-                  <a:ext uri="{FF2B5EF4-FFF2-40B4-BE49-F238E27FC236}">
-                    <a16:creationId xmlns:a16="http://schemas.microsoft.com/office/drawing/2014/main" id="{3653DADC-FE2B-427C-BC4D-C418AF2D2F98}"/>
-                  </a:ext>
-                </a:extLst>
-              </p:cNvPr>
-              <p:cNvSpPr txBox="1"/>
-              <p:nvPr/>
-            </p:nvSpPr>
-            <p:spPr>
-              <a:xfrm>
-                <a:off x="3560711" y="5850991"/>
-                <a:ext cx="7920842" cy="675441"/>
-              </a:xfrm>
-              <a:prstGeom prst="rect">
-                <a:avLst/>
-              </a:prstGeom>
-              <a:noFill/>
-            </p:spPr>
-            <p:txBody>
-              <a:bodyPr wrap="square" rtlCol="0">
-                <a:spAutoFit/>
-              </a:bodyPr>
-              <a:lstStyle/>
-              <a:p>
-                <a:pPr/>
-                <a14:m>
-                  <m:oMathPara xmlns:m="http://schemas.openxmlformats.org/officeDocument/2006/math">
-                    <m:oMathParaPr>
-                      <m:jc m:val="centerGroup"/>
-                    </m:oMathParaPr>
-                    <m:oMath xmlns:m="http://schemas.openxmlformats.org/officeDocument/2006/math">
-                      <m:f>
-                        <m:fPr>
-                          <m:ctrlPr>
-                            <a:rPr lang="en-US" sz="2000" i="1" dirty="0" smtClean="0">
-                              <a:solidFill>
-                                <a:schemeClr val="bg1"/>
-                              </a:solidFill>
-                              <a:latin typeface="Cambria Math" panose="02040503050406030204" pitchFamily="18" charset="0"/>
-                            </a:rPr>
-                          </m:ctrlPr>
-                        </m:fPr>
-                        <m:num>
-                          <m:r>
-                            <a:rPr lang="en-US" sz="2000" i="1" dirty="0">
-                              <a:solidFill>
-                                <a:schemeClr val="bg1"/>
-                              </a:solidFill>
-                              <a:latin typeface="Cambria Math" panose="02040503050406030204" pitchFamily="18" charset="0"/>
-                            </a:rPr>
-                            <m:t># </m:t>
-                          </m:r>
-                          <m:r>
-                            <a:rPr lang="en-US" sz="2000" i="1" dirty="0">
-                              <a:solidFill>
-                                <a:schemeClr val="bg1"/>
-                              </a:solidFill>
-                              <a:latin typeface="Cambria Math" panose="02040503050406030204" pitchFamily="18" charset="0"/>
-                            </a:rPr>
-                            <m:t>𝑜𝑓</m:t>
-                          </m:r>
-                          <m:r>
-                            <a:rPr lang="en-US" sz="2000" i="1" dirty="0">
-                              <a:solidFill>
-                                <a:schemeClr val="bg1"/>
-                              </a:solidFill>
-                              <a:latin typeface="Cambria Math" panose="02040503050406030204" pitchFamily="18" charset="0"/>
-                            </a:rPr>
-                            <m:t> </m:t>
-                          </m:r>
-                          <m:r>
-                            <a:rPr lang="en-US" sz="2000" i="1" dirty="0">
-                              <a:solidFill>
-                                <a:schemeClr val="bg1"/>
-                              </a:solidFill>
-                              <a:latin typeface="Cambria Math" panose="02040503050406030204" pitchFamily="18" charset="0"/>
-                            </a:rPr>
-                            <m:t>𝑅𝑢𝑛𝑠</m:t>
-                          </m:r>
-                        </m:num>
-                        <m:den>
-                          <m:r>
-                            <a:rPr lang="en-US" sz="2000" i="1" dirty="0">
-                              <a:solidFill>
-                                <a:schemeClr val="bg1"/>
-                              </a:solidFill>
-                              <a:latin typeface="Cambria Math" panose="02040503050406030204" pitchFamily="18" charset="0"/>
-                            </a:rPr>
-                            <m:t>𝐻𝑅</m:t>
-                          </m:r>
-                        </m:den>
-                      </m:f>
-                      <m:r>
-                        <a:rPr lang="en-US" sz="2000" b="0" i="1" dirty="0" smtClean="0">
-                          <a:solidFill>
-                            <a:schemeClr val="bg1"/>
-                          </a:solidFill>
-                          <a:latin typeface="Cambria Math" panose="02040503050406030204" pitchFamily="18" charset="0"/>
-                        </a:rPr>
-                        <m:t>=0.874+0.631=1.505 </m:t>
-                      </m:r>
-                      <m:r>
-                        <a:rPr lang="en-US" sz="2000" b="0" i="1" dirty="0" smtClean="0">
-                          <a:solidFill>
-                            <a:schemeClr val="bg1"/>
-                          </a:solidFill>
-                          <a:latin typeface="Cambria Math" panose="02040503050406030204" pitchFamily="18" charset="0"/>
-                        </a:rPr>
-                        <m:t>𝑅𝑢𝑛𝑠</m:t>
-                      </m:r>
-                    </m:oMath>
-                  </m:oMathPara>
-                </a14:m>
-                <a:endParaRPr lang="en-US" sz="2000" dirty="0">
-                  <a:solidFill>
-                    <a:schemeClr val="bg1"/>
-                  </a:solidFill>
-                </a:endParaRPr>
-              </a:p>
-            </p:txBody>
-          </p:sp>
-        </mc:Choice>
-        <mc:Fallback xmlns="">
-          <p:sp>
-            <p:nvSpPr>
-              <p:cNvPr id="6" name="TextBox 5">
-                <a:extLst>
-                  <a:ext uri="{FF2B5EF4-FFF2-40B4-BE49-F238E27FC236}">
-                    <a16:creationId xmlns:a16="http://schemas.microsoft.com/office/drawing/2014/main" id="{3653DADC-FE2B-427C-BC4D-C418AF2D2F98}"/>
-                  </a:ext>
-                </a:extLst>
-              </p:cNvPr>
-              <p:cNvSpPr txBox="1">
-                <a:spLocks noRot="1" noChangeAspect="1" noMove="1" noResize="1" noEditPoints="1" noAdjustHandles="1" noChangeArrowheads="1" noChangeShapeType="1" noTextEdit="1"/>
-              </p:cNvSpPr>
-              <p:nvPr/>
-            </p:nvSpPr>
-            <p:spPr>
-              <a:xfrm>
-                <a:off x="3560711" y="5850991"/>
-                <a:ext cx="7920842" cy="675441"/>
-              </a:xfrm>
-              <a:prstGeom prst="rect">
-                <a:avLst/>
-              </a:prstGeom>
-              <a:blipFill>
-                <a:blip r:embed="rId5"/>
-                <a:stretch>
-                  <a:fillRect/>
-                </a:stretch>
-              </a:blipFill>
-            </p:spPr>
-            <p:txBody>
-              <a:bodyPr/>
-              <a:lstStyle/>
-              <a:p>
-                <a:r>
-                  <a:rPr lang="en-US">
-                    <a:noFill/>
-                  </a:rPr>
-                  <a:t> </a:t>
-                </a:r>
-              </a:p>
-            </p:txBody>
-          </p:sp>
-        </mc:Fallback>
-      </mc:AlternateContent>
-    </p:spTree>
-    <p:extLst>
-      <p:ext uri="{BB962C8B-B14F-4D97-AF65-F5344CB8AC3E}">
-        <p14:creationId xmlns:p14="http://schemas.microsoft.com/office/powerpoint/2010/main" val="3733739057"/>
-      </p:ext>
-    </p:extLst>
-  </p:cSld>
-  <p:clrMapOvr>
-    <a:masterClrMapping/>
-  </p:clrMapOvr>
-</p:sld>
-</file>
-
-<file path=ppt/slides/slide4.xml><?xml version="1.0" encoding="utf-8"?>
-<p:sld xmlns:a="http://schemas.openxmlformats.org/drawingml/2006/main" xmlns:r="http://schemas.openxmlformats.org/officeDocument/2006/relationships" xmlns:p="http://schemas.openxmlformats.org/presentationml/2006/main">
-  <p:cSld>
-    <p:bg>
-      <p:bgPr>
-        <a:solidFill>
-          <a:schemeClr val="bg1"/>
-        </a:solidFill>
-        <a:effectLst/>
-      </p:bgPr>
-    </p:bg>
-    <p:spTree>
-      <p:nvGrpSpPr>
-        <p:cNvPr id="1" name=""/>
-        <p:cNvGrpSpPr/>
-        <p:nvPr/>
-      </p:nvGrpSpPr>
-      <p:grpSpPr>
-        <a:xfrm>
-          <a:off x="0" y="0"/>
-          <a:ext cx="0" cy="0"/>
-          <a:chOff x="0" y="0"/>
-          <a:chExt cx="0" cy="0"/>
-        </a:xfrm>
-      </p:grpSpPr>
-      <p:sp>
-        <p:nvSpPr>
-          <p:cNvPr id="17" name="Rectangle 16">
-            <a:extLst>
-              <a:ext uri="{FF2B5EF4-FFF2-40B4-BE49-F238E27FC236}">
-                <a16:creationId xmlns:a16="http://schemas.microsoft.com/office/drawing/2014/main" id="{0A8FE870-A334-4DE1-84A7-AB191ED10D63}"/>
-              </a:ext>
-            </a:extLst>
-          </p:cNvPr>
-          <p:cNvSpPr/>
-          <p:nvPr/>
-        </p:nvSpPr>
-        <p:spPr>
-          <a:xfrm>
-            <a:off x="0" y="-52157"/>
-            <a:ext cx="12192000" cy="6910157"/>
-          </a:xfrm>
-          <a:prstGeom prst="rect">
-            <a:avLst/>
-          </a:prstGeom>
-          <a:solidFill>
-            <a:srgbClr val="395583"/>
-          </a:solidFill>
-        </p:spPr>
-        <p:style>
-          <a:lnRef idx="2">
-            <a:schemeClr val="accent1">
-              <a:shade val="50000"/>
-            </a:schemeClr>
-          </a:lnRef>
-          <a:fillRef idx="1">
-            <a:schemeClr val="accent1"/>
-          </a:fillRef>
-          <a:effectRef idx="0">
-            <a:schemeClr val="accent1"/>
-          </a:effectRef>
-          <a:fontRef idx="minor">
-            <a:schemeClr val="lt1"/>
-          </a:fontRef>
-        </p:style>
-        <p:txBody>
-          <a:bodyPr rtlCol="0" anchor="ctr"/>
-          <a:lstStyle/>
-          <a:p>
-            <a:pPr algn="ctr"/>
-            <a:endParaRPr lang="en-US"/>
-          </a:p>
-        </p:txBody>
-      </p:sp>
-      <p:pic>
-        <p:nvPicPr>
-          <p:cNvPr id="8" name="Picture 7" descr="A close up of a toy&#10;&#10;Description automatically generated">
-            <a:extLst>
-              <a:ext uri="{FF2B5EF4-FFF2-40B4-BE49-F238E27FC236}">
-                <a16:creationId xmlns:a16="http://schemas.microsoft.com/office/drawing/2014/main" id="{131D5527-B848-4F84-9601-62DB93565332}"/>
-              </a:ext>
-            </a:extLst>
-          </p:cNvPr>
-          <p:cNvPicPr>
-            <a:picLocks noChangeAspect="1"/>
-          </p:cNvPicPr>
-          <p:nvPr/>
-        </p:nvPicPr>
-        <p:blipFill rotWithShape="1">
-          <a:blip r:embed="rId2">
-            <a:extLst>
-              <a:ext uri="{28A0092B-C50C-407E-A947-70E740481C1C}">
-                <a14:useLocalDpi xmlns:a14="http://schemas.microsoft.com/office/drawing/2010/main" val="0"/>
-              </a:ext>
-            </a:extLst>
-          </a:blip>
-          <a:srcRect l="6238" r="10796"/>
-          <a:stretch/>
-        </p:blipFill>
-        <p:spPr>
-          <a:xfrm>
-            <a:off x="0" y="-52157"/>
-            <a:ext cx="2684015" cy="3969421"/>
-          </a:xfrm>
-          <a:prstGeom prst="rect">
-            <a:avLst/>
-          </a:prstGeom>
-        </p:spPr>
-      </p:pic>
-      <p:sp>
-        <p:nvSpPr>
-          <p:cNvPr id="33" name="Rectangle 32">
-            <a:extLst>
-              <a:ext uri="{FF2B5EF4-FFF2-40B4-BE49-F238E27FC236}">
-                <a16:creationId xmlns:a16="http://schemas.microsoft.com/office/drawing/2014/main" id="{6F93929A-DE1C-47C4-AF97-F99DB104E96F}"/>
-              </a:ext>
-            </a:extLst>
-          </p:cNvPr>
-          <p:cNvSpPr/>
-          <p:nvPr/>
-        </p:nvSpPr>
-        <p:spPr>
-          <a:xfrm rot="16200000">
-            <a:off x="782431" y="1849427"/>
-            <a:ext cx="3969421" cy="166254"/>
-          </a:xfrm>
-          <a:prstGeom prst="rect">
-            <a:avLst/>
-          </a:prstGeom>
-          <a:solidFill>
-            <a:schemeClr val="tx1"/>
-          </a:solidFill>
-          <a:ln>
-            <a:noFill/>
-          </a:ln>
-        </p:spPr>
-        <p:style>
-          <a:lnRef idx="2">
-            <a:schemeClr val="accent1">
-              <a:shade val="50000"/>
-            </a:schemeClr>
-          </a:lnRef>
-          <a:fillRef idx="1">
-            <a:schemeClr val="accent1"/>
-          </a:fillRef>
-          <a:effectRef idx="0">
-            <a:schemeClr val="accent1"/>
-          </a:effectRef>
-          <a:fontRef idx="minor">
-            <a:schemeClr val="lt1"/>
-          </a:fontRef>
-        </p:style>
-        <p:txBody>
-          <a:bodyPr rtlCol="0" anchor="ctr"/>
-          <a:lstStyle/>
-          <a:p>
-            <a:pPr algn="ctr"/>
-            <a:endParaRPr lang="en-US" dirty="0">
-              <a:solidFill>
-                <a:srgbClr val="DB5B5C"/>
-              </a:solidFill>
-            </a:endParaRPr>
-          </a:p>
-        </p:txBody>
-      </p:sp>
-      <p:sp>
-        <p:nvSpPr>
-          <p:cNvPr id="35" name="Rectangle 34">
-            <a:extLst>
-              <a:ext uri="{FF2B5EF4-FFF2-40B4-BE49-F238E27FC236}">
-                <a16:creationId xmlns:a16="http://schemas.microsoft.com/office/drawing/2014/main" id="{259A39E4-556F-4581-82A2-C6B68A8147A4}"/>
-              </a:ext>
-            </a:extLst>
-          </p:cNvPr>
-          <p:cNvSpPr/>
-          <p:nvPr/>
-        </p:nvSpPr>
-        <p:spPr>
-          <a:xfrm rot="10800000">
-            <a:off x="-2" y="3756674"/>
-            <a:ext cx="2850269" cy="3101326"/>
-          </a:xfrm>
-          <a:prstGeom prst="rect">
-            <a:avLst/>
-          </a:prstGeom>
-          <a:solidFill>
-            <a:schemeClr val="tx1"/>
-          </a:solidFill>
-          <a:ln>
-            <a:noFill/>
-          </a:ln>
-        </p:spPr>
-        <p:style>
-          <a:lnRef idx="2">
-            <a:schemeClr val="accent1">
-              <a:shade val="50000"/>
-            </a:schemeClr>
-          </a:lnRef>
-          <a:fillRef idx="1">
-            <a:schemeClr val="accent1"/>
-          </a:fillRef>
-          <a:effectRef idx="0">
-            <a:schemeClr val="accent1"/>
-          </a:effectRef>
-          <a:fontRef idx="minor">
-            <a:schemeClr val="lt1"/>
-          </a:fontRef>
-        </p:style>
-        <p:txBody>
-          <a:bodyPr rtlCol="0" anchor="ctr"/>
-          <a:lstStyle/>
-          <a:p>
-            <a:pPr algn="ctr"/>
-            <a:endParaRPr lang="en-US" dirty="0">
-              <a:solidFill>
-                <a:srgbClr val="DB5B5C"/>
-              </a:solidFill>
-            </a:endParaRPr>
-          </a:p>
-        </p:txBody>
-      </p:sp>
-      <p:sp>
-        <p:nvSpPr>
-          <p:cNvPr id="23" name="Subtitle 22">
-            <a:extLst>
-              <a:ext uri="{FF2B5EF4-FFF2-40B4-BE49-F238E27FC236}">
-                <a16:creationId xmlns:a16="http://schemas.microsoft.com/office/drawing/2014/main" id="{1E5D6413-9C6F-483D-BE52-F3BBB1E74630}"/>
-              </a:ext>
-            </a:extLst>
-          </p:cNvPr>
-          <p:cNvSpPr>
-            <a:spLocks noGrp="1"/>
-          </p:cNvSpPr>
-          <p:nvPr>
-            <p:ph type="subTitle" idx="1"/>
-          </p:nvPr>
-        </p:nvSpPr>
-        <p:spPr>
-          <a:xfrm>
-            <a:off x="3007491" y="137620"/>
-            <a:ext cx="9341732" cy="1684867"/>
-          </a:xfrm>
-        </p:spPr>
-        <p:txBody>
-          <a:bodyPr>
-            <a:normAutofit/>
-          </a:bodyPr>
-          <a:lstStyle/>
-          <a:p>
-            <a:pPr algn="l"/>
-            <a:r>
-              <a:rPr lang="en-US" sz="4400" dirty="0">
-                <a:solidFill>
-                  <a:schemeClr val="bg1"/>
-                </a:solidFill>
-                <a:latin typeface="Selawik Semibold" panose="020B0702040204020203" pitchFamily="34" charset="0"/>
-              </a:rPr>
-              <a:t>Linear Weights</a:t>
-            </a:r>
-          </a:p>
-        </p:txBody>
-      </p:sp>
-      <p:pic>
-        <p:nvPicPr>
-          <p:cNvPr id="16" name="Picture 15" descr="A close up of a toy&#10;&#10;Description automatically generated">
-            <a:extLst>
-              <a:ext uri="{FF2B5EF4-FFF2-40B4-BE49-F238E27FC236}">
-                <a16:creationId xmlns:a16="http://schemas.microsoft.com/office/drawing/2014/main" id="{94C75949-F15C-4E05-810D-EF40FCE89107}"/>
-              </a:ext>
-            </a:extLst>
-          </p:cNvPr>
-          <p:cNvPicPr>
-            <a:picLocks noChangeAspect="1"/>
-          </p:cNvPicPr>
-          <p:nvPr/>
-        </p:nvPicPr>
-        <p:blipFill>
-          <a:blip r:embed="rId3">
-            <a:extLst>
-              <a:ext uri="{28A0092B-C50C-407E-A947-70E740481C1C}">
-                <a14:useLocalDpi xmlns:a14="http://schemas.microsoft.com/office/drawing/2010/main" val="0"/>
-              </a:ext>
-            </a:extLst>
-          </a:blip>
-          <a:stretch>
-            <a:fillRect/>
-          </a:stretch>
-        </p:blipFill>
-        <p:spPr>
-          <a:xfrm>
-            <a:off x="417789" y="4380288"/>
-            <a:ext cx="2014687" cy="2014687"/>
-          </a:xfrm>
-          <a:prstGeom prst="ellipse">
-            <a:avLst/>
-          </a:prstGeom>
-          <a:ln w="63500" cap="rnd">
-            <a:solidFill>
-              <a:srgbClr val="333333"/>
-            </a:solidFill>
-          </a:ln>
-          <a:effectLst>
-            <a:outerShdw blurRad="381000" dist="292100" dir="5400000" sx="-80000" sy="-18000" rotWithShape="0">
-              <a:srgbClr val="000000">
-                <a:alpha val="22000"/>
-              </a:srgbClr>
-            </a:outerShdw>
-          </a:effectLst>
-          <a:scene3d>
-            <a:camera prst="orthographicFront"/>
-            <a:lightRig rig="contrasting" dir="t">
-              <a:rot lat="0" lon="0" rev="3000000"/>
-            </a:lightRig>
-          </a:scene3d>
-          <a:sp3d contourW="7620">
-            <a:bevelT w="95250" h="31750"/>
-            <a:contourClr>
-              <a:srgbClr val="333333"/>
-            </a:contourClr>
-          </a:sp3d>
-        </p:spPr>
-      </p:pic>
-      <p:sp>
-        <p:nvSpPr>
-          <p:cNvPr id="38" name="Rectangle 37">
-            <a:extLst>
-              <a:ext uri="{FF2B5EF4-FFF2-40B4-BE49-F238E27FC236}">
-                <a16:creationId xmlns:a16="http://schemas.microsoft.com/office/drawing/2014/main" id="{28B1909D-4141-4FB1-8633-83F335349C97}"/>
-              </a:ext>
-            </a:extLst>
-          </p:cNvPr>
-          <p:cNvSpPr/>
-          <p:nvPr/>
-        </p:nvSpPr>
-        <p:spPr>
-          <a:xfrm rot="10800000">
-            <a:off x="3007493" y="844062"/>
-            <a:ext cx="9027282" cy="137067"/>
-          </a:xfrm>
-          <a:prstGeom prst="rect">
-            <a:avLst/>
-          </a:prstGeom>
-          <a:solidFill>
-            <a:schemeClr val="tx1"/>
-          </a:solidFill>
-          <a:ln>
-            <a:noFill/>
-          </a:ln>
-        </p:spPr>
-        <p:style>
-          <a:lnRef idx="2">
-            <a:schemeClr val="accent1">
-              <a:shade val="50000"/>
-            </a:schemeClr>
-          </a:lnRef>
-          <a:fillRef idx="1">
-            <a:schemeClr val="accent1"/>
-          </a:fillRef>
-          <a:effectRef idx="0">
-            <a:schemeClr val="accent1"/>
-          </a:effectRef>
-          <a:fontRef idx="minor">
-            <a:schemeClr val="lt1"/>
-          </a:fontRef>
-        </p:style>
-        <p:txBody>
-          <a:bodyPr rtlCol="0" anchor="ctr"/>
-          <a:lstStyle/>
-          <a:p>
-            <a:pPr algn="ctr"/>
-            <a:endParaRPr lang="en-US" dirty="0">
-              <a:solidFill>
-                <a:srgbClr val="DB5B5C"/>
-              </a:solidFill>
-            </a:endParaRPr>
-          </a:p>
-        </p:txBody>
-      </p:sp>
       <p:sp>
         <p:nvSpPr>
           <p:cNvPr id="10" name="TextBox 9">
@@ -12918,7 +10438,7 @@
           <p:nvPr>
             <p:extLst>
               <p:ext uri="{D42A27DB-BD31-4B8C-83A1-F6EECF244321}">
-                <p14:modId xmlns:p14="http://schemas.microsoft.com/office/powerpoint/2010/main" val="4272045479"/>
+                <p14:modId xmlns:p14="http://schemas.microsoft.com/office/powerpoint/2010/main" val="804421442"/>
               </p:ext>
             </p:extLst>
           </p:nvPr>
@@ -13007,7 +10527,7 @@
                       <a:pPr algn="ctr"/>
                       <a:r>
                         <a:rPr lang="en-US" sz="2800" dirty="0"/>
-                        <a:t>-563.03</a:t>
+                        <a:t>-411.81</a:t>
                       </a:r>
                     </a:p>
                   </a:txBody>
@@ -13042,7 +10562,7 @@
                       <a:pPr algn="ctr"/>
                       <a:r>
                         <a:rPr lang="en-US" sz="2800" dirty="0"/>
-                        <a:t>0.63</a:t>
+                        <a:t>0.46</a:t>
                       </a:r>
                     </a:p>
                   </a:txBody>
@@ -13077,7 +10597,7 @@
                       <a:pPr algn="ctr"/>
                       <a:r>
                         <a:rPr lang="en-US" sz="2800" dirty="0"/>
-                        <a:t>0.72</a:t>
+                        <a:t>0.81</a:t>
                       </a:r>
                     </a:p>
                   </a:txBody>
@@ -13112,7 +10632,7 @@
                       <a:pPr algn="ctr"/>
                       <a:r>
                         <a:rPr lang="en-US" sz="2800" dirty="0"/>
-                        <a:t>1.24</a:t>
+                        <a:t>1.07</a:t>
                       </a:r>
                     </a:p>
                   </a:txBody>
@@ -13147,7 +10667,7 @@
                       <a:pPr algn="ctr"/>
                       <a:r>
                         <a:rPr lang="en-US" sz="2800" dirty="0"/>
-                        <a:t>1.5</a:t>
+                        <a:t>1.43</a:t>
                       </a:r>
                     </a:p>
                   </a:txBody>
@@ -13182,7 +10702,7 @@
                       <a:pPr algn="ctr"/>
                       <a:r>
                         <a:rPr lang="en-US" sz="2800" dirty="0"/>
-                        <a:t>0.35</a:t>
+                        <a:t>0.33</a:t>
                       </a:r>
                     </a:p>
                   </a:txBody>
@@ -13217,7 +10737,7 @@
                       <a:pPr algn="ctr"/>
                       <a:r>
                         <a:rPr lang="en-US" sz="2800" dirty="0"/>
-                        <a:t>0.06</a:t>
+                        <a:t>0.25</a:t>
                       </a:r>
                     </a:p>
                   </a:txBody>
@@ -13252,7 +10772,7 @@
                       <a:pPr algn="ctr"/>
                       <a:r>
                         <a:rPr lang="en-US" sz="2800" dirty="0"/>
-                        <a:t>0.02</a:t>
+                        <a:t>-0.25</a:t>
                       </a:r>
                     </a:p>
                   </a:txBody>
@@ -13282,8 +10802,8 @@
         </p:nvSpPr>
         <p:spPr>
           <a:xfrm>
-            <a:off x="5545777" y="5639253"/>
-            <a:ext cx="1425039" cy="1081127"/>
+            <a:off x="5568634" y="5670518"/>
+            <a:ext cx="1425039" cy="542518"/>
           </a:xfrm>
           <a:prstGeom prst="ellipse">
             <a:avLst/>
@@ -13393,9 +10913,9 @@
           <p:nvPr/>
         </p:nvCxnSpPr>
         <p:spPr>
-          <a:xfrm>
-            <a:off x="6970817" y="6177862"/>
-            <a:ext cx="1482430" cy="0"/>
+          <a:xfrm flipV="1">
+            <a:off x="6970816" y="6177862"/>
+            <a:ext cx="1482431" cy="217113"/>
           </a:xfrm>
           <a:prstGeom prst="straightConnector1">
             <a:avLst/>
@@ -13551,7 +11071,7 @@
                           </a:solidFill>
                           <a:latin typeface="Cambria Math" panose="02040503050406030204" pitchFamily="18" charset="0"/>
                         </a:rPr>
-                        <m:t>=0.91</m:t>
+                        <m:t>=0.90</m:t>
                       </m:r>
                     </m:oMath>
                   </m:oMathPara>
@@ -13629,7 +11149,7 @@
                           </a:solidFill>
                           <a:latin typeface="Cambria Math" panose="02040503050406030204" pitchFamily="18" charset="0"/>
                         </a:rPr>
-                        <m:t>=0.91</m:t>
+                        <m:t>=0.90</m:t>
                       </m:r>
                     </m:oMath>
                   </m:oMathPara>
@@ -13688,6 +11208,160 @@
           </p:sp>
         </mc:Fallback>
       </mc:AlternateContent>
+      <p:sp>
+        <p:nvSpPr>
+          <p:cNvPr id="4" name="Oval 3">
+            <a:extLst>
+              <a:ext uri="{FF2B5EF4-FFF2-40B4-BE49-F238E27FC236}">
+                <a16:creationId xmlns:a16="http://schemas.microsoft.com/office/drawing/2014/main" id="{E60ADE21-056F-E571-7DFF-7E29688AE19B}"/>
+              </a:ext>
+            </a:extLst>
+          </p:cNvPr>
+          <p:cNvSpPr/>
+          <p:nvPr/>
+        </p:nvSpPr>
+        <p:spPr>
+          <a:xfrm>
+            <a:off x="5559714" y="6216639"/>
+            <a:ext cx="1425039" cy="542518"/>
+          </a:xfrm>
+          <a:prstGeom prst="ellipse">
+            <a:avLst/>
+          </a:prstGeom>
+          <a:noFill/>
+          <a:ln w="38100">
+            <a:solidFill>
+              <a:schemeClr val="tx1">
+                <a:lumMod val="95000"/>
+                <a:lumOff val="5000"/>
+              </a:schemeClr>
+            </a:solidFill>
+          </a:ln>
+        </p:spPr>
+        <p:style>
+          <a:lnRef idx="2">
+            <a:schemeClr val="accent1">
+              <a:shade val="50000"/>
+            </a:schemeClr>
+          </a:lnRef>
+          <a:fillRef idx="1">
+            <a:schemeClr val="accent1"/>
+          </a:fillRef>
+          <a:effectRef idx="0">
+            <a:schemeClr val="accent1"/>
+          </a:effectRef>
+          <a:fontRef idx="minor">
+            <a:schemeClr val="lt1"/>
+          </a:fontRef>
+        </p:style>
+        <p:txBody>
+          <a:bodyPr rtlCol="0" anchor="ctr"/>
+          <a:lstStyle/>
+          <a:p>
+            <a:pPr algn="ctr"/>
+            <a:endParaRPr lang="en-US"/>
+          </a:p>
+        </p:txBody>
+      </p:sp>
+      <p:cxnSp>
+        <p:nvCxnSpPr>
+          <p:cNvPr id="6" name="Straight Arrow Connector 5">
+            <a:extLst>
+              <a:ext uri="{FF2B5EF4-FFF2-40B4-BE49-F238E27FC236}">
+                <a16:creationId xmlns:a16="http://schemas.microsoft.com/office/drawing/2014/main" id="{E9C72604-5B5E-D121-92CC-E7E87AFC00B6}"/>
+              </a:ext>
+            </a:extLst>
+          </p:cNvPr>
+          <p:cNvCxnSpPr>
+            <a:cxnSpLocks/>
+          </p:cNvCxnSpPr>
+          <p:nvPr/>
+        </p:nvCxnSpPr>
+        <p:spPr>
+          <a:xfrm flipV="1">
+            <a:off x="6937423" y="4956550"/>
+            <a:ext cx="1515824" cy="859084"/>
+          </a:xfrm>
+          <a:prstGeom prst="straightConnector1">
+            <a:avLst/>
+          </a:prstGeom>
+          <a:ln w="38100">
+            <a:solidFill>
+              <a:schemeClr val="tx1"/>
+            </a:solidFill>
+            <a:tailEnd type="triangle"/>
+          </a:ln>
+        </p:spPr>
+        <p:style>
+          <a:lnRef idx="1">
+            <a:schemeClr val="accent1"/>
+          </a:lnRef>
+          <a:fillRef idx="0">
+            <a:schemeClr val="accent1"/>
+          </a:fillRef>
+          <a:effectRef idx="0">
+            <a:schemeClr val="accent1"/>
+          </a:effectRef>
+          <a:fontRef idx="minor">
+            <a:schemeClr val="tx1"/>
+          </a:fontRef>
+        </p:style>
+      </p:cxnSp>
+      <p:sp>
+        <p:nvSpPr>
+          <p:cNvPr id="9" name="TextBox 8">
+            <a:extLst>
+              <a:ext uri="{FF2B5EF4-FFF2-40B4-BE49-F238E27FC236}">
+                <a16:creationId xmlns:a16="http://schemas.microsoft.com/office/drawing/2014/main" id="{9375235F-A3C1-0DD2-4603-CDCDDAA84CDF}"/>
+              </a:ext>
+            </a:extLst>
+          </p:cNvPr>
+          <p:cNvSpPr txBox="1"/>
+          <p:nvPr/>
+        </p:nvSpPr>
+        <p:spPr>
+          <a:xfrm>
+            <a:off x="8610470" y="4097766"/>
+            <a:ext cx="2850270" cy="1077218"/>
+          </a:xfrm>
+          <a:prstGeom prst="rect">
+            <a:avLst/>
+          </a:prstGeom>
+        </p:spPr>
+        <p:style>
+          <a:lnRef idx="2">
+            <a:schemeClr val="dk1">
+              <a:shade val="50000"/>
+            </a:schemeClr>
+          </a:lnRef>
+          <a:fillRef idx="1">
+            <a:schemeClr val="dk1"/>
+          </a:fillRef>
+          <a:effectRef idx="0">
+            <a:schemeClr val="dk1"/>
+          </a:effectRef>
+          <a:fontRef idx="minor">
+            <a:schemeClr val="lt1"/>
+          </a:fontRef>
+        </p:style>
+        <p:txBody>
+          <a:bodyPr wrap="square" rtlCol="0">
+            <a:spAutoFit/>
+          </a:bodyPr>
+          <a:lstStyle/>
+          <a:p>
+            <a:pPr algn="ctr"/>
+            <a:r>
+              <a:rPr lang="en-US" sz="3200" dirty="0">
+                <a:solidFill>
+                  <a:schemeClr val="bg1"/>
+                </a:solidFill>
+              </a:rPr>
+              <a:t>Used to Be Insignificant</a:t>
+            </a:r>
+          </a:p>
+        </p:txBody>
+      </p:sp>
     </p:spTree>
     <p:extLst>
       <p:ext uri="{BB962C8B-B14F-4D97-AF65-F5344CB8AC3E}">
@@ -13701,7 +11375,7 @@
 </p:sld>
 </file>
 
-<file path=ppt/slides/slide5.xml><?xml version="1.0" encoding="utf-8"?>
+<file path=ppt/slides/slide4.xml><?xml version="1.0" encoding="utf-8"?>
 <p:sld xmlns:a="http://schemas.openxmlformats.org/drawingml/2006/main" xmlns:r="http://schemas.openxmlformats.org/officeDocument/2006/relationships" xmlns:p="http://schemas.openxmlformats.org/presentationml/2006/main">
   <p:cSld>
     <p:bg>
@@ -14155,10 +11829,10 @@
       </p:sp>
       <p:pic>
         <p:nvPicPr>
-          <p:cNvPr id="3" name="Picture 2">
-            <a:extLst>
-              <a:ext uri="{FF2B5EF4-FFF2-40B4-BE49-F238E27FC236}">
-                <a16:creationId xmlns:a16="http://schemas.microsoft.com/office/drawing/2014/main" id="{21CE00C4-41D2-47C2-BC61-084431B6259F}"/>
+          <p:cNvPr id="7" name="Picture 6">
+            <a:extLst>
+              <a:ext uri="{FF2B5EF4-FFF2-40B4-BE49-F238E27FC236}">
+                <a16:creationId xmlns:a16="http://schemas.microsoft.com/office/drawing/2014/main" id="{CF7772EB-E92D-30C6-800E-3A38B787D3CE}"/>
               </a:ext>
             </a:extLst>
           </p:cNvPr>
@@ -14175,8 +11849,8 @@
         </p:blipFill>
         <p:spPr>
           <a:xfrm>
-            <a:off x="2934944" y="2028623"/>
-            <a:ext cx="9099831" cy="4174719"/>
+            <a:off x="3007491" y="2277877"/>
+            <a:ext cx="8876630" cy="3101326"/>
           </a:xfrm>
           <a:prstGeom prst="rect">
             <a:avLst/>
@@ -14197,8 +11871,8 @@
         </p:nvSpPr>
         <p:spPr>
           <a:xfrm>
-            <a:off x="9037122" y="5307337"/>
-            <a:ext cx="2997653" cy="820331"/>
+            <a:off x="8604636" y="4969037"/>
+            <a:ext cx="3279485" cy="368171"/>
           </a:xfrm>
           <a:prstGeom prst="rect">
             <a:avLst/>
@@ -14247,7 +11921,7 @@
 </p:sld>
 </file>
 
-<file path=ppt/slides/slide6.xml><?xml version="1.0" encoding="utf-8"?>
+<file path=ppt/slides/slide5.xml><?xml version="1.0" encoding="utf-8"?>
 <p:sld xmlns:a="http://schemas.openxmlformats.org/drawingml/2006/main" xmlns:r="http://schemas.openxmlformats.org/officeDocument/2006/relationships" xmlns:p="http://schemas.openxmlformats.org/presentationml/2006/main">
   <p:cSld>
     <p:bg>
@@ -14854,22 +12528,13 @@
                       <m:t>𝐴𝐷</m:t>
                     </m:r>
                     <m:r>
-                      <a:rPr lang="en-US" sz="2400" i="1">
+                      <a:rPr lang="en-US" sz="2400" b="0" i="1" dirty="0" smtClean="0">
                         <a:solidFill>
                           <a:schemeClr val="bg1"/>
                         </a:solidFill>
                         <a:latin typeface="Cambria Math" panose="02040503050406030204" pitchFamily="18" charset="0"/>
                       </a:rPr>
-                      <m:t>=</m:t>
-                    </m:r>
-                    <m:r>
-                      <a:rPr lang="en-US" sz="2400" b="0" i="1" smtClean="0">
-                        <a:solidFill>
-                          <a:schemeClr val="bg1"/>
-                        </a:solidFill>
-                        <a:latin typeface="Cambria Math" panose="02040503050406030204" pitchFamily="18" charset="0"/>
-                      </a:rPr>
-                      <m:t>18.63</m:t>
+                      <m:t>=17.15</m:t>
                     </m:r>
                   </m:oMath>
                 </a14:m>
@@ -14918,7 +12583,7 @@
                         </a:solidFill>
                         <a:latin typeface="Cambria Math" panose="02040503050406030204" pitchFamily="18" charset="0"/>
                       </a:rPr>
-                      <m:t>28</m:t>
+                      <m:t>26</m:t>
                     </m:r>
                   </m:oMath>
                 </a14:m>
@@ -15006,10 +12671,10 @@
       </mc:AlternateContent>
       <p:pic>
         <p:nvPicPr>
-          <p:cNvPr id="5" name="Picture 4">
-            <a:extLst>
-              <a:ext uri="{FF2B5EF4-FFF2-40B4-BE49-F238E27FC236}">
-                <a16:creationId xmlns:a16="http://schemas.microsoft.com/office/drawing/2014/main" id="{DA21E9CB-B9F3-4972-ACC0-2C73CD4958B1}"/>
+          <p:cNvPr id="6" name="Picture 5">
+            <a:extLst>
+              <a:ext uri="{FF2B5EF4-FFF2-40B4-BE49-F238E27FC236}">
+                <a16:creationId xmlns:a16="http://schemas.microsoft.com/office/drawing/2014/main" id="{B7747A45-9F27-F97E-5741-89D64BF8FF55}"/>
               </a:ext>
             </a:extLst>
           </p:cNvPr>
@@ -15026,8 +12691,8 @@
         </p:blipFill>
         <p:spPr>
           <a:xfrm>
-            <a:off x="2986126" y="2336805"/>
-            <a:ext cx="9048649" cy="3291380"/>
+            <a:off x="2934690" y="2506039"/>
+            <a:ext cx="9172887" cy="2833177"/>
           </a:xfrm>
           <a:prstGeom prst="rect">
             <a:avLst/>
@@ -15047,7 +12712,7 @@
 </p:sld>
 </file>
 
-<file path=ppt/slides/slide7.xml><?xml version="1.0" encoding="utf-8"?>
+<file path=ppt/slides/slide6.xml><?xml version="1.0" encoding="utf-8"?>
 <p:sld xmlns:a="http://schemas.openxmlformats.org/drawingml/2006/main" xmlns:r="http://schemas.openxmlformats.org/officeDocument/2006/relationships" xmlns:p="http://schemas.openxmlformats.org/presentationml/2006/main">
   <p:cSld>
     <p:bg>
@@ -15439,7 +13104,7 @@
         </p:nvSpPr>
         <p:spPr>
           <a:xfrm>
-            <a:off x="3080082" y="1520792"/>
+            <a:off x="3080081" y="1437676"/>
             <a:ext cx="8450857" cy="738664"/>
           </a:xfrm>
           <a:prstGeom prst="rect">
@@ -15487,41 +13152,6 @@
           </a:p>
         </p:txBody>
       </p:sp>
-      <p:pic>
-        <p:nvPicPr>
-          <p:cNvPr id="2" name="Picture 1">
-            <a:extLst>
-              <a:ext uri="{FF2B5EF4-FFF2-40B4-BE49-F238E27FC236}">
-                <a16:creationId xmlns:a16="http://schemas.microsoft.com/office/drawing/2014/main" id="{E81F028E-689C-4A65-BE4E-21C733892097}"/>
-              </a:ext>
-            </a:extLst>
-          </p:cNvPr>
-          <p:cNvPicPr>
-            <a:picLocks noChangeAspect="1"/>
-          </p:cNvPicPr>
-          <p:nvPr/>
-        </p:nvPicPr>
-        <p:blipFill>
-          <a:blip r:embed="rId4"/>
-          <a:stretch>
-            <a:fillRect/>
-          </a:stretch>
-        </p:blipFill>
-        <p:spPr>
-          <a:xfrm>
-            <a:off x="3528198" y="2440736"/>
-            <a:ext cx="7985871" cy="4235984"/>
-          </a:xfrm>
-          <a:prstGeom prst="rect">
-            <a:avLst/>
-          </a:prstGeom>
-          <a:ln w="38100">
-            <a:solidFill>
-              <a:schemeClr val="tx1"/>
-            </a:solidFill>
-          </a:ln>
-        </p:spPr>
-      </p:pic>
       <p:sp>
         <p:nvSpPr>
           <p:cNvPr id="3" name="TextBox 2">
@@ -15682,6 +13312,223 @@
           </a:p>
         </p:txBody>
       </p:sp>
+      <p:pic>
+        <p:nvPicPr>
+          <p:cNvPr id="5" name="Picture 4">
+            <a:extLst>
+              <a:ext uri="{FF2B5EF4-FFF2-40B4-BE49-F238E27FC236}">
+                <a16:creationId xmlns:a16="http://schemas.microsoft.com/office/drawing/2014/main" id="{46DF9F67-967D-CDC6-B088-49342EC7601C}"/>
+              </a:ext>
+            </a:extLst>
+          </p:cNvPr>
+          <p:cNvPicPr>
+            <a:picLocks noChangeAspect="1"/>
+          </p:cNvPicPr>
+          <p:nvPr/>
+        </p:nvPicPr>
+        <p:blipFill>
+          <a:blip r:embed="rId4"/>
+          <a:stretch>
+            <a:fillRect/>
+          </a:stretch>
+        </p:blipFill>
+        <p:spPr>
+          <a:xfrm>
+            <a:off x="3290511" y="2437573"/>
+            <a:ext cx="6229350" cy="4191000"/>
+          </a:xfrm>
+          <a:prstGeom prst="rect">
+            <a:avLst/>
+          </a:prstGeom>
+        </p:spPr>
+      </p:pic>
+      <p:sp>
+        <p:nvSpPr>
+          <p:cNvPr id="6" name="TextBox 5">
+            <a:extLst>
+              <a:ext uri="{FF2B5EF4-FFF2-40B4-BE49-F238E27FC236}">
+                <a16:creationId xmlns:a16="http://schemas.microsoft.com/office/drawing/2014/main" id="{E9F69DAD-03C5-16CD-C898-229F5FF2EBB3}"/>
+              </a:ext>
+            </a:extLst>
+          </p:cNvPr>
+          <p:cNvSpPr txBox="1"/>
+          <p:nvPr/>
+        </p:nvSpPr>
+        <p:spPr>
+          <a:xfrm>
+            <a:off x="9774752" y="2940859"/>
+            <a:ext cx="1302119" cy="3539430"/>
+          </a:xfrm>
+          <a:prstGeom prst="rect">
+            <a:avLst/>
+          </a:prstGeom>
+        </p:spPr>
+        <p:style>
+          <a:lnRef idx="2">
+            <a:schemeClr val="dk1">
+              <a:shade val="50000"/>
+            </a:schemeClr>
+          </a:lnRef>
+          <a:fillRef idx="1">
+            <a:schemeClr val="dk1"/>
+          </a:fillRef>
+          <a:effectRef idx="0">
+            <a:schemeClr val="dk1"/>
+          </a:effectRef>
+          <a:fontRef idx="minor">
+            <a:schemeClr val="lt1"/>
+          </a:fontRef>
+        </p:style>
+        <p:txBody>
+          <a:bodyPr wrap="square" rtlCol="0">
+            <a:spAutoFit/>
+          </a:bodyPr>
+          <a:lstStyle/>
+          <a:p>
+            <a:pPr algn="ctr"/>
+            <a:r>
+              <a:rPr lang="en-US" sz="2800" dirty="0">
+                <a:solidFill>
+                  <a:schemeClr val="bg1"/>
+                </a:solidFill>
+              </a:rPr>
+              <a:t>0.33</a:t>
+            </a:r>
+          </a:p>
+          <a:p>
+            <a:pPr algn="ctr"/>
+            <a:r>
+              <a:rPr lang="en-US" sz="2800" dirty="0">
+                <a:solidFill>
+                  <a:schemeClr val="bg1"/>
+                </a:solidFill>
+              </a:rPr>
+              <a:t>0.46</a:t>
+            </a:r>
+          </a:p>
+          <a:p>
+            <a:pPr algn="ctr"/>
+            <a:r>
+              <a:rPr lang="en-US" sz="2800" dirty="0">
+                <a:solidFill>
+                  <a:schemeClr val="bg1"/>
+                </a:solidFill>
+              </a:rPr>
+              <a:t>0.81</a:t>
+            </a:r>
+          </a:p>
+          <a:p>
+            <a:pPr algn="ctr"/>
+            <a:r>
+              <a:rPr lang="en-US" sz="2800" dirty="0">
+                <a:solidFill>
+                  <a:schemeClr val="bg1"/>
+                </a:solidFill>
+              </a:rPr>
+              <a:t>1.06</a:t>
+            </a:r>
+          </a:p>
+          <a:p>
+            <a:pPr algn="ctr"/>
+            <a:r>
+              <a:rPr lang="en-US" sz="2800" dirty="0">
+                <a:solidFill>
+                  <a:schemeClr val="bg1"/>
+                </a:solidFill>
+              </a:rPr>
+              <a:t>1.43</a:t>
+            </a:r>
+          </a:p>
+          <a:p>
+            <a:pPr algn="ctr"/>
+            <a:r>
+              <a:rPr lang="en-US" sz="2800" dirty="0">
+                <a:solidFill>
+                  <a:schemeClr val="bg1"/>
+                </a:solidFill>
+              </a:rPr>
+              <a:t>-</a:t>
+            </a:r>
+          </a:p>
+          <a:p>
+            <a:pPr algn="ctr"/>
+            <a:r>
+              <a:rPr lang="en-US" sz="2800" dirty="0">
+                <a:solidFill>
+                  <a:schemeClr val="bg1"/>
+                </a:solidFill>
+              </a:rPr>
+              <a:t>0.20</a:t>
+            </a:r>
+          </a:p>
+          <a:p>
+            <a:pPr algn="ctr"/>
+            <a:r>
+              <a:rPr lang="en-US" sz="2800" dirty="0">
+                <a:solidFill>
+                  <a:schemeClr val="bg1"/>
+                </a:solidFill>
+              </a:rPr>
+              <a:t>-</a:t>
+            </a:r>
+          </a:p>
+        </p:txBody>
+      </p:sp>
+      <p:sp>
+        <p:nvSpPr>
+          <p:cNvPr id="7" name="TextBox 6">
+            <a:extLst>
+              <a:ext uri="{FF2B5EF4-FFF2-40B4-BE49-F238E27FC236}">
+                <a16:creationId xmlns:a16="http://schemas.microsoft.com/office/drawing/2014/main" id="{CFC0344C-6B34-5396-4BBE-D25CE91D0371}"/>
+              </a:ext>
+            </a:extLst>
+          </p:cNvPr>
+          <p:cNvSpPr txBox="1"/>
+          <p:nvPr/>
+        </p:nvSpPr>
+        <p:spPr>
+          <a:xfrm>
+            <a:off x="9778724" y="1912359"/>
+            <a:ext cx="1298147" cy="584775"/>
+          </a:xfrm>
+          <a:prstGeom prst="rect">
+            <a:avLst/>
+          </a:prstGeom>
+        </p:spPr>
+        <p:style>
+          <a:lnRef idx="2">
+            <a:schemeClr val="dk1">
+              <a:shade val="50000"/>
+            </a:schemeClr>
+          </a:lnRef>
+          <a:fillRef idx="1">
+            <a:schemeClr val="dk1"/>
+          </a:fillRef>
+          <a:effectRef idx="0">
+            <a:schemeClr val="dk1"/>
+          </a:effectRef>
+          <a:fontRef idx="minor">
+            <a:schemeClr val="lt1"/>
+          </a:fontRef>
+        </p:style>
+        <p:txBody>
+          <a:bodyPr wrap="square" rtlCol="0">
+            <a:spAutoFit/>
+          </a:bodyPr>
+          <a:lstStyle/>
+          <a:p>
+            <a:pPr algn="ctr"/>
+            <a:r>
+              <a:rPr lang="en-US" sz="3200" dirty="0">
+                <a:solidFill>
+                  <a:schemeClr val="bg1"/>
+                </a:solidFill>
+              </a:rPr>
+              <a:t>Now</a:t>
+            </a:r>
+          </a:p>
+        </p:txBody>
+      </p:sp>
     </p:spTree>
     <p:extLst>
       <p:ext uri="{BB962C8B-B14F-4D97-AF65-F5344CB8AC3E}">
@@ -15695,7 +13542,7 @@
 </p:sld>
 </file>
 
-<file path=ppt/slides/slide8.xml><?xml version="1.0" encoding="utf-8"?>
+<file path=ppt/slides/slide7.xml><?xml version="1.0" encoding="utf-8"?>
 <p:sld xmlns:a="http://schemas.openxmlformats.org/drawingml/2006/main" xmlns:r="http://schemas.openxmlformats.org/officeDocument/2006/relationships" xmlns:p="http://schemas.openxmlformats.org/presentationml/2006/main">
   <p:cSld>
     <p:bg>
@@ -16127,7 +13974,7 @@
                 </a:solidFill>
                 <a:latin typeface="Selawik Semibold" panose="020B0702040204020203" pitchFamily="34" charset="0"/>
               </a:rPr>
-              <a:t>Imagine if Team Had Only Barry Bonds (2004)</a:t>
+              <a:t>Imagine if Team Had Only Mike Trout (2016)</a:t>
             </a:r>
           </a:p>
           <a:p>
@@ -16181,7 +14028,7 @@
                 </a:solidFill>
                 <a:latin typeface="Selawik Semibold" panose="020B0702040204020203" pitchFamily="34" charset="0"/>
               </a:rPr>
-              <a:t>Bonds Hit 45 HR and Had 240.29 Outs</a:t>
+              <a:t>Trout Hit 29 HR and Had 366.118 Outs</a:t>
             </a:r>
           </a:p>
           <a:p>
@@ -16196,7 +14043,7 @@
                 </a:solidFill>
                 <a:latin typeface="Selawik Semibold" panose="020B0702040204020203" pitchFamily="34" charset="0"/>
               </a:rPr>
-              <a:t>Therefore, Bonds Hit</a:t>
+              <a:t>Therefore, Trout Hit</a:t>
             </a:r>
           </a:p>
           <a:p>
@@ -16241,7 +14088,25 @@
                 </a:solidFill>
                 <a:latin typeface="Selawik Semibold" panose="020B0702040204020203" pitchFamily="34" charset="0"/>
               </a:rPr>
-              <a:t>Scaling Up, We Expect a Team of Bonds to Hit</a:t>
+              <a:t>Scaling Up, We Expect a Team of </a:t>
+            </a:r>
+            <a:r>
+              <a:rPr lang="en-US" sz="2000" dirty="0" err="1">
+                <a:solidFill>
+                  <a:schemeClr val="bg1"/>
+                </a:solidFill>
+                <a:latin typeface="Selawik Semibold" panose="020B0702040204020203" pitchFamily="34" charset="0"/>
+              </a:rPr>
+              <a:t>Trouts</a:t>
+            </a:r>
+            <a:r>
+              <a:rPr lang="en-US" sz="2000" dirty="0">
+                <a:solidFill>
+                  <a:schemeClr val="bg1"/>
+                </a:solidFill>
+                <a:latin typeface="Selawik Semibold" panose="020B0702040204020203" pitchFamily="34" charset="0"/>
+              </a:rPr>
+              <a:t> to Hit on Average</a:t>
             </a:r>
           </a:p>
           <a:p>
@@ -16289,7 +14154,7 @@
                 </a:solidFill>
                 <a:latin typeface="Selawik Semibold" panose="020B0702040204020203" pitchFamily="34" charset="0"/>
               </a:rPr>
-              <a:t>Using Linear Weights, We Expect 3,259 Runs Per Season which Can Be Thought of 20.12 Runs Per Game</a:t>
+              <a:t>Using Linear Weights, We Expect 1,588.07 Runs Per Season which Can Be Thought of 9.80 Runs Per Game</a:t>
             </a:r>
           </a:p>
         </p:txBody>
@@ -16458,7 +14323,7 @@
             <p:spPr>
               <a:xfrm>
                 <a:off x="3827768" y="3807047"/>
-                <a:ext cx="3998210" cy="793679"/>
+                <a:ext cx="5259197" cy="786177"/>
               </a:xfrm>
               <a:prstGeom prst="rect">
                 <a:avLst/>
@@ -16496,7 +14361,7 @@
                               </a:solidFill>
                               <a:latin typeface="Cambria Math" panose="02040503050406030204" pitchFamily="18" charset="0"/>
                             </a:rPr>
-                            <m:t>45</m:t>
+                            <m:t>29</m:t>
                           </m:r>
                         </m:num>
                         <m:den>
@@ -16507,7 +14372,7 @@
                               </a:solidFill>
                               <a:latin typeface="Cambria Math" panose="02040503050406030204" pitchFamily="18" charset="0"/>
                             </a:rPr>
-                            <m:t>240.29</m:t>
+                            <m:t>366.118</m:t>
                           </m:r>
                         </m:den>
                       </m:f>
@@ -16518,7 +14383,7 @@
                           </a:solidFill>
                           <a:latin typeface="Cambria Math" panose="02040503050406030204" pitchFamily="18" charset="0"/>
                         </a:rPr>
-                        <m:t> </m:t>
+                        <m:t>=0.079 </m:t>
                       </m:r>
                       <m:r>
                         <a:rPr lang="en-US" sz="2400" b="0" i="1" smtClean="0">
@@ -16613,7 +14478,7 @@
             <p:spPr>
               <a:xfrm>
                 <a:off x="3827768" y="3807047"/>
-                <a:ext cx="3998210" cy="793679"/>
+                <a:ext cx="5259197" cy="786177"/>
               </a:xfrm>
               <a:prstGeom prst="rect">
                 <a:avLst/>
@@ -16657,7 +14522,7 @@
             <p:spPr>
               <a:xfrm>
                 <a:off x="3827768" y="5035514"/>
-                <a:ext cx="6353984" cy="793679"/>
+                <a:ext cx="6756337" cy="786177"/>
               </a:xfrm>
               <a:prstGeom prst="rect">
                 <a:avLst/>
@@ -16683,7 +14548,16 @@
                           </a:solidFill>
                           <a:latin typeface="Cambria Math" panose="02040503050406030204" pitchFamily="18" charset="0"/>
                         </a:rPr>
-                        <m:t>4329</m:t>
+                        <m:t>43</m:t>
+                      </m:r>
+                      <m:r>
+                        <a:rPr lang="en-US" sz="2400" b="0" i="1" smtClean="0">
+                          <a:solidFill>
+                            <a:schemeClr val="bg1"/>
+                          </a:solidFill>
+                          <a:latin typeface="Cambria Math" panose="02040503050406030204" pitchFamily="18" charset="0"/>
+                        </a:rPr>
+                        <m:t>29</m:t>
                       </m:r>
                       <m:r>
                         <a:rPr lang="en-US" sz="2400" i="1">
@@ -16707,24 +14581,24 @@
                         </m:fPr>
                         <m:num>
                           <m:r>
-                            <a:rPr lang="en-US" sz="2400" i="1">
+                            <a:rPr lang="en-US" sz="2400" b="0" i="1" smtClean="0">
                               <a:solidFill>
                                 <a:schemeClr val="bg1"/>
                               </a:solidFill>
                               <a:latin typeface="Cambria Math" panose="02040503050406030204" pitchFamily="18" charset="0"/>
                             </a:rPr>
-                            <m:t>45</m:t>
+                            <m:t>29</m:t>
                           </m:r>
                         </m:num>
                         <m:den>
                           <m:r>
-                            <a:rPr lang="en-US" sz="2400" i="1">
+                            <a:rPr lang="en-US" sz="2400" b="0" i="1" smtClean="0">
                               <a:solidFill>
                                 <a:schemeClr val="bg1"/>
                               </a:solidFill>
                               <a:latin typeface="Cambria Math" panose="02040503050406030204" pitchFamily="18" charset="0"/>
                             </a:rPr>
-                            <m:t>240.29</m:t>
+                            <m:t>366.118</m:t>
                           </m:r>
                         </m:den>
                       </m:f>
@@ -16735,7 +14609,7 @@
                           </a:solidFill>
                           <a:latin typeface="Cambria Math" panose="02040503050406030204" pitchFamily="18" charset="0"/>
                         </a:rPr>
-                        <m:t>=811</m:t>
+                        <m:t>=</m:t>
                       </m:r>
                       <m:r>
                         <a:rPr lang="en-US" sz="2400" b="0" i="1" smtClean="0">
@@ -16744,7 +14618,7 @@
                           </a:solidFill>
                           <a:latin typeface="Cambria Math" panose="02040503050406030204" pitchFamily="18" charset="0"/>
                         </a:rPr>
-                        <m:t> </m:t>
+                        <m:t>342.9 </m:t>
                       </m:r>
                       <m:r>
                         <a:rPr lang="en-US" sz="2400" b="0" i="1" smtClean="0">
@@ -16835,7 +14709,7 @@
             <p:spPr>
               <a:xfrm>
                 <a:off x="3827768" y="5035514"/>
-                <a:ext cx="6353984" cy="793679"/>
+                <a:ext cx="6756337" cy="786177"/>
               </a:xfrm>
               <a:prstGeom prst="rect">
                 <a:avLst/>
@@ -16875,7 +14749,7 @@
 </p:sld>
 </file>
 
-<file path=ppt/slides/slide9.xml><?xml version="1.0" encoding="utf-8"?>
+<file path=ppt/slides/slide8.xml><?xml version="1.0" encoding="utf-8"?>
 <p:sld xmlns:a="http://schemas.openxmlformats.org/drawingml/2006/main" xmlns:r="http://schemas.openxmlformats.org/officeDocument/2006/relationships" xmlns:p="http://schemas.openxmlformats.org/presentationml/2006/main">
   <p:cSld>
     <p:bg>
@@ -17331,7 +15205,7 @@
                 </a:solidFill>
                 <a:latin typeface="Selawik Semibold" panose="020B0702040204020203" pitchFamily="34" charset="0"/>
               </a:rPr>
-              <a:t>From 2000-2006, Average OBP was 33%</a:t>
+              <a:t>From 2010-2016, Average OBP was 32%</a:t>
             </a:r>
           </a:p>
           <a:p>
@@ -17836,6 +15710,1176 @@
     <p:extLst>
       <p:ext uri="{BB962C8B-B14F-4D97-AF65-F5344CB8AC3E}">
         <p14:creationId xmlns:p14="http://schemas.microsoft.com/office/powerpoint/2010/main" val="3240955365"/>
+      </p:ext>
+    </p:extLst>
+  </p:cSld>
+  <p:clrMapOvr>
+    <a:masterClrMapping/>
+  </p:clrMapOvr>
+</p:sld>
+</file>
+
+<file path=ppt/slides/slide9.xml><?xml version="1.0" encoding="utf-8"?>
+<p:sld xmlns:a="http://schemas.openxmlformats.org/drawingml/2006/main" xmlns:r="http://schemas.openxmlformats.org/officeDocument/2006/relationships" xmlns:p="http://schemas.openxmlformats.org/presentationml/2006/main">
+  <p:cSld>
+    <p:bg>
+      <p:bgPr>
+        <a:solidFill>
+          <a:schemeClr val="bg1"/>
+        </a:solidFill>
+        <a:effectLst/>
+      </p:bgPr>
+    </p:bg>
+    <p:spTree>
+      <p:nvGrpSpPr>
+        <p:cNvPr id="1" name=""/>
+        <p:cNvGrpSpPr/>
+        <p:nvPr/>
+      </p:nvGrpSpPr>
+      <p:grpSpPr>
+        <a:xfrm>
+          <a:off x="0" y="0"/>
+          <a:ext cx="0" cy="0"/>
+          <a:chOff x="0" y="0"/>
+          <a:chExt cx="0" cy="0"/>
+        </a:xfrm>
+      </p:grpSpPr>
+      <p:sp>
+        <p:nvSpPr>
+          <p:cNvPr id="17" name="Rectangle 16">
+            <a:extLst>
+              <a:ext uri="{FF2B5EF4-FFF2-40B4-BE49-F238E27FC236}">
+                <a16:creationId xmlns:a16="http://schemas.microsoft.com/office/drawing/2014/main" id="{0A8FE870-A334-4DE1-84A7-AB191ED10D63}"/>
+              </a:ext>
+            </a:extLst>
+          </p:cNvPr>
+          <p:cNvSpPr/>
+          <p:nvPr/>
+        </p:nvSpPr>
+        <p:spPr>
+          <a:xfrm>
+            <a:off x="0" y="-52157"/>
+            <a:ext cx="12192000" cy="6910157"/>
+          </a:xfrm>
+          <a:prstGeom prst="rect">
+            <a:avLst/>
+          </a:prstGeom>
+          <a:solidFill>
+            <a:srgbClr val="395583"/>
+          </a:solidFill>
+        </p:spPr>
+        <p:style>
+          <a:lnRef idx="2">
+            <a:schemeClr val="accent1">
+              <a:shade val="50000"/>
+            </a:schemeClr>
+          </a:lnRef>
+          <a:fillRef idx="1">
+            <a:schemeClr val="accent1"/>
+          </a:fillRef>
+          <a:effectRef idx="0">
+            <a:schemeClr val="accent1"/>
+          </a:effectRef>
+          <a:fontRef idx="minor">
+            <a:schemeClr val="lt1"/>
+          </a:fontRef>
+        </p:style>
+        <p:txBody>
+          <a:bodyPr rtlCol="0" anchor="ctr"/>
+          <a:lstStyle/>
+          <a:p>
+            <a:pPr algn="ctr"/>
+            <a:endParaRPr lang="en-US"/>
+          </a:p>
+        </p:txBody>
+      </p:sp>
+      <p:pic>
+        <p:nvPicPr>
+          <p:cNvPr id="8" name="Picture 7" descr="A close up of a toy&#10;&#10;Description automatically generated">
+            <a:extLst>
+              <a:ext uri="{FF2B5EF4-FFF2-40B4-BE49-F238E27FC236}">
+                <a16:creationId xmlns:a16="http://schemas.microsoft.com/office/drawing/2014/main" id="{131D5527-B848-4F84-9601-62DB93565332}"/>
+              </a:ext>
+            </a:extLst>
+          </p:cNvPr>
+          <p:cNvPicPr>
+            <a:picLocks noChangeAspect="1"/>
+          </p:cNvPicPr>
+          <p:nvPr/>
+        </p:nvPicPr>
+        <p:blipFill rotWithShape="1">
+          <a:blip r:embed="rId2">
+            <a:extLst>
+              <a:ext uri="{28A0092B-C50C-407E-A947-70E740481C1C}">
+                <a14:useLocalDpi xmlns:a14="http://schemas.microsoft.com/office/drawing/2010/main" val="0"/>
+              </a:ext>
+            </a:extLst>
+          </a:blip>
+          <a:srcRect l="6238" r="10796"/>
+          <a:stretch/>
+        </p:blipFill>
+        <p:spPr>
+          <a:xfrm>
+            <a:off x="0" y="-52157"/>
+            <a:ext cx="2684015" cy="3969421"/>
+          </a:xfrm>
+          <a:prstGeom prst="rect">
+            <a:avLst/>
+          </a:prstGeom>
+        </p:spPr>
+      </p:pic>
+      <p:sp>
+        <p:nvSpPr>
+          <p:cNvPr id="33" name="Rectangle 32">
+            <a:extLst>
+              <a:ext uri="{FF2B5EF4-FFF2-40B4-BE49-F238E27FC236}">
+                <a16:creationId xmlns:a16="http://schemas.microsoft.com/office/drawing/2014/main" id="{6F93929A-DE1C-47C4-AF97-F99DB104E96F}"/>
+              </a:ext>
+            </a:extLst>
+          </p:cNvPr>
+          <p:cNvSpPr/>
+          <p:nvPr/>
+        </p:nvSpPr>
+        <p:spPr>
+          <a:xfrm rot="16200000">
+            <a:off x="782431" y="1849427"/>
+            <a:ext cx="3969421" cy="166254"/>
+          </a:xfrm>
+          <a:prstGeom prst="rect">
+            <a:avLst/>
+          </a:prstGeom>
+          <a:solidFill>
+            <a:schemeClr val="tx1"/>
+          </a:solidFill>
+          <a:ln>
+            <a:noFill/>
+          </a:ln>
+        </p:spPr>
+        <p:style>
+          <a:lnRef idx="2">
+            <a:schemeClr val="accent1">
+              <a:shade val="50000"/>
+            </a:schemeClr>
+          </a:lnRef>
+          <a:fillRef idx="1">
+            <a:schemeClr val="accent1"/>
+          </a:fillRef>
+          <a:effectRef idx="0">
+            <a:schemeClr val="accent1"/>
+          </a:effectRef>
+          <a:fontRef idx="minor">
+            <a:schemeClr val="lt1"/>
+          </a:fontRef>
+        </p:style>
+        <p:txBody>
+          <a:bodyPr rtlCol="0" anchor="ctr"/>
+          <a:lstStyle/>
+          <a:p>
+            <a:pPr algn="ctr"/>
+            <a:endParaRPr lang="en-US" dirty="0">
+              <a:solidFill>
+                <a:srgbClr val="DB5B5C"/>
+              </a:solidFill>
+            </a:endParaRPr>
+          </a:p>
+        </p:txBody>
+      </p:sp>
+      <p:sp>
+        <p:nvSpPr>
+          <p:cNvPr id="35" name="Rectangle 34">
+            <a:extLst>
+              <a:ext uri="{FF2B5EF4-FFF2-40B4-BE49-F238E27FC236}">
+                <a16:creationId xmlns:a16="http://schemas.microsoft.com/office/drawing/2014/main" id="{259A39E4-556F-4581-82A2-C6B68A8147A4}"/>
+              </a:ext>
+            </a:extLst>
+          </p:cNvPr>
+          <p:cNvSpPr/>
+          <p:nvPr/>
+        </p:nvSpPr>
+        <p:spPr>
+          <a:xfrm rot="10800000">
+            <a:off x="-2" y="3756674"/>
+            <a:ext cx="2850269" cy="3101326"/>
+          </a:xfrm>
+          <a:prstGeom prst="rect">
+            <a:avLst/>
+          </a:prstGeom>
+          <a:solidFill>
+            <a:schemeClr val="tx1"/>
+          </a:solidFill>
+          <a:ln>
+            <a:noFill/>
+          </a:ln>
+        </p:spPr>
+        <p:style>
+          <a:lnRef idx="2">
+            <a:schemeClr val="accent1">
+              <a:shade val="50000"/>
+            </a:schemeClr>
+          </a:lnRef>
+          <a:fillRef idx="1">
+            <a:schemeClr val="accent1"/>
+          </a:fillRef>
+          <a:effectRef idx="0">
+            <a:schemeClr val="accent1"/>
+          </a:effectRef>
+          <a:fontRef idx="minor">
+            <a:schemeClr val="lt1"/>
+          </a:fontRef>
+        </p:style>
+        <p:txBody>
+          <a:bodyPr rtlCol="0" anchor="ctr"/>
+          <a:lstStyle/>
+          <a:p>
+            <a:pPr algn="ctr"/>
+            <a:endParaRPr lang="en-US" dirty="0">
+              <a:solidFill>
+                <a:srgbClr val="DB5B5C"/>
+              </a:solidFill>
+            </a:endParaRPr>
+          </a:p>
+        </p:txBody>
+      </p:sp>
+      <p:sp>
+        <p:nvSpPr>
+          <p:cNvPr id="23" name="Subtitle 22">
+            <a:extLst>
+              <a:ext uri="{FF2B5EF4-FFF2-40B4-BE49-F238E27FC236}">
+                <a16:creationId xmlns:a16="http://schemas.microsoft.com/office/drawing/2014/main" id="{1E5D6413-9C6F-483D-BE52-F3BBB1E74630}"/>
+              </a:ext>
+            </a:extLst>
+          </p:cNvPr>
+          <p:cNvSpPr>
+            <a:spLocks noGrp="1"/>
+          </p:cNvSpPr>
+          <p:nvPr>
+            <p:ph type="subTitle" idx="1"/>
+          </p:nvPr>
+        </p:nvSpPr>
+        <p:spPr>
+          <a:xfrm>
+            <a:off x="3007491" y="137620"/>
+            <a:ext cx="9341732" cy="1684867"/>
+          </a:xfrm>
+        </p:spPr>
+        <p:txBody>
+          <a:bodyPr>
+            <a:normAutofit/>
+          </a:bodyPr>
+          <a:lstStyle/>
+          <a:p>
+            <a:pPr algn="l"/>
+            <a:r>
+              <a:rPr lang="en-US" sz="4400" dirty="0">
+                <a:solidFill>
+                  <a:schemeClr val="bg1"/>
+                </a:solidFill>
+                <a:latin typeface="Selawik Semibold" panose="020B0702040204020203" pitchFamily="34" charset="0"/>
+              </a:rPr>
+              <a:t>Linear Weights</a:t>
+            </a:r>
+          </a:p>
+        </p:txBody>
+      </p:sp>
+      <p:pic>
+        <p:nvPicPr>
+          <p:cNvPr id="16" name="Picture 15" descr="A close up of a toy&#10;&#10;Description automatically generated">
+            <a:extLst>
+              <a:ext uri="{FF2B5EF4-FFF2-40B4-BE49-F238E27FC236}">
+                <a16:creationId xmlns:a16="http://schemas.microsoft.com/office/drawing/2014/main" id="{94C75949-F15C-4E05-810D-EF40FCE89107}"/>
+              </a:ext>
+            </a:extLst>
+          </p:cNvPr>
+          <p:cNvPicPr>
+            <a:picLocks noChangeAspect="1"/>
+          </p:cNvPicPr>
+          <p:nvPr/>
+        </p:nvPicPr>
+        <p:blipFill>
+          <a:blip r:embed="rId3">
+            <a:extLst>
+              <a:ext uri="{28A0092B-C50C-407E-A947-70E740481C1C}">
+                <a14:useLocalDpi xmlns:a14="http://schemas.microsoft.com/office/drawing/2010/main" val="0"/>
+              </a:ext>
+            </a:extLst>
+          </a:blip>
+          <a:stretch>
+            <a:fillRect/>
+          </a:stretch>
+        </p:blipFill>
+        <p:spPr>
+          <a:xfrm>
+            <a:off x="417789" y="4380288"/>
+            <a:ext cx="2014687" cy="2014687"/>
+          </a:xfrm>
+          <a:prstGeom prst="ellipse">
+            <a:avLst/>
+          </a:prstGeom>
+          <a:ln w="63500" cap="rnd">
+            <a:solidFill>
+              <a:srgbClr val="333333"/>
+            </a:solidFill>
+          </a:ln>
+          <a:effectLst>
+            <a:outerShdw blurRad="381000" dist="292100" dir="5400000" sx="-80000" sy="-18000" rotWithShape="0">
+              <a:srgbClr val="000000">
+                <a:alpha val="22000"/>
+              </a:srgbClr>
+            </a:outerShdw>
+          </a:effectLst>
+          <a:scene3d>
+            <a:camera prst="orthographicFront"/>
+            <a:lightRig rig="contrasting" dir="t">
+              <a:rot lat="0" lon="0" rev="3000000"/>
+            </a:lightRig>
+          </a:scene3d>
+          <a:sp3d contourW="7620">
+            <a:bevelT w="95250" h="31750"/>
+            <a:contourClr>
+              <a:srgbClr val="333333"/>
+            </a:contourClr>
+          </a:sp3d>
+        </p:spPr>
+      </p:pic>
+      <p:sp>
+        <p:nvSpPr>
+          <p:cNvPr id="38" name="Rectangle 37">
+            <a:extLst>
+              <a:ext uri="{FF2B5EF4-FFF2-40B4-BE49-F238E27FC236}">
+                <a16:creationId xmlns:a16="http://schemas.microsoft.com/office/drawing/2014/main" id="{28B1909D-4141-4FB1-8633-83F335349C97}"/>
+              </a:ext>
+            </a:extLst>
+          </p:cNvPr>
+          <p:cNvSpPr/>
+          <p:nvPr/>
+        </p:nvSpPr>
+        <p:spPr>
+          <a:xfrm rot="10800000">
+            <a:off x="3007493" y="844062"/>
+            <a:ext cx="9027282" cy="137067"/>
+          </a:xfrm>
+          <a:prstGeom prst="rect">
+            <a:avLst/>
+          </a:prstGeom>
+          <a:solidFill>
+            <a:schemeClr val="tx1"/>
+          </a:solidFill>
+          <a:ln>
+            <a:noFill/>
+          </a:ln>
+        </p:spPr>
+        <p:style>
+          <a:lnRef idx="2">
+            <a:schemeClr val="accent1">
+              <a:shade val="50000"/>
+            </a:schemeClr>
+          </a:lnRef>
+          <a:fillRef idx="1">
+            <a:schemeClr val="accent1"/>
+          </a:fillRef>
+          <a:effectRef idx="0">
+            <a:schemeClr val="accent1"/>
+          </a:effectRef>
+          <a:fontRef idx="minor">
+            <a:schemeClr val="lt1"/>
+          </a:fontRef>
+        </p:style>
+        <p:txBody>
+          <a:bodyPr rtlCol="0" anchor="ctr"/>
+          <a:lstStyle/>
+          <a:p>
+            <a:pPr algn="ctr"/>
+            <a:endParaRPr lang="en-US" dirty="0">
+              <a:solidFill>
+                <a:srgbClr val="DB5B5C"/>
+              </a:solidFill>
+            </a:endParaRPr>
+          </a:p>
+        </p:txBody>
+      </p:sp>
+      <p:sp>
+        <p:nvSpPr>
+          <p:cNvPr id="10" name="TextBox 9">
+            <a:extLst>
+              <a:ext uri="{FF2B5EF4-FFF2-40B4-BE49-F238E27FC236}">
+                <a16:creationId xmlns:a16="http://schemas.microsoft.com/office/drawing/2014/main" id="{8A07C2CC-416F-4D29-84CF-D1F8B766EE5F}"/>
+              </a:ext>
+            </a:extLst>
+          </p:cNvPr>
+          <p:cNvSpPr txBox="1"/>
+          <p:nvPr/>
+        </p:nvSpPr>
+        <p:spPr>
+          <a:xfrm>
+            <a:off x="3080082" y="1520792"/>
+            <a:ext cx="9341732" cy="4893647"/>
+          </a:xfrm>
+          <a:prstGeom prst="rect">
+            <a:avLst/>
+          </a:prstGeom>
+          <a:noFill/>
+        </p:spPr>
+        <p:txBody>
+          <a:bodyPr wrap="square" rtlCol="0">
+            <a:spAutoFit/>
+          </a:bodyPr>
+          <a:lstStyle/>
+          <a:p>
+            <a:pPr marL="342900" indent="-342900">
+              <a:buFont typeface="Arial" panose="020B0604020202020204" pitchFamily="34" charset="0"/>
+              <a:buChar char="•"/>
+            </a:pPr>
+            <a:r>
+              <a:rPr lang="en-US" sz="2400" dirty="0">
+                <a:solidFill>
+                  <a:schemeClr val="bg1"/>
+                </a:solidFill>
+                <a:latin typeface="Selawik Semibold" panose="020B0702040204020203" pitchFamily="34" charset="0"/>
+              </a:rPr>
+              <a:t>OBP, SLG, OPS, and Runs Created</a:t>
+            </a:r>
+          </a:p>
+          <a:p>
+            <a:pPr marL="800100" lvl="1" indent="-342900">
+              <a:buFont typeface="Arial" panose="020B0604020202020204" pitchFamily="34" charset="0"/>
+              <a:buChar char="•"/>
+            </a:pPr>
+            <a:r>
+              <a:rPr lang="en-US" sz="2000" dirty="0">
+                <a:solidFill>
+                  <a:schemeClr val="bg1"/>
+                </a:solidFill>
+                <a:latin typeface="Selawik Semibold" panose="020B0702040204020203" pitchFamily="34" charset="0"/>
+              </a:rPr>
+              <a:t>Multiple Regression (2010-2016 Team Data)</a:t>
+            </a:r>
+          </a:p>
+          <a:p>
+            <a:pPr marL="800100" lvl="1" indent="-342900">
+              <a:buFont typeface="Arial" panose="020B0604020202020204" pitchFamily="34" charset="0"/>
+              <a:buChar char="•"/>
+            </a:pPr>
+            <a:endParaRPr lang="en-US" sz="2400" dirty="0">
+              <a:solidFill>
+                <a:schemeClr val="bg1"/>
+              </a:solidFill>
+              <a:latin typeface="Selawik Semibold" panose="020B0702040204020203" pitchFamily="34" charset="0"/>
+            </a:endParaRPr>
+          </a:p>
+          <a:p>
+            <a:pPr marL="800100" lvl="1" indent="-342900">
+              <a:buFont typeface="Arial" panose="020B0604020202020204" pitchFamily="34" charset="0"/>
+              <a:buChar char="•"/>
+            </a:pPr>
+            <a:endParaRPr lang="en-US" sz="2400" dirty="0">
+              <a:solidFill>
+                <a:schemeClr val="bg1"/>
+              </a:solidFill>
+              <a:latin typeface="Selawik Semibold" panose="020B0702040204020203" pitchFamily="34" charset="0"/>
+            </a:endParaRPr>
+          </a:p>
+          <a:p>
+            <a:pPr marL="800100" lvl="1" indent="-342900">
+              <a:buFont typeface="Arial" panose="020B0604020202020204" pitchFamily="34" charset="0"/>
+              <a:buChar char="•"/>
+            </a:pPr>
+            <a:endParaRPr lang="en-US" sz="2400" dirty="0">
+              <a:solidFill>
+                <a:schemeClr val="bg1"/>
+              </a:solidFill>
+              <a:latin typeface="Selawik Semibold" panose="020B0702040204020203" pitchFamily="34" charset="0"/>
+            </a:endParaRPr>
+          </a:p>
+          <a:p>
+            <a:pPr marL="800100" lvl="1" indent="-342900">
+              <a:buFont typeface="Arial" panose="020B0604020202020204" pitchFamily="34" charset="0"/>
+              <a:buChar char="•"/>
+            </a:pPr>
+            <a:endParaRPr lang="en-US" sz="2400" dirty="0">
+              <a:solidFill>
+                <a:schemeClr val="bg1"/>
+              </a:solidFill>
+              <a:latin typeface="Selawik Semibold" panose="020B0702040204020203" pitchFamily="34" charset="0"/>
+            </a:endParaRPr>
+          </a:p>
+          <a:p>
+            <a:pPr marL="800100" lvl="1" indent="-342900">
+              <a:buFont typeface="Arial" panose="020B0604020202020204" pitchFamily="34" charset="0"/>
+              <a:buChar char="•"/>
+            </a:pPr>
+            <a:endParaRPr lang="en-US" sz="2400" dirty="0">
+              <a:solidFill>
+                <a:schemeClr val="bg1"/>
+              </a:solidFill>
+              <a:latin typeface="Selawik Semibold" panose="020B0702040204020203" pitchFamily="34" charset="0"/>
+            </a:endParaRPr>
+          </a:p>
+          <a:p>
+            <a:pPr marL="800100" lvl="1" indent="-342900">
+              <a:buFont typeface="Arial" panose="020B0604020202020204" pitchFamily="34" charset="0"/>
+              <a:buChar char="•"/>
+            </a:pPr>
+            <a:endParaRPr lang="en-US" sz="2400" dirty="0">
+              <a:solidFill>
+                <a:schemeClr val="bg1"/>
+              </a:solidFill>
+              <a:latin typeface="Selawik Semibold" panose="020B0702040204020203" pitchFamily="34" charset="0"/>
+            </a:endParaRPr>
+          </a:p>
+          <a:p>
+            <a:pPr marL="800100" lvl="1" indent="-342900">
+              <a:buFont typeface="Arial" panose="020B0604020202020204" pitchFamily="34" charset="0"/>
+              <a:buChar char="•"/>
+            </a:pPr>
+            <a:endParaRPr lang="en-US" sz="2400" dirty="0">
+              <a:solidFill>
+                <a:schemeClr val="bg1"/>
+              </a:solidFill>
+              <a:latin typeface="Selawik Semibold" panose="020B0702040204020203" pitchFamily="34" charset="0"/>
+            </a:endParaRPr>
+          </a:p>
+          <a:p>
+            <a:pPr marL="800100" lvl="1" indent="-342900">
+              <a:buFont typeface="Arial" panose="020B0604020202020204" pitchFamily="34" charset="0"/>
+              <a:buChar char="•"/>
+            </a:pPr>
+            <a:endParaRPr lang="en-US" sz="2400" dirty="0">
+              <a:solidFill>
+                <a:schemeClr val="bg1"/>
+              </a:solidFill>
+              <a:latin typeface="Selawik Semibold" panose="020B0702040204020203" pitchFamily="34" charset="0"/>
+            </a:endParaRPr>
+          </a:p>
+          <a:p>
+            <a:pPr marL="800100" lvl="1" indent="-342900">
+              <a:buFont typeface="Arial" panose="020B0604020202020204" pitchFamily="34" charset="0"/>
+              <a:buChar char="•"/>
+            </a:pPr>
+            <a:endParaRPr lang="en-US" sz="2400" dirty="0">
+              <a:solidFill>
+                <a:schemeClr val="bg1"/>
+              </a:solidFill>
+              <a:latin typeface="Selawik Semibold" panose="020B0702040204020203" pitchFamily="34" charset="0"/>
+            </a:endParaRPr>
+          </a:p>
+          <a:p>
+            <a:pPr marL="800100" lvl="1" indent="-342900">
+              <a:buFont typeface="Arial" panose="020B0604020202020204" pitchFamily="34" charset="0"/>
+              <a:buChar char="•"/>
+            </a:pPr>
+            <a:endParaRPr lang="en-US" sz="2400" dirty="0">
+              <a:solidFill>
+                <a:schemeClr val="bg1"/>
+              </a:solidFill>
+              <a:latin typeface="Selawik Semibold" panose="020B0702040204020203" pitchFamily="34" charset="0"/>
+            </a:endParaRPr>
+          </a:p>
+          <a:p>
+            <a:pPr marL="800100" lvl="1" indent="-342900">
+              <a:buFont typeface="Arial" panose="020B0604020202020204" pitchFamily="34" charset="0"/>
+              <a:buChar char="•"/>
+            </a:pPr>
+            <a:r>
+              <a:rPr lang="en-US" sz="2000" dirty="0">
+                <a:solidFill>
+                  <a:schemeClr val="bg1"/>
+                </a:solidFill>
+                <a:latin typeface="Selawik Semibold" panose="020B0702040204020203" pitchFamily="34" charset="0"/>
+              </a:rPr>
+              <a:t>Summary: OBP is More Important Than SLG (1.4 Times More)</a:t>
+            </a:r>
+          </a:p>
+        </p:txBody>
+      </p:sp>
+      <mc:AlternateContent xmlns:mc="http://schemas.openxmlformats.org/markup-compatibility/2006" xmlns:a14="http://schemas.microsoft.com/office/drawing/2010/main">
+        <mc:Choice Requires="a14">
+          <p:sp>
+            <p:nvSpPr>
+              <p:cNvPr id="15" name="TextBox 14">
+                <a:extLst>
+                  <a:ext uri="{FF2B5EF4-FFF2-40B4-BE49-F238E27FC236}">
+                    <a16:creationId xmlns:a16="http://schemas.microsoft.com/office/drawing/2014/main" id="{059AA275-09F3-424C-8CA5-A0856F8796DC}"/>
+                  </a:ext>
+                </a:extLst>
+              </p:cNvPr>
+              <p:cNvSpPr txBox="1"/>
+              <p:nvPr/>
+            </p:nvSpPr>
+            <p:spPr>
+              <a:xfrm>
+                <a:off x="3691886" y="2338873"/>
+                <a:ext cx="7039979" cy="584775"/>
+              </a:xfrm>
+              <a:prstGeom prst="rect">
+                <a:avLst/>
+              </a:prstGeom>
+              <a:noFill/>
+            </p:spPr>
+            <p:txBody>
+              <a:bodyPr wrap="square" rtlCol="0">
+                <a:spAutoFit/>
+              </a:bodyPr>
+              <a:lstStyle/>
+              <a:p>
+                <a:pPr/>
+                <a14:m>
+                  <m:oMathPara xmlns:m="http://schemas.openxmlformats.org/officeDocument/2006/math">
+                    <m:oMathParaPr>
+                      <m:jc m:val="centerGroup"/>
+                    </m:oMathParaPr>
+                    <m:oMath xmlns:m="http://schemas.openxmlformats.org/officeDocument/2006/math">
+                      <m:r>
+                        <a:rPr lang="en-US" sz="3200" b="0" i="1" smtClean="0">
+                          <a:solidFill>
+                            <a:schemeClr val="bg1"/>
+                          </a:solidFill>
+                          <a:latin typeface="Cambria Math" panose="02040503050406030204" pitchFamily="18" charset="0"/>
+                        </a:rPr>
+                        <m:t>𝑅𝑢𝑛𝑠</m:t>
+                      </m:r>
+                      <m:r>
+                        <a:rPr lang="en-US" sz="3200" i="1">
+                          <a:solidFill>
+                            <a:schemeClr val="bg1"/>
+                          </a:solidFill>
+                          <a:latin typeface="Cambria Math" panose="02040503050406030204" pitchFamily="18" charset="0"/>
+                        </a:rPr>
+                        <m:t>=</m:t>
+                      </m:r>
+                      <m:sSub>
+                        <m:sSubPr>
+                          <m:ctrlPr>
+                            <a:rPr lang="en-US" sz="3200" i="1">
+                              <a:solidFill>
+                                <a:schemeClr val="bg1"/>
+                              </a:solidFill>
+                              <a:latin typeface="Cambria Math" panose="02040503050406030204" pitchFamily="18" charset="0"/>
+                            </a:rPr>
+                          </m:ctrlPr>
+                        </m:sSubPr>
+                        <m:e>
+                          <m:r>
+                            <a:rPr lang="en-US" sz="3200" i="1">
+                              <a:solidFill>
+                                <a:schemeClr val="bg1"/>
+                              </a:solidFill>
+                              <a:latin typeface="Cambria Math" panose="02040503050406030204" pitchFamily="18" charset="0"/>
+                            </a:rPr>
+                            <m:t>𝛽</m:t>
+                          </m:r>
+                        </m:e>
+                        <m:sub>
+                          <m:r>
+                            <a:rPr lang="en-US" sz="3200" i="1">
+                              <a:solidFill>
+                                <a:schemeClr val="bg1"/>
+                              </a:solidFill>
+                              <a:latin typeface="Cambria Math" panose="02040503050406030204" pitchFamily="18" charset="0"/>
+                            </a:rPr>
+                            <m:t>0</m:t>
+                          </m:r>
+                        </m:sub>
+                      </m:sSub>
+                      <m:r>
+                        <a:rPr lang="en-US" sz="3200" i="1">
+                          <a:solidFill>
+                            <a:schemeClr val="bg1"/>
+                          </a:solidFill>
+                          <a:latin typeface="Cambria Math" panose="02040503050406030204" pitchFamily="18" charset="0"/>
+                        </a:rPr>
+                        <m:t>+</m:t>
+                      </m:r>
+                      <m:sSub>
+                        <m:sSubPr>
+                          <m:ctrlPr>
+                            <a:rPr lang="en-US" sz="3200" i="1">
+                              <a:solidFill>
+                                <a:schemeClr val="bg1"/>
+                              </a:solidFill>
+                              <a:latin typeface="Cambria Math" panose="02040503050406030204" pitchFamily="18" charset="0"/>
+                            </a:rPr>
+                          </m:ctrlPr>
+                        </m:sSubPr>
+                        <m:e>
+                          <m:r>
+                            <a:rPr lang="en-US" sz="3200" i="1">
+                              <a:solidFill>
+                                <a:schemeClr val="bg1"/>
+                              </a:solidFill>
+                              <a:latin typeface="Cambria Math" panose="02040503050406030204" pitchFamily="18" charset="0"/>
+                            </a:rPr>
+                            <m:t>𝛽</m:t>
+                          </m:r>
+                        </m:e>
+                        <m:sub>
+                          <m:r>
+                            <a:rPr lang="en-US" sz="3200" i="1">
+                              <a:solidFill>
+                                <a:schemeClr val="bg1"/>
+                              </a:solidFill>
+                              <a:latin typeface="Cambria Math" panose="02040503050406030204" pitchFamily="18" charset="0"/>
+                            </a:rPr>
+                            <m:t>1</m:t>
+                          </m:r>
+                        </m:sub>
+                      </m:sSub>
+                      <m:r>
+                        <a:rPr lang="en-US" sz="3200" b="0" i="1" smtClean="0">
+                          <a:solidFill>
+                            <a:schemeClr val="bg1"/>
+                          </a:solidFill>
+                          <a:latin typeface="Cambria Math" panose="02040503050406030204" pitchFamily="18" charset="0"/>
+                        </a:rPr>
+                        <m:t>(</m:t>
+                      </m:r>
+                      <m:r>
+                        <a:rPr lang="en-US" sz="3200" b="0" i="1" smtClean="0">
+                          <a:solidFill>
+                            <a:schemeClr val="bg1"/>
+                          </a:solidFill>
+                          <a:latin typeface="Cambria Math" panose="02040503050406030204" pitchFamily="18" charset="0"/>
+                        </a:rPr>
+                        <m:t>𝑆𝐿𝐺</m:t>
+                      </m:r>
+                      <m:r>
+                        <a:rPr lang="en-US" sz="3200" b="0" i="1" smtClean="0">
+                          <a:solidFill>
+                            <a:schemeClr val="bg1"/>
+                          </a:solidFill>
+                          <a:latin typeface="Cambria Math" panose="02040503050406030204" pitchFamily="18" charset="0"/>
+                        </a:rPr>
+                        <m:t>)+</m:t>
+                      </m:r>
+                      <m:sSub>
+                        <m:sSubPr>
+                          <m:ctrlPr>
+                            <a:rPr lang="en-US" sz="3200" i="1" smtClean="0">
+                              <a:solidFill>
+                                <a:schemeClr val="bg1"/>
+                              </a:solidFill>
+                              <a:latin typeface="Cambria Math" panose="02040503050406030204" pitchFamily="18" charset="0"/>
+                            </a:rPr>
+                          </m:ctrlPr>
+                        </m:sSubPr>
+                        <m:e>
+                          <m:r>
+                            <a:rPr lang="en-US" sz="3200" i="1">
+                              <a:solidFill>
+                                <a:schemeClr val="bg1"/>
+                              </a:solidFill>
+                              <a:latin typeface="Cambria Math" panose="02040503050406030204" pitchFamily="18" charset="0"/>
+                            </a:rPr>
+                            <m:t>𝛽</m:t>
+                          </m:r>
+                        </m:e>
+                        <m:sub>
+                          <m:r>
+                            <a:rPr lang="en-US" sz="3200" b="0" i="1" smtClean="0">
+                              <a:solidFill>
+                                <a:schemeClr val="bg1"/>
+                              </a:solidFill>
+                              <a:latin typeface="Cambria Math" panose="02040503050406030204" pitchFamily="18" charset="0"/>
+                            </a:rPr>
+                            <m:t>2</m:t>
+                          </m:r>
+                        </m:sub>
+                      </m:sSub>
+                      <m:r>
+                        <a:rPr lang="en-US" sz="3200" b="0" i="1" smtClean="0">
+                          <a:solidFill>
+                            <a:schemeClr val="bg1"/>
+                          </a:solidFill>
+                          <a:latin typeface="Cambria Math" panose="02040503050406030204" pitchFamily="18" charset="0"/>
+                        </a:rPr>
+                        <m:t>(</m:t>
+                      </m:r>
+                      <m:r>
+                        <a:rPr lang="en-US" sz="3200" b="0" i="1" smtClean="0">
+                          <a:solidFill>
+                            <a:schemeClr val="bg1"/>
+                          </a:solidFill>
+                          <a:latin typeface="Cambria Math" panose="02040503050406030204" pitchFamily="18" charset="0"/>
+                        </a:rPr>
+                        <m:t>𝑂𝐵𝑃</m:t>
+                      </m:r>
+                      <m:r>
+                        <a:rPr lang="en-US" sz="3200" b="0" i="1" smtClean="0">
+                          <a:solidFill>
+                            <a:schemeClr val="bg1"/>
+                          </a:solidFill>
+                          <a:latin typeface="Cambria Math" panose="02040503050406030204" pitchFamily="18" charset="0"/>
+                        </a:rPr>
+                        <m:t>)+</m:t>
+                      </m:r>
+                      <m:r>
+                        <m:rPr>
+                          <m:sty m:val="p"/>
+                        </m:rPr>
+                        <a:rPr lang="en-US" sz="3200" i="1">
+                          <a:solidFill>
+                            <a:schemeClr val="bg1"/>
+                          </a:solidFill>
+                          <a:latin typeface="Cambria Math" panose="02040503050406030204" pitchFamily="18" charset="0"/>
+                        </a:rPr>
+                        <m:t>ϵ</m:t>
+                      </m:r>
+                    </m:oMath>
+                  </m:oMathPara>
+                </a14:m>
+                <a:endParaRPr lang="en-US" sz="3200" b="1" dirty="0">
+                  <a:solidFill>
+                    <a:schemeClr val="bg1"/>
+                  </a:solidFill>
+                </a:endParaRPr>
+              </a:p>
+            </p:txBody>
+          </p:sp>
+        </mc:Choice>
+        <mc:Fallback xmlns="">
+          <p:sp>
+            <p:nvSpPr>
+              <p:cNvPr id="15" name="TextBox 14">
+                <a:extLst>
+                  <a:ext uri="{FF2B5EF4-FFF2-40B4-BE49-F238E27FC236}">
+                    <a16:creationId xmlns:a16="http://schemas.microsoft.com/office/drawing/2014/main" id="{059AA275-09F3-424C-8CA5-A0856F8796DC}"/>
+                  </a:ext>
+                </a:extLst>
+              </p:cNvPr>
+              <p:cNvSpPr txBox="1">
+                <a:spLocks noRot="1" noChangeAspect="1" noMove="1" noResize="1" noEditPoints="1" noAdjustHandles="1" noChangeArrowheads="1" noChangeShapeType="1" noTextEdit="1"/>
+              </p:cNvSpPr>
+              <p:nvPr/>
+            </p:nvSpPr>
+            <p:spPr>
+              <a:xfrm>
+                <a:off x="3691886" y="2338873"/>
+                <a:ext cx="7039979" cy="584775"/>
+              </a:xfrm>
+              <a:prstGeom prst="rect">
+                <a:avLst/>
+              </a:prstGeom>
+              <a:blipFill>
+                <a:blip r:embed="rId4"/>
+                <a:stretch>
+                  <a:fillRect/>
+                </a:stretch>
+              </a:blipFill>
+            </p:spPr>
+            <p:txBody>
+              <a:bodyPr/>
+              <a:lstStyle/>
+              <a:p>
+                <a:r>
+                  <a:rPr lang="en-US">
+                    <a:noFill/>
+                  </a:rPr>
+                  <a:t> </a:t>
+                </a:r>
+              </a:p>
+            </p:txBody>
+          </p:sp>
+        </mc:Fallback>
+      </mc:AlternateContent>
+      <mc:AlternateContent xmlns:mc="http://schemas.openxmlformats.org/markup-compatibility/2006" xmlns:a14="http://schemas.microsoft.com/office/drawing/2010/main">
+        <mc:Choice Requires="a14">
+          <p:sp>
+            <p:nvSpPr>
+              <p:cNvPr id="18" name="TextBox 17">
+                <a:extLst>
+                  <a:ext uri="{FF2B5EF4-FFF2-40B4-BE49-F238E27FC236}">
+                    <a16:creationId xmlns:a16="http://schemas.microsoft.com/office/drawing/2014/main" id="{9885411C-DEDD-4A79-876F-782C5E15B349}"/>
+                  </a:ext>
+                </a:extLst>
+              </p:cNvPr>
+              <p:cNvSpPr txBox="1"/>
+              <p:nvPr/>
+            </p:nvSpPr>
+            <p:spPr>
+              <a:xfrm>
+                <a:off x="3395629" y="5014949"/>
+                <a:ext cx="8251007" cy="584775"/>
+              </a:xfrm>
+              <a:prstGeom prst="rect">
+                <a:avLst/>
+              </a:prstGeom>
+            </p:spPr>
+            <p:style>
+              <a:lnRef idx="2">
+                <a:schemeClr val="dk1">
+                  <a:shade val="50000"/>
+                </a:schemeClr>
+              </a:lnRef>
+              <a:fillRef idx="1">
+                <a:schemeClr val="dk1"/>
+              </a:fillRef>
+              <a:effectRef idx="0">
+                <a:schemeClr val="dk1"/>
+              </a:effectRef>
+              <a:fontRef idx="minor">
+                <a:schemeClr val="lt1"/>
+              </a:fontRef>
+            </p:style>
+            <p:txBody>
+              <a:bodyPr wrap="square" rtlCol="0">
+                <a:spAutoFit/>
+              </a:bodyPr>
+              <a:lstStyle/>
+              <a:p>
+                <a:pPr algn="ctr"/>
+                <a14:m>
+                  <m:oMath xmlns:m="http://schemas.openxmlformats.org/officeDocument/2006/math">
+                    <m:r>
+                      <a:rPr lang="en-US" sz="3200" b="0" i="1" smtClean="0">
+                        <a:solidFill>
+                          <a:schemeClr val="bg1"/>
+                        </a:solidFill>
+                        <a:latin typeface="Cambria Math" panose="02040503050406030204" pitchFamily="18" charset="0"/>
+                      </a:rPr>
+                      <m:t>𝑛</m:t>
+                    </m:r>
+                    <m:r>
+                      <a:rPr lang="en-US" sz="3200" b="0" i="1" smtClean="0">
+                        <a:solidFill>
+                          <a:schemeClr val="bg1"/>
+                        </a:solidFill>
+                        <a:latin typeface="Cambria Math" panose="02040503050406030204" pitchFamily="18" charset="0"/>
+                      </a:rPr>
+                      <m:t>=210</m:t>
+                    </m:r>
+                  </m:oMath>
+                </a14:m>
+                <a:r>
+                  <a:rPr lang="en-US" sz="3200" b="0" i="1" dirty="0">
+                    <a:solidFill>
+                      <a:schemeClr val="bg1"/>
+                    </a:solidFill>
+                    <a:latin typeface="Cambria Math" panose="02040503050406030204" pitchFamily="18" charset="0"/>
+                  </a:rPr>
+                  <a:t> </a:t>
+                </a:r>
+                <a:r>
+                  <a:rPr lang="en-US" sz="3200" b="0" dirty="0">
+                    <a:solidFill>
+                      <a:schemeClr val="bg1"/>
+                    </a:solidFill>
+                    <a:latin typeface="Cambria Math" panose="02040503050406030204" pitchFamily="18" charset="0"/>
+                  </a:rPr>
+                  <a:t>&amp;</a:t>
+                </a:r>
+                <a:r>
+                  <a:rPr lang="en-US" sz="3200" b="0" i="1" dirty="0">
+                    <a:solidFill>
+                      <a:schemeClr val="bg1"/>
+                    </a:solidFill>
+                    <a:latin typeface="Cambria Math" panose="02040503050406030204" pitchFamily="18" charset="0"/>
+                  </a:rPr>
+                  <a:t> </a:t>
+                </a:r>
+                <a14:m>
+                  <m:oMath xmlns:m="http://schemas.openxmlformats.org/officeDocument/2006/math">
+                    <m:sSup>
+                      <m:sSupPr>
+                        <m:ctrlPr>
+                          <a:rPr lang="en-US" sz="3200" b="0" i="1" smtClean="0">
+                            <a:solidFill>
+                              <a:schemeClr val="bg1"/>
+                            </a:solidFill>
+                            <a:latin typeface="Cambria Math" panose="02040503050406030204" pitchFamily="18" charset="0"/>
+                          </a:rPr>
+                        </m:ctrlPr>
+                      </m:sSupPr>
+                      <m:e>
+                        <m:r>
+                          <a:rPr lang="en-US" sz="3200" b="0" i="1" smtClean="0">
+                            <a:solidFill>
+                              <a:schemeClr val="bg1"/>
+                            </a:solidFill>
+                            <a:latin typeface="Cambria Math" panose="02040503050406030204" pitchFamily="18" charset="0"/>
+                          </a:rPr>
+                          <m:t>𝑅</m:t>
+                        </m:r>
+                      </m:e>
+                      <m:sup>
+                        <m:r>
+                          <a:rPr lang="en-US" sz="3200" b="0" i="1" smtClean="0">
+                            <a:solidFill>
+                              <a:schemeClr val="bg1"/>
+                            </a:solidFill>
+                            <a:latin typeface="Cambria Math" panose="02040503050406030204" pitchFamily="18" charset="0"/>
+                          </a:rPr>
+                          <m:t>2</m:t>
+                        </m:r>
+                      </m:sup>
+                    </m:sSup>
+                    <m:r>
+                      <a:rPr lang="en-US" sz="3200" b="0" i="1" smtClean="0">
+                        <a:solidFill>
+                          <a:schemeClr val="bg1"/>
+                        </a:solidFill>
+                        <a:latin typeface="Cambria Math" panose="02040503050406030204" pitchFamily="18" charset="0"/>
+                      </a:rPr>
+                      <m:t>=0.</m:t>
+                    </m:r>
+                    <m:r>
+                      <a:rPr lang="en-US" sz="3200" b="0" i="0" smtClean="0">
+                        <a:solidFill>
+                          <a:schemeClr val="bg1"/>
+                        </a:solidFill>
+                        <a:latin typeface="Cambria Math" panose="02040503050406030204" pitchFamily="18" charset="0"/>
+                      </a:rPr>
+                      <m:t>89 &amp; </m:t>
+                    </m:r>
+                    <m:r>
+                      <a:rPr lang="en-US" sz="3200" b="0" i="1" smtClean="0">
+                        <a:solidFill>
+                          <a:schemeClr val="bg1"/>
+                        </a:solidFill>
+                        <a:latin typeface="Cambria Math" panose="02040503050406030204" pitchFamily="18" charset="0"/>
+                      </a:rPr>
+                      <m:t>𝐴𝑑𝑗</m:t>
+                    </m:r>
+                    <m:r>
+                      <a:rPr lang="en-US" sz="3200" b="0" i="1" smtClean="0">
+                        <a:solidFill>
+                          <a:schemeClr val="bg1"/>
+                        </a:solidFill>
+                        <a:latin typeface="Cambria Math" panose="02040503050406030204" pitchFamily="18" charset="0"/>
+                      </a:rPr>
+                      <m:t>. </m:t>
+                    </m:r>
+                    <m:sSup>
+                      <m:sSupPr>
+                        <m:ctrlPr>
+                          <a:rPr lang="en-US" sz="3200" b="0" i="1" smtClean="0">
+                            <a:solidFill>
+                              <a:schemeClr val="bg1"/>
+                            </a:solidFill>
+                            <a:latin typeface="Cambria Math" panose="02040503050406030204" pitchFamily="18" charset="0"/>
+                          </a:rPr>
+                        </m:ctrlPr>
+                      </m:sSupPr>
+                      <m:e>
+                        <m:r>
+                          <a:rPr lang="en-US" sz="3200" b="0" i="1" smtClean="0">
+                            <a:solidFill>
+                              <a:schemeClr val="bg1"/>
+                            </a:solidFill>
+                            <a:latin typeface="Cambria Math" panose="02040503050406030204" pitchFamily="18" charset="0"/>
+                          </a:rPr>
+                          <m:t>𝑅</m:t>
+                        </m:r>
+                      </m:e>
+                      <m:sup>
+                        <m:r>
+                          <a:rPr lang="en-US" sz="3200" b="0" i="1" smtClean="0">
+                            <a:solidFill>
+                              <a:schemeClr val="bg1"/>
+                            </a:solidFill>
+                            <a:latin typeface="Cambria Math" panose="02040503050406030204" pitchFamily="18" charset="0"/>
+                          </a:rPr>
+                          <m:t>2</m:t>
+                        </m:r>
+                      </m:sup>
+                    </m:sSup>
+                    <m:r>
+                      <a:rPr lang="en-US" sz="3200" b="0" i="1" smtClean="0">
+                        <a:solidFill>
+                          <a:schemeClr val="bg1"/>
+                        </a:solidFill>
+                        <a:latin typeface="Cambria Math" panose="02040503050406030204" pitchFamily="18" charset="0"/>
+                      </a:rPr>
+                      <m:t>=0.88</m:t>
+                    </m:r>
+                  </m:oMath>
+                </a14:m>
+                <a:endParaRPr lang="en-US" sz="3200" b="0" dirty="0">
+                  <a:solidFill>
+                    <a:schemeClr val="bg1"/>
+                  </a:solidFill>
+                </a:endParaRPr>
+              </a:p>
+            </p:txBody>
+          </p:sp>
+        </mc:Choice>
+        <mc:Fallback xmlns="">
+          <p:sp>
+            <p:nvSpPr>
+              <p:cNvPr id="18" name="TextBox 17">
+                <a:extLst>
+                  <a:ext uri="{FF2B5EF4-FFF2-40B4-BE49-F238E27FC236}">
+                    <a16:creationId xmlns:a16="http://schemas.microsoft.com/office/drawing/2014/main" id="{9885411C-DEDD-4A79-876F-782C5E15B349}"/>
+                  </a:ext>
+                </a:extLst>
+              </p:cNvPr>
+              <p:cNvSpPr txBox="1">
+                <a:spLocks noRot="1" noChangeAspect="1" noMove="1" noResize="1" noEditPoints="1" noAdjustHandles="1" noChangeArrowheads="1" noChangeShapeType="1" noTextEdit="1"/>
+              </p:cNvSpPr>
+              <p:nvPr/>
+            </p:nvSpPr>
+            <p:spPr>
+              <a:xfrm>
+                <a:off x="3395629" y="5014949"/>
+                <a:ext cx="8251007" cy="584775"/>
+              </a:xfrm>
+              <a:prstGeom prst="rect">
+                <a:avLst/>
+              </a:prstGeom>
+              <a:blipFill>
+                <a:blip r:embed="rId5"/>
+                <a:stretch>
+                  <a:fillRect t="-14286" b="-29592"/>
+                </a:stretch>
+              </a:blipFill>
+            </p:spPr>
+            <p:txBody>
+              <a:bodyPr/>
+              <a:lstStyle/>
+              <a:p>
+                <a:r>
+                  <a:rPr lang="en-US">
+                    <a:noFill/>
+                  </a:rPr>
+                  <a:t> </a:t>
+                </a:r>
+              </a:p>
+            </p:txBody>
+          </p:sp>
+        </mc:Fallback>
+      </mc:AlternateContent>
+      <p:pic>
+        <p:nvPicPr>
+          <p:cNvPr id="4" name="Picture 3">
+            <a:extLst>
+              <a:ext uri="{FF2B5EF4-FFF2-40B4-BE49-F238E27FC236}">
+                <a16:creationId xmlns:a16="http://schemas.microsoft.com/office/drawing/2014/main" id="{A561AA38-5086-0720-D31E-990E62D67BEF}"/>
+              </a:ext>
+            </a:extLst>
+          </p:cNvPr>
+          <p:cNvPicPr>
+            <a:picLocks noChangeAspect="1"/>
+          </p:cNvPicPr>
+          <p:nvPr/>
+        </p:nvPicPr>
+        <p:blipFill>
+          <a:blip r:embed="rId6"/>
+          <a:stretch>
+            <a:fillRect/>
+          </a:stretch>
+        </p:blipFill>
+        <p:spPr>
+          <a:xfrm>
+            <a:off x="3007491" y="3076080"/>
+            <a:ext cx="9091757" cy="1389438"/>
+          </a:xfrm>
+          <a:prstGeom prst="rect">
+            <a:avLst/>
+          </a:prstGeom>
+        </p:spPr>
+      </p:pic>
+    </p:spTree>
+    <p:extLst>
+      <p:ext uri="{BB962C8B-B14F-4D97-AF65-F5344CB8AC3E}">
+        <p14:creationId xmlns:p14="http://schemas.microsoft.com/office/powerpoint/2010/main" val="2087752578"/>
       </p:ext>
     </p:extLst>
   </p:cSld>
